--- a/SoS/230809_SoS分科会第6回進め方のご相談_rev.0.pptx
+++ b/SoS/230809_SoS分科会第6回進め方のご相談_rev.0.pptx
@@ -5,7 +5,7 @@
     <p:sldMasterId id="2147483756" r:id="rId1"/>
   </p:sldMasterIdLst>
   <p:notesMasterIdLst>
-    <p:notesMasterId r:id="rId15"/>
+    <p:notesMasterId r:id="rId14"/>
   </p:notesMasterIdLst>
   <p:sldIdLst>
     <p:sldId id="269" r:id="rId2"/>
@@ -17,10 +17,9 @@
     <p:sldId id="545" r:id="rId8"/>
     <p:sldId id="549" r:id="rId9"/>
     <p:sldId id="551" r:id="rId10"/>
-    <p:sldId id="546" r:id="rId11"/>
-    <p:sldId id="547" r:id="rId12"/>
-    <p:sldId id="550" r:id="rId13"/>
-    <p:sldId id="286" r:id="rId14"/>
+    <p:sldId id="547" r:id="rId11"/>
+    <p:sldId id="550" r:id="rId12"/>
+    <p:sldId id="286" r:id="rId13"/>
   </p:sldIdLst>
   <p:sldSz cx="12192000" cy="6858000"/>
   <p:notesSz cx="6858000" cy="9144000"/>
@@ -576,7 +575,7 @@
           <a:p>
             <a:fld id="{234BF75D-FAA7-4C74-927E-D481AAC481B6}" type="slidenum">
               <a:rPr kumimoji="1" lang="ja-JP" altLang="en-US" smtClean="0"/>
-              <a:t>13</a:t>
+              <a:t>12</a:t>
             </a:fld>
             <a:endParaRPr kumimoji="1" lang="ja-JP" altLang="en-US"/>
           </a:p>
@@ -9218,7 +9217,7 @@
             </a:r>
             <a:r>
               <a:rPr lang="ja-JP" altLang="en-US" dirty="0"/>
-              <a:t>の事例：電力インフラ</a:t>
+              <a:t>の事例：鉄道の相互直通運転（相互乗入）の運行管理</a:t>
             </a:r>
             <a:endParaRPr lang="en-US" dirty="0"/>
           </a:p>
@@ -9277,53 +9276,48 @@
           <a:p>
             <a:r>
               <a:rPr lang="ja-JP" altLang="en-US" dirty="0"/>
-              <a:t>電力システム改革：発送電分離・自由化によって、需要家の利便性を維持しつつ、複数事業者間の連携方法が必要。</a:t>
+              <a:t>全体の乗換混雑緩和のために、他社の車両を借りて、自社路線を自社の運転士が運転する。</a:t>
             </a:r>
             <a:endParaRPr lang="en-US" altLang="ja-JP" dirty="0"/>
           </a:p>
           <a:p>
             <a:r>
               <a:rPr lang="ja-JP" altLang="en-US" dirty="0"/>
-              <a:t>再生可能エネルギーの導入：需要家を含めた分散型電源、自然の不確実性、供給側の脱炭素化のために、需給連携が必要。（デマンドレスポンス、</a:t>
-            </a:r>
+              <a:t>運転距離や乗客数に応じて、事業者間の車両賃貸料金を抑えたり、運賃収入を分配する。</a:t>
+            </a:r>
+            <a:endParaRPr lang="en-US" altLang="ja-JP" dirty="0"/>
+          </a:p>
+          <a:p>
+            <a:r>
+              <a:rPr lang="ja-JP" altLang="en-US" dirty="0"/>
+              <a:t>相互乗入区間のダイヤ改正は、事業者間の利害を調整しながら、多くの時間を要する。</a:t>
+            </a:r>
+            <a:endParaRPr lang="en-US" altLang="ja-JP" dirty="0"/>
+          </a:p>
+          <a:p>
+            <a:endParaRPr lang="en-US" altLang="ja-JP" dirty="0"/>
+          </a:p>
+          <a:p>
             <a:r>
               <a:rPr lang="en-US" altLang="ja-JP" dirty="0"/>
-              <a:t>VPP</a:t>
+              <a:t>5</a:t>
             </a:r>
             <a:r>
               <a:rPr lang="ja-JP" altLang="en-US" dirty="0"/>
-              <a:t>、</a:t>
-            </a:r>
-            <a:r>
-              <a:rPr lang="en-US" altLang="ja-JP" dirty="0"/>
-              <a:t>P2P</a:t>
-            </a:r>
+              <a:t>社相互直通運転のための運行管理システム（東京メトロ、日立製作所）</a:t>
+            </a:r>
+            <a:endParaRPr lang="en-US" altLang="ja-JP" dirty="0"/>
+          </a:p>
+          <a:p>
+            <a:pPr lvl="1"/>
             <a:r>
               <a:rPr lang="ja-JP" altLang="en-US" dirty="0"/>
-              <a:t>、</a:t>
-            </a:r>
-            <a:r>
-              <a:rPr lang="en-US" altLang="ja-JP" dirty="0"/>
-              <a:t>FPP</a:t>
-            </a:r>
-            <a:r>
-              <a:rPr lang="ja-JP" altLang="en-US" dirty="0"/>
-              <a:t>、</a:t>
-            </a:r>
-            <a:r>
-              <a:rPr lang="en-US" altLang="ja-JP" dirty="0"/>
-              <a:t>TES</a:t>
-            </a:r>
-            <a:r>
-              <a:rPr lang="ja-JP" altLang="en-US" dirty="0"/>
-              <a:t>）</a:t>
+              <a:t>要素システム間の境界における相互作用を厳密に設計している</a:t>
             </a:r>
             <a:endParaRPr lang="en-US" altLang="ja-JP" dirty="0"/>
           </a:p>
           <a:p>
-            <a:endParaRPr lang="en-US" altLang="ja-JP" dirty="0"/>
-          </a:p>
-          <a:p>
+            <a:pPr lvl="1"/>
             <a:endParaRPr lang="en-US" altLang="ja-JP" dirty="0"/>
           </a:p>
         </p:txBody>
@@ -9331,7 +9325,7 @@
     </p:spTree>
     <p:extLst>
       <p:ext uri="{BB962C8B-B14F-4D97-AF65-F5344CB8AC3E}">
-        <p14:creationId xmlns:p14="http://schemas.microsoft.com/office/powerpoint/2010/main" val="1547100331"/>
+        <p14:creationId xmlns:p14="http://schemas.microsoft.com/office/powerpoint/2010/main" val="1561192505"/>
       </p:ext>
     </p:extLst>
   </p:cSld>
@@ -9380,12 +9374,8 @@
           <a:lstStyle/>
           <a:p>
             <a:r>
-              <a:rPr lang="en-US" altLang="ja-JP" dirty="0"/>
-              <a:t>SoS</a:t>
-            </a:r>
-            <a:r>
               <a:rPr lang="ja-JP" altLang="en-US" dirty="0"/>
-              <a:t>の事例：鉄道の相互直通運転（相互乗入）の運行管理</a:t>
+              <a:t>まとめ</a:t>
             </a:r>
             <a:endParaRPr lang="en-US" dirty="0"/>
           </a:p>
@@ -9444,48 +9434,31 @@
           <a:p>
             <a:r>
               <a:rPr lang="ja-JP" altLang="en-US" dirty="0"/>
-              <a:t>全体の乗換混雑緩和のために、他社の車両を借りて、自社路線を自社の運転士が運転する。</a:t>
+              <a:t>まずは、来週前半にこの提言を分科会事務局に話してみる。</a:t>
             </a:r>
             <a:endParaRPr lang="en-US" altLang="ja-JP" dirty="0"/>
           </a:p>
           <a:p>
             <a:r>
               <a:rPr lang="ja-JP" altLang="en-US" dirty="0"/>
-              <a:t>運転距離や乗客数に応じて、事業者間の車両賃貸料金を抑えたり、運賃収入を分配する。</a:t>
-            </a:r>
-            <a:endParaRPr lang="en-US" altLang="ja-JP" dirty="0"/>
-          </a:p>
-          <a:p>
+              <a:t>第</a:t>
+            </a:r>
+            <a:r>
+              <a:rPr lang="en-US" altLang="ja-JP" dirty="0"/>
+              <a:t>6</a:t>
+            </a:r>
             <a:r>
               <a:rPr lang="ja-JP" altLang="en-US" dirty="0"/>
-              <a:t>相互乗入区間のダイヤ改正は、事業者間の利害を調整しながら、多くの時間を要する。</a:t>
-            </a:r>
-            <a:endParaRPr lang="en-US" altLang="ja-JP" dirty="0"/>
-          </a:p>
-          <a:p>
-            <a:endParaRPr lang="en-US" altLang="ja-JP" dirty="0"/>
-          </a:p>
-          <a:p>
+              <a:t>回（</a:t>
+            </a:r>
             <a:r>
               <a:rPr lang="en-US" altLang="ja-JP" dirty="0"/>
-              <a:t>5</a:t>
+              <a:t>8/30</a:t>
             </a:r>
             <a:r>
               <a:rPr lang="ja-JP" altLang="en-US" dirty="0"/>
-              <a:t>社相互直通運転のための運行管理システム（東京メトロ、日立製作所）</a:t>
-            </a:r>
-            <a:endParaRPr lang="en-US" altLang="ja-JP" dirty="0"/>
-          </a:p>
-          <a:p>
-            <a:pPr lvl="1"/>
-            <a:r>
-              <a:rPr lang="ja-JP" altLang="en-US" dirty="0"/>
-              <a:t>要素システム間の境界における相互作用を厳密に設計している</a:t>
-            </a:r>
-            <a:endParaRPr lang="en-US" altLang="ja-JP" dirty="0"/>
-          </a:p>
-          <a:p>
-            <a:pPr lvl="1"/>
+              <a:t>）に、このままの内容をメンバーに話してみるか、事務局の方で引き取ってもらうか、相談する。</a:t>
+            </a:r>
             <a:endParaRPr lang="en-US" altLang="ja-JP" dirty="0"/>
           </a:p>
         </p:txBody>
@@ -9493,7 +9466,7 @@
     </p:spTree>
     <p:extLst>
       <p:ext uri="{BB962C8B-B14F-4D97-AF65-F5344CB8AC3E}">
-        <p14:creationId xmlns:p14="http://schemas.microsoft.com/office/powerpoint/2010/main" val="1561192505"/>
+        <p14:creationId xmlns:p14="http://schemas.microsoft.com/office/powerpoint/2010/main" val="534514034"/>
       </p:ext>
     </p:extLst>
   </p:cSld>
@@ -9522,147 +9495,6 @@
       </p:grpSpPr>
       <p:sp>
         <p:nvSpPr>
-          <p:cNvPr id="5" name="タイトル 4">
-            <a:extLst>
-              <a:ext uri="{FF2B5EF4-FFF2-40B4-BE49-F238E27FC236}">
-                <a16:creationId xmlns:a16="http://schemas.microsoft.com/office/drawing/2014/main" id="{560C5BD5-1532-4087-ACF7-85710DC69FAA}"/>
-              </a:ext>
-            </a:extLst>
-          </p:cNvPr>
-          <p:cNvSpPr>
-            <a:spLocks noGrp="1"/>
-          </p:cNvSpPr>
-          <p:nvPr>
-            <p:ph type="title"/>
-          </p:nvPr>
-        </p:nvSpPr>
-        <p:spPr/>
-        <p:txBody>
-          <a:bodyPr/>
-          <a:lstStyle/>
-          <a:p>
-            <a:r>
-              <a:rPr lang="ja-JP" altLang="en-US" dirty="0"/>
-              <a:t>まとめ</a:t>
-            </a:r>
-            <a:endParaRPr lang="en-US" dirty="0"/>
-          </a:p>
-        </p:txBody>
-      </p:sp>
-      <p:sp>
-        <p:nvSpPr>
-          <p:cNvPr id="3" name="スライド番号プレースホルダー 2">
-            <a:extLst>
-              <a:ext uri="{FF2B5EF4-FFF2-40B4-BE49-F238E27FC236}">
-                <a16:creationId xmlns:a16="http://schemas.microsoft.com/office/drawing/2014/main" id="{ED23190D-575C-49DE-8293-87C3C1C8D779}"/>
-              </a:ext>
-            </a:extLst>
-          </p:cNvPr>
-          <p:cNvSpPr>
-            <a:spLocks noGrp="1"/>
-          </p:cNvSpPr>
-          <p:nvPr>
-            <p:ph type="sldNum" sz="quarter" idx="10"/>
-          </p:nvPr>
-        </p:nvSpPr>
-        <p:spPr/>
-        <p:txBody>
-          <a:bodyPr/>
-          <a:lstStyle/>
-          <a:p>
-            <a:fld id="{584EAAFE-CFE5-40AD-8E95-5BFF290DC5CF}" type="slidenum">
-              <a:rPr kumimoji="1" lang="ja-JP" altLang="en-US" smtClean="0"/>
-              <a:pPr/>
-              <a:t>12</a:t>
-            </a:fld>
-            <a:endParaRPr kumimoji="1" lang="ja-JP" altLang="en-US"/>
-          </a:p>
-        </p:txBody>
-      </p:sp>
-      <p:sp>
-        <p:nvSpPr>
-          <p:cNvPr id="9" name="テキスト プレースホルダー 8">
-            <a:extLst>
-              <a:ext uri="{FF2B5EF4-FFF2-40B4-BE49-F238E27FC236}">
-                <a16:creationId xmlns:a16="http://schemas.microsoft.com/office/drawing/2014/main" id="{A809889B-886C-09D3-E0E0-05C8C4A3F3EE}"/>
-              </a:ext>
-            </a:extLst>
-          </p:cNvPr>
-          <p:cNvSpPr>
-            <a:spLocks noGrp="1"/>
-          </p:cNvSpPr>
-          <p:nvPr>
-            <p:ph type="body" sz="quarter" idx="11"/>
-          </p:nvPr>
-        </p:nvSpPr>
-        <p:spPr/>
-        <p:txBody>
-          <a:bodyPr/>
-          <a:lstStyle/>
-          <a:p>
-            <a:r>
-              <a:rPr lang="ja-JP" altLang="en-US" dirty="0"/>
-              <a:t>まずは、来週前半にこの提言を分科会事務局に話してみる。</a:t>
-            </a:r>
-            <a:endParaRPr lang="en-US" altLang="ja-JP" dirty="0"/>
-          </a:p>
-          <a:p>
-            <a:r>
-              <a:rPr lang="ja-JP" altLang="en-US" dirty="0"/>
-              <a:t>第</a:t>
-            </a:r>
-            <a:r>
-              <a:rPr lang="en-US" altLang="ja-JP" dirty="0"/>
-              <a:t>6</a:t>
-            </a:r>
-            <a:r>
-              <a:rPr lang="ja-JP" altLang="en-US" dirty="0"/>
-              <a:t>回（</a:t>
-            </a:r>
-            <a:r>
-              <a:rPr lang="en-US" altLang="ja-JP" dirty="0"/>
-              <a:t>8/30</a:t>
-            </a:r>
-            <a:r>
-              <a:rPr lang="ja-JP" altLang="en-US" dirty="0"/>
-              <a:t>）に、このままの内容をメンバーに話してみるか、事務局の方で引き取ってもらうか、相談する。</a:t>
-            </a:r>
-            <a:endParaRPr lang="en-US" altLang="ja-JP" dirty="0"/>
-          </a:p>
-        </p:txBody>
-      </p:sp>
-    </p:spTree>
-    <p:extLst>
-      <p:ext uri="{BB962C8B-B14F-4D97-AF65-F5344CB8AC3E}">
-        <p14:creationId xmlns:p14="http://schemas.microsoft.com/office/powerpoint/2010/main" val="534514034"/>
-      </p:ext>
-    </p:extLst>
-  </p:cSld>
-  <p:clrMapOvr>
-    <a:masterClrMapping/>
-  </p:clrMapOvr>
-</p:sld>
-</file>
-
-<file path=ppt/slides/slide13.xml><?xml version="1.0" encoding="utf-8"?>
-<p:sld xmlns:a="http://schemas.openxmlformats.org/drawingml/2006/main" xmlns:r="http://schemas.openxmlformats.org/officeDocument/2006/relationships" xmlns:p="http://schemas.openxmlformats.org/presentationml/2006/main">
-  <p:cSld>
-    <p:spTree>
-      <p:nvGrpSpPr>
-        <p:cNvPr id="1" name=""/>
-        <p:cNvGrpSpPr/>
-        <p:nvPr/>
-      </p:nvGrpSpPr>
-      <p:grpSpPr>
-        <a:xfrm>
-          <a:off x="0" y="0"/>
-          <a:ext cx="0" cy="0"/>
-          <a:chOff x="0" y="0"/>
-          <a:chExt cx="0" cy="0"/>
-        </a:xfrm>
-      </p:grpSpPr>
-      <p:sp>
-        <p:nvSpPr>
           <p:cNvPr id="2" name="スライド番号プレースホルダー 1">
             <a:extLst>
               <a:ext uri="{FF2B5EF4-FFF2-40B4-BE49-F238E27FC236}">
@@ -9685,7 +9517,7 @@
             <a:fld id="{B3001740-FA51-4383-A84C-3DA006D12C29}" type="slidenum">
               <a:rPr lang="ja-JP" altLang="en-US" smtClean="0"/>
               <a:pPr/>
-              <a:t>13</a:t>
+              <a:t>12</a:t>
             </a:fld>
             <a:endParaRPr lang="ja-JP" altLang="en-US" dirty="0"/>
           </a:p>
@@ -17971,10 +17803,10 @@
       </p:grpSpPr>
       <p:sp>
         <p:nvSpPr>
-          <p:cNvPr id="1044" name="正方形/長方形 1043">
-            <a:extLst>
-              <a:ext uri="{FF2B5EF4-FFF2-40B4-BE49-F238E27FC236}">
-                <a16:creationId xmlns:a16="http://schemas.microsoft.com/office/drawing/2014/main" id="{18AC8C09-0342-055C-B824-3BEE7146F416}"/>
+          <p:cNvPr id="1047" name="正方形/長方形 1046">
+            <a:extLst>
+              <a:ext uri="{FF2B5EF4-FFF2-40B4-BE49-F238E27FC236}">
+                <a16:creationId xmlns:a16="http://schemas.microsoft.com/office/drawing/2014/main" id="{08E68037-ADD7-4BBA-F31F-D2DFAC59D133}"/>
               </a:ext>
             </a:extLst>
           </p:cNvPr>
@@ -17983,18 +17815,21 @@
         </p:nvSpPr>
         <p:spPr>
           <a:xfrm>
-            <a:off x="1193049" y="2178674"/>
-            <a:ext cx="5614479" cy="4034660"/>
+            <a:off x="7482695" y="1910443"/>
+            <a:ext cx="4230680" cy="4287279"/>
           </a:xfrm>
           <a:prstGeom prst="rect">
             <a:avLst/>
           </a:prstGeom>
           <a:solidFill>
-            <a:schemeClr val="accent2">
+            <a:schemeClr val="accent3">
               <a:lumMod val="20000"/>
               <a:lumOff val="80000"/>
             </a:schemeClr>
           </a:solidFill>
+          <a:ln>
+            <a:noFill/>
+          </a:ln>
         </p:spPr>
         <p:style>
           <a:lnRef idx="2">
@@ -18027,10 +17862,10 @@
       </p:sp>
       <p:sp>
         <p:nvSpPr>
-          <p:cNvPr id="1047" name="正方形/長方形 1046">
-            <a:extLst>
-              <a:ext uri="{FF2B5EF4-FFF2-40B4-BE49-F238E27FC236}">
-                <a16:creationId xmlns:a16="http://schemas.microsoft.com/office/drawing/2014/main" id="{08E68037-ADD7-4BBA-F31F-D2DFAC59D133}"/>
+          <p:cNvPr id="1177" name="四角形: 角を丸くする 1176">
+            <a:extLst>
+              <a:ext uri="{FF2B5EF4-FFF2-40B4-BE49-F238E27FC236}">
+                <a16:creationId xmlns:a16="http://schemas.microsoft.com/office/drawing/2014/main" id="{48D4AE82-D7A2-CF2C-0430-3BC36E2A476D}"/>
               </a:ext>
             </a:extLst>
           </p:cNvPr>
@@ -18039,17 +17874,14 @@
         </p:nvSpPr>
         <p:spPr>
           <a:xfrm>
-            <a:off x="7704030" y="2163062"/>
-            <a:ext cx="3904793" cy="4034660"/>
-          </a:xfrm>
-          <a:prstGeom prst="rect">
+            <a:off x="8511420" y="5256186"/>
+            <a:ext cx="2635386" cy="736762"/>
+          </a:xfrm>
+          <a:prstGeom prst="roundRect">
             <a:avLst/>
           </a:prstGeom>
           <a:solidFill>
-            <a:schemeClr val="accent3">
-              <a:lumMod val="20000"/>
-              <a:lumOff val="80000"/>
-            </a:schemeClr>
+            <a:schemeClr val="bg1"/>
           </a:solidFill>
         </p:spPr>
         <p:style>
@@ -18083,6 +17915,224 @@
       </p:sp>
       <p:sp>
         <p:nvSpPr>
+          <p:cNvPr id="1044" name="正方形/長方形 1043">
+            <a:extLst>
+              <a:ext uri="{FF2B5EF4-FFF2-40B4-BE49-F238E27FC236}">
+                <a16:creationId xmlns:a16="http://schemas.microsoft.com/office/drawing/2014/main" id="{18AC8C09-0342-055C-B824-3BEE7146F416}"/>
+              </a:ext>
+            </a:extLst>
+          </p:cNvPr>
+          <p:cNvSpPr/>
+          <p:nvPr/>
+        </p:nvSpPr>
+        <p:spPr>
+          <a:xfrm>
+            <a:off x="462872" y="1910443"/>
+            <a:ext cx="6480094" cy="4287279"/>
+          </a:xfrm>
+          <a:prstGeom prst="rect">
+            <a:avLst/>
+          </a:prstGeom>
+          <a:solidFill>
+            <a:schemeClr val="accent2">
+              <a:lumMod val="20000"/>
+              <a:lumOff val="80000"/>
+            </a:schemeClr>
+          </a:solidFill>
+          <a:ln>
+            <a:noFill/>
+          </a:ln>
+        </p:spPr>
+        <p:style>
+          <a:lnRef idx="2">
+            <a:schemeClr val="accent1">
+              <a:shade val="50000"/>
+            </a:schemeClr>
+          </a:lnRef>
+          <a:fillRef idx="1">
+            <a:schemeClr val="accent1"/>
+          </a:fillRef>
+          <a:effectRef idx="0">
+            <a:schemeClr val="accent1"/>
+          </a:effectRef>
+          <a:fontRef idx="minor">
+            <a:schemeClr val="lt1"/>
+          </a:fontRef>
+        </p:style>
+        <p:txBody>
+          <a:bodyPr rtlCol="0" anchor="ctr"/>
+          <a:lstStyle/>
+          <a:p>
+            <a:pPr algn="ctr"/>
+            <a:endParaRPr kumimoji="1" lang="ja-JP" altLang="en-US">
+              <a:solidFill>
+                <a:schemeClr val="tx1"/>
+              </a:solidFill>
+            </a:endParaRPr>
+          </a:p>
+        </p:txBody>
+      </p:sp>
+      <p:sp>
+        <p:nvSpPr>
+          <p:cNvPr id="108" name="四角形: 角を丸くする 107">
+            <a:extLst>
+              <a:ext uri="{FF2B5EF4-FFF2-40B4-BE49-F238E27FC236}">
+                <a16:creationId xmlns:a16="http://schemas.microsoft.com/office/drawing/2014/main" id="{D3522ADB-2A7C-C68E-B113-DD0B3A473618}"/>
+              </a:ext>
+            </a:extLst>
+          </p:cNvPr>
+          <p:cNvSpPr/>
+          <p:nvPr/>
+        </p:nvSpPr>
+        <p:spPr>
+          <a:xfrm>
+            <a:off x="1635326" y="5417348"/>
+            <a:ext cx="3008880" cy="736762"/>
+          </a:xfrm>
+          <a:prstGeom prst="roundRect">
+            <a:avLst/>
+          </a:prstGeom>
+          <a:solidFill>
+            <a:schemeClr val="bg1"/>
+          </a:solidFill>
+        </p:spPr>
+        <p:style>
+          <a:lnRef idx="2">
+            <a:schemeClr val="accent1">
+              <a:shade val="50000"/>
+            </a:schemeClr>
+          </a:lnRef>
+          <a:fillRef idx="1">
+            <a:schemeClr val="accent1"/>
+          </a:fillRef>
+          <a:effectRef idx="0">
+            <a:schemeClr val="accent1"/>
+          </a:effectRef>
+          <a:fontRef idx="minor">
+            <a:schemeClr val="lt1"/>
+          </a:fontRef>
+        </p:style>
+        <p:txBody>
+          <a:bodyPr rtlCol="0" anchor="ctr"/>
+          <a:lstStyle/>
+          <a:p>
+            <a:pPr algn="ctr"/>
+            <a:endParaRPr kumimoji="1" lang="ja-JP" altLang="en-US">
+              <a:solidFill>
+                <a:schemeClr val="tx1"/>
+              </a:solidFill>
+            </a:endParaRPr>
+          </a:p>
+        </p:txBody>
+      </p:sp>
+      <p:sp>
+        <p:nvSpPr>
+          <p:cNvPr id="107" name="四角形: 角を丸くする 106">
+            <a:extLst>
+              <a:ext uri="{FF2B5EF4-FFF2-40B4-BE49-F238E27FC236}">
+                <a16:creationId xmlns:a16="http://schemas.microsoft.com/office/drawing/2014/main" id="{CE445C96-8CF7-8DBA-B623-71C63B4FF270}"/>
+              </a:ext>
+            </a:extLst>
+          </p:cNvPr>
+          <p:cNvSpPr/>
+          <p:nvPr/>
+        </p:nvSpPr>
+        <p:spPr>
+          <a:xfrm>
+            <a:off x="1663915" y="4316181"/>
+            <a:ext cx="2980292" cy="736762"/>
+          </a:xfrm>
+          <a:prstGeom prst="roundRect">
+            <a:avLst/>
+          </a:prstGeom>
+          <a:solidFill>
+            <a:schemeClr val="bg1"/>
+          </a:solidFill>
+        </p:spPr>
+        <p:style>
+          <a:lnRef idx="2">
+            <a:schemeClr val="accent1">
+              <a:shade val="50000"/>
+            </a:schemeClr>
+          </a:lnRef>
+          <a:fillRef idx="1">
+            <a:schemeClr val="accent1"/>
+          </a:fillRef>
+          <a:effectRef idx="0">
+            <a:schemeClr val="accent1"/>
+          </a:effectRef>
+          <a:fontRef idx="minor">
+            <a:schemeClr val="lt1"/>
+          </a:fontRef>
+        </p:style>
+        <p:txBody>
+          <a:bodyPr rtlCol="0" anchor="ctr"/>
+          <a:lstStyle/>
+          <a:p>
+            <a:pPr algn="ctr"/>
+            <a:endParaRPr kumimoji="1" lang="ja-JP" altLang="en-US">
+              <a:solidFill>
+                <a:schemeClr val="tx1"/>
+              </a:solidFill>
+            </a:endParaRPr>
+          </a:p>
+        </p:txBody>
+      </p:sp>
+      <p:sp>
+        <p:nvSpPr>
+          <p:cNvPr id="105" name="四角形: 角を丸くする 104">
+            <a:extLst>
+              <a:ext uri="{FF2B5EF4-FFF2-40B4-BE49-F238E27FC236}">
+                <a16:creationId xmlns:a16="http://schemas.microsoft.com/office/drawing/2014/main" id="{2C78B123-6910-D861-3E3A-08710680E592}"/>
+              </a:ext>
+            </a:extLst>
+          </p:cNvPr>
+          <p:cNvSpPr/>
+          <p:nvPr/>
+        </p:nvSpPr>
+        <p:spPr>
+          <a:xfrm>
+            <a:off x="1665525" y="2416046"/>
+            <a:ext cx="2978681" cy="736762"/>
+          </a:xfrm>
+          <a:prstGeom prst="roundRect">
+            <a:avLst/>
+          </a:prstGeom>
+          <a:solidFill>
+            <a:schemeClr val="bg1"/>
+          </a:solidFill>
+        </p:spPr>
+        <p:style>
+          <a:lnRef idx="2">
+            <a:schemeClr val="accent1">
+              <a:shade val="50000"/>
+            </a:schemeClr>
+          </a:lnRef>
+          <a:fillRef idx="1">
+            <a:schemeClr val="accent1"/>
+          </a:fillRef>
+          <a:effectRef idx="0">
+            <a:schemeClr val="accent1"/>
+          </a:effectRef>
+          <a:fontRef idx="minor">
+            <a:schemeClr val="lt1"/>
+          </a:fontRef>
+        </p:style>
+        <p:txBody>
+          <a:bodyPr rtlCol="0" anchor="ctr"/>
+          <a:lstStyle/>
+          <a:p>
+            <a:pPr algn="ctr"/>
+            <a:endParaRPr kumimoji="1" lang="ja-JP" altLang="en-US">
+              <a:solidFill>
+                <a:schemeClr val="tx1"/>
+              </a:solidFill>
+            </a:endParaRPr>
+          </a:p>
+        </p:txBody>
+      </p:sp>
+      <p:sp>
+        <p:nvSpPr>
           <p:cNvPr id="5" name="タイトル 4">
             <a:extLst>
               <a:ext uri="{FF2B5EF4-FFF2-40B4-BE49-F238E27FC236}">
@@ -18108,7 +18158,7 @@
             </a:r>
             <a:r>
               <a:rPr lang="ja-JP" altLang="en-US" dirty="0"/>
-              <a:t>の事例</a:t>
+              <a:t>の事例：スマートグリッド</a:t>
             </a:r>
             <a:endParaRPr lang="en-US" dirty="0"/>
           </a:p>
@@ -18162,8 +18212,8 @@
         </p:nvSpPr>
         <p:spPr>
           <a:xfrm>
-            <a:off x="517055" y="1071366"/>
-            <a:ext cx="11341887" cy="760785"/>
+            <a:off x="511593" y="977106"/>
+            <a:ext cx="11341887" cy="527020"/>
           </a:xfrm>
         </p:spPr>
         <p:txBody>
@@ -18172,14 +18222,8 @@
           <a:p>
             <a:r>
               <a:rPr lang="ja-JP" altLang="en-US" dirty="0"/>
-              <a:t>電力システム改革：需要家の利便性を維持しつつ、複数事業者間の連携方法が必要。</a:t>
-            </a:r>
-            <a:endParaRPr lang="en-US" altLang="ja-JP" dirty="0"/>
-          </a:p>
-          <a:p>
-            <a:endParaRPr lang="en-US" altLang="ja-JP" dirty="0"/>
-          </a:p>
-          <a:p>
+              <a:t>電力需給平衡や全体運用効率化を達成するように、複数事業者間、需給間で連携する。</a:t>
+            </a:r>
             <a:endParaRPr lang="en-US" altLang="ja-JP" dirty="0"/>
           </a:p>
         </p:txBody>
@@ -18198,8 +18242,8 @@
         </p:nvSpPr>
         <p:spPr>
           <a:xfrm>
-            <a:off x="-89570" y="2148762"/>
-            <a:ext cx="1420769" cy="338554"/>
+            <a:off x="462872" y="1613394"/>
+            <a:ext cx="1174189" cy="338554"/>
           </a:xfrm>
           <a:prstGeom prst="rect">
             <a:avLst/>
@@ -18238,8 +18282,8 @@
         </p:nvSpPr>
         <p:spPr>
           <a:xfrm>
-            <a:off x="7290269" y="1794376"/>
-            <a:ext cx="1962023" cy="338554"/>
+            <a:off x="7506333" y="1613394"/>
+            <a:ext cx="1340087" cy="338554"/>
           </a:xfrm>
           <a:prstGeom prst="rect">
             <a:avLst/>
@@ -18254,18 +18298,22 @@
           <a:p>
             <a:pPr algn="ctr"/>
             <a:r>
-              <a:rPr kumimoji="1" lang="ja-JP" altLang="en-US" sz="1600" dirty="0"/>
-              <a:t>電力市場システム</a:t>
-            </a:r>
-          </a:p>
-        </p:txBody>
-      </p:sp>
-      <p:sp>
-        <p:nvSpPr>
-          <p:cNvPr id="14" name="テキスト ボックス 13">
-            <a:extLst>
-              <a:ext uri="{FF2B5EF4-FFF2-40B4-BE49-F238E27FC236}">
-                <a16:creationId xmlns:a16="http://schemas.microsoft.com/office/drawing/2014/main" id="{B8C5677D-D0C9-B2BE-3CD6-7477E275A1CC}"/>
+              <a:rPr kumimoji="1" lang="ja-JP" altLang="en-US" sz="1600" b="1" dirty="0">
+                <a:solidFill>
+                  <a:schemeClr val="accent3"/>
+                </a:solidFill>
+              </a:rPr>
+              <a:t>支払システム</a:t>
+            </a:r>
+          </a:p>
+        </p:txBody>
+      </p:sp>
+      <p:sp>
+        <p:nvSpPr>
+          <p:cNvPr id="28" name="テキスト ボックス 27">
+            <a:extLst>
+              <a:ext uri="{FF2B5EF4-FFF2-40B4-BE49-F238E27FC236}">
+                <a16:creationId xmlns:a16="http://schemas.microsoft.com/office/drawing/2014/main" id="{62C103DD-1A4E-681E-2315-5421EA5D79C3}"/>
               </a:ext>
             </a:extLst>
           </p:cNvPr>
@@ -18274,8 +18322,8 @@
         </p:nvSpPr>
         <p:spPr>
           <a:xfrm>
-            <a:off x="2425946" y="2362585"/>
-            <a:ext cx="1623420" cy="307777"/>
+            <a:off x="695951" y="2656751"/>
+            <a:ext cx="685559" cy="338554"/>
           </a:xfrm>
           <a:prstGeom prst="rect">
             <a:avLst/>
@@ -18290,18 +18338,54 @@
           <a:p>
             <a:pPr algn="ctr"/>
             <a:r>
-              <a:rPr kumimoji="1" lang="ja-JP" altLang="en-US" sz="1400" dirty="0"/>
-              <a:t>電力会社／新電力</a:t>
+              <a:rPr kumimoji="1" lang="ja-JP" altLang="en-US" sz="1600" dirty="0"/>
+              <a:t>発電</a:t>
+            </a:r>
+          </a:p>
+        </p:txBody>
+      </p:sp>
+      <p:sp>
+        <p:nvSpPr>
+          <p:cNvPr id="29" name="テキスト ボックス 28">
+            <a:extLst>
+              <a:ext uri="{FF2B5EF4-FFF2-40B4-BE49-F238E27FC236}">
+                <a16:creationId xmlns:a16="http://schemas.microsoft.com/office/drawing/2014/main" id="{87687598-2BD2-33D3-FEFD-73E9A71DAC12}"/>
+              </a:ext>
+            </a:extLst>
+          </p:cNvPr>
+          <p:cNvSpPr txBox="1"/>
+          <p:nvPr/>
+        </p:nvSpPr>
+        <p:spPr>
+          <a:xfrm>
+            <a:off x="566131" y="4522374"/>
+            <a:ext cx="914400" cy="338554"/>
+          </a:xfrm>
+          <a:prstGeom prst="rect">
+            <a:avLst/>
+          </a:prstGeom>
+          <a:noFill/>
+        </p:spPr>
+        <p:txBody>
+          <a:bodyPr wrap="square" rtlCol="0">
+            <a:spAutoFit/>
+          </a:bodyPr>
+          <a:lstStyle/>
+          <a:p>
+            <a:pPr algn="ctr"/>
+            <a:r>
+              <a:rPr kumimoji="1" lang="ja-JP" altLang="en-US" sz="1600" dirty="0"/>
+              <a:t>送配電</a:t>
             </a:r>
           </a:p>
         </p:txBody>
       </p:sp>
       <p:pic>
         <p:nvPicPr>
-          <p:cNvPr id="18" name="グラフィックス 17" descr="ホーム 単色塗りつぶし">
-            <a:extLst>
-              <a:ext uri="{FF2B5EF4-FFF2-40B4-BE49-F238E27FC236}">
-                <a16:creationId xmlns:a16="http://schemas.microsoft.com/office/drawing/2014/main" id="{CC7CE61A-5A81-9E79-F388-6121B395B72B}"/>
+          <p:cNvPr id="30" name="グラフィックス 29" descr="建物 単色塗りつぶし">
+            <a:extLst>
+              <a:ext uri="{FF2B5EF4-FFF2-40B4-BE49-F238E27FC236}">
+                <a16:creationId xmlns:a16="http://schemas.microsoft.com/office/drawing/2014/main" id="{64741E04-9D00-4E52-70EB-7A9F11284C3E}"/>
               </a:ext>
             </a:extLst>
           </p:cNvPr>
@@ -18324,107 +18408,20 @@
         </p:blipFill>
         <p:spPr>
           <a:xfrm>
-            <a:off x="1571224" y="5479836"/>
-            <a:ext cx="611786" cy="611786"/>
+            <a:off x="2067628" y="4436831"/>
+            <a:ext cx="531671" cy="531671"/>
           </a:xfrm>
           <a:prstGeom prst="rect">
             <a:avLst/>
           </a:prstGeom>
         </p:spPr>
       </p:pic>
-      <p:pic>
-        <p:nvPicPr>
-          <p:cNvPr id="21" name="グラフィックス 20" descr="工場 単色塗りつぶし">
-            <a:extLst>
-              <a:ext uri="{FF2B5EF4-FFF2-40B4-BE49-F238E27FC236}">
-                <a16:creationId xmlns:a16="http://schemas.microsoft.com/office/drawing/2014/main" id="{8A3866DB-7F76-8B0E-1D8E-A34F318F6B35}"/>
-              </a:ext>
-            </a:extLst>
-          </p:cNvPr>
-          <p:cNvPicPr>
-            <a:picLocks noChangeAspect="1"/>
-          </p:cNvPicPr>
-          <p:nvPr/>
-        </p:nvPicPr>
-        <p:blipFill>
-          <a:blip r:embed="rId4">
-            <a:extLst>
-              <a:ext uri="{96DAC541-7B7A-43D3-8B79-37D633B846F1}">
-                <asvg:svgBlip xmlns:asvg="http://schemas.microsoft.com/office/drawing/2016/SVG/main" r:embed="rId5"/>
-              </a:ext>
-            </a:extLst>
-          </a:blip>
-          <a:stretch>
-            <a:fillRect/>
-          </a:stretch>
-        </p:blipFill>
-        <p:spPr>
-          <a:xfrm>
-            <a:off x="2345831" y="5479836"/>
-            <a:ext cx="611786" cy="611786"/>
-          </a:xfrm>
-          <a:prstGeom prst="rect">
-            <a:avLst/>
-          </a:prstGeom>
-        </p:spPr>
-      </p:pic>
-      <p:sp>
-        <p:nvSpPr>
-          <p:cNvPr id="24" name="四角形: 角を丸くする 23">
-            <a:extLst>
-              <a:ext uri="{FF2B5EF4-FFF2-40B4-BE49-F238E27FC236}">
-                <a16:creationId xmlns:a16="http://schemas.microsoft.com/office/drawing/2014/main" id="{2510F0D5-4DE8-A9EB-CAC1-AA5E9856CC87}"/>
-              </a:ext>
-            </a:extLst>
-          </p:cNvPr>
-          <p:cNvSpPr/>
-          <p:nvPr/>
-        </p:nvSpPr>
-        <p:spPr>
-          <a:xfrm>
-            <a:off x="1353843" y="5431951"/>
-            <a:ext cx="1819116" cy="707556"/>
-          </a:xfrm>
-          <a:prstGeom prst="roundRect">
-            <a:avLst/>
-          </a:prstGeom>
-          <a:noFill/>
-        </p:spPr>
-        <p:style>
-          <a:lnRef idx="2">
-            <a:schemeClr val="accent1">
-              <a:shade val="50000"/>
-            </a:schemeClr>
-          </a:lnRef>
-          <a:fillRef idx="1">
-            <a:schemeClr val="accent1"/>
-          </a:fillRef>
-          <a:effectRef idx="0">
-            <a:schemeClr val="accent1"/>
-          </a:effectRef>
-          <a:fontRef idx="minor">
-            <a:schemeClr val="lt1"/>
-          </a:fontRef>
-        </p:style>
-        <p:txBody>
-          <a:bodyPr rtlCol="0" anchor="ctr"/>
-          <a:lstStyle/>
-          <a:p>
-            <a:pPr algn="ctr"/>
-            <a:endParaRPr kumimoji="1" lang="ja-JP" altLang="en-US">
-              <a:solidFill>
-                <a:schemeClr val="tx1"/>
-              </a:solidFill>
-            </a:endParaRPr>
-          </a:p>
-        </p:txBody>
-      </p:sp>
-      <p:sp>
-        <p:nvSpPr>
-          <p:cNvPr id="28" name="テキスト ボックス 27">
-            <a:extLst>
-              <a:ext uri="{FF2B5EF4-FFF2-40B4-BE49-F238E27FC236}">
-                <a16:creationId xmlns:a16="http://schemas.microsoft.com/office/drawing/2014/main" id="{62C103DD-1A4E-681E-2315-5421EA5D79C3}"/>
+      <p:sp>
+        <p:nvSpPr>
+          <p:cNvPr id="33" name="テキスト ボックス 32">
+            <a:extLst>
+              <a:ext uri="{FF2B5EF4-FFF2-40B4-BE49-F238E27FC236}">
+                <a16:creationId xmlns:a16="http://schemas.microsoft.com/office/drawing/2014/main" id="{3588065C-ABF0-A109-C07B-32DE44BE94C5}"/>
               </a:ext>
             </a:extLst>
           </p:cNvPr>
@@ -18433,8 +18430,8 @@
         </p:nvSpPr>
         <p:spPr>
           <a:xfrm>
-            <a:off x="252310" y="2670872"/>
-            <a:ext cx="685559" cy="338554"/>
+            <a:off x="584226" y="5649525"/>
+            <a:ext cx="914400" cy="338554"/>
           </a:xfrm>
           <a:prstGeom prst="rect">
             <a:avLst/>
@@ -18450,114 +18447,6 @@
             <a:pPr algn="ctr"/>
             <a:r>
               <a:rPr kumimoji="1" lang="ja-JP" altLang="en-US" sz="1600" dirty="0"/>
-              <a:t>発電</a:t>
-            </a:r>
-          </a:p>
-        </p:txBody>
-      </p:sp>
-      <p:sp>
-        <p:nvSpPr>
-          <p:cNvPr id="29" name="テキスト ボックス 28">
-            <a:extLst>
-              <a:ext uri="{FF2B5EF4-FFF2-40B4-BE49-F238E27FC236}">
-                <a16:creationId xmlns:a16="http://schemas.microsoft.com/office/drawing/2014/main" id="{87687598-2BD2-33D3-FEFD-73E9A71DAC12}"/>
-              </a:ext>
-            </a:extLst>
-          </p:cNvPr>
-          <p:cNvSpPr txBox="1"/>
-          <p:nvPr/>
-        </p:nvSpPr>
-        <p:spPr>
-          <a:xfrm>
-            <a:off x="163108" y="4112200"/>
-            <a:ext cx="914400" cy="338554"/>
-          </a:xfrm>
-          <a:prstGeom prst="rect">
-            <a:avLst/>
-          </a:prstGeom>
-          <a:noFill/>
-        </p:spPr>
-        <p:txBody>
-          <a:bodyPr wrap="square" rtlCol="0">
-            <a:spAutoFit/>
-          </a:bodyPr>
-          <a:lstStyle/>
-          <a:p>
-            <a:pPr algn="ctr"/>
-            <a:r>
-              <a:rPr kumimoji="1" lang="ja-JP" altLang="en-US" sz="1600" dirty="0"/>
-              <a:t>送配電</a:t>
-            </a:r>
-          </a:p>
-        </p:txBody>
-      </p:sp>
-      <p:pic>
-        <p:nvPicPr>
-          <p:cNvPr id="30" name="グラフィックス 29" descr="建物 単色塗りつぶし">
-            <a:extLst>
-              <a:ext uri="{FF2B5EF4-FFF2-40B4-BE49-F238E27FC236}">
-                <a16:creationId xmlns:a16="http://schemas.microsoft.com/office/drawing/2014/main" id="{64741E04-9D00-4E52-70EB-7A9F11284C3E}"/>
-              </a:ext>
-            </a:extLst>
-          </p:cNvPr>
-          <p:cNvPicPr>
-            <a:picLocks noChangeAspect="1"/>
-          </p:cNvPicPr>
-          <p:nvPr/>
-        </p:nvPicPr>
-        <p:blipFill>
-          <a:blip r:embed="rId6">
-            <a:extLst>
-              <a:ext uri="{96DAC541-7B7A-43D3-8B79-37D633B846F1}">
-                <asvg:svgBlip xmlns:asvg="http://schemas.microsoft.com/office/drawing/2016/SVG/main" r:embed="rId7"/>
-              </a:ext>
-            </a:extLst>
-          </a:blip>
-          <a:stretch>
-            <a:fillRect/>
-          </a:stretch>
-        </p:blipFill>
-        <p:spPr>
-          <a:xfrm>
-            <a:off x="2425946" y="4171387"/>
-            <a:ext cx="531671" cy="531671"/>
-          </a:xfrm>
-          <a:prstGeom prst="rect">
-            <a:avLst/>
-          </a:prstGeom>
-        </p:spPr>
-      </p:pic>
-      <p:sp>
-        <p:nvSpPr>
-          <p:cNvPr id="33" name="テキスト ボックス 32">
-            <a:extLst>
-              <a:ext uri="{FF2B5EF4-FFF2-40B4-BE49-F238E27FC236}">
-                <a16:creationId xmlns:a16="http://schemas.microsoft.com/office/drawing/2014/main" id="{3588065C-ABF0-A109-C07B-32DE44BE94C5}"/>
-              </a:ext>
-            </a:extLst>
-          </p:cNvPr>
-          <p:cNvSpPr txBox="1"/>
-          <p:nvPr/>
-        </p:nvSpPr>
-        <p:spPr>
-          <a:xfrm>
-            <a:off x="185285" y="5649525"/>
-            <a:ext cx="914400" cy="338554"/>
-          </a:xfrm>
-          <a:prstGeom prst="rect">
-            <a:avLst/>
-          </a:prstGeom>
-          <a:noFill/>
-        </p:spPr>
-        <p:txBody>
-          <a:bodyPr wrap="square" rtlCol="0">
-            <a:spAutoFit/>
-          </a:bodyPr>
-          <a:lstStyle/>
-          <a:p>
-            <a:pPr algn="ctr"/>
-            <a:r>
-              <a:rPr kumimoji="1" lang="ja-JP" altLang="en-US" sz="1600" dirty="0"/>
               <a:t>需要家</a:t>
             </a:r>
           </a:p>
@@ -18574,20 +18463,22 @@
           </p:cNvPr>
           <p:cNvCxnSpPr>
             <a:cxnSpLocks/>
-            <a:stCxn id="1123" idx="4"/>
-            <a:endCxn id="1111" idx="0"/>
+            <a:endCxn id="1120" idx="0"/>
           </p:cNvCxnSpPr>
           <p:nvPr/>
         </p:nvCxnSpPr>
         <p:spPr>
-          <a:xfrm flipH="1">
-            <a:off x="3228715" y="3423612"/>
-            <a:ext cx="12932" cy="688383"/>
+          <a:xfrm>
+            <a:off x="3918642" y="3875604"/>
+            <a:ext cx="410" cy="561062"/>
           </a:xfrm>
           <a:prstGeom prst="straightConnector1">
             <a:avLst/>
           </a:prstGeom>
-          <a:ln>
+          <a:ln w="28575">
+            <a:solidFill>
+              <a:schemeClr val="accent2"/>
+            </a:solidFill>
             <a:headEnd type="none" w="med" len="med"/>
             <a:tailEnd type="triangle"/>
           </a:ln>
@@ -18607,218 +18498,12 @@
           </a:fontRef>
         </p:style>
       </p:cxnSp>
-      <p:cxnSp>
-        <p:nvCxnSpPr>
-          <p:cNvPr id="48" name="直線矢印コネクタ 47">
-            <a:extLst>
-              <a:ext uri="{FF2B5EF4-FFF2-40B4-BE49-F238E27FC236}">
-                <a16:creationId xmlns:a16="http://schemas.microsoft.com/office/drawing/2014/main" id="{3A6860AC-DCA8-00F3-6B06-1F2D90E8A765}"/>
-              </a:ext>
-            </a:extLst>
-          </p:cNvPr>
-          <p:cNvCxnSpPr>
-            <a:cxnSpLocks/>
-            <a:endCxn id="18" idx="0"/>
-          </p:cNvCxnSpPr>
-          <p:nvPr/>
-        </p:nvCxnSpPr>
-        <p:spPr>
-          <a:xfrm flipH="1">
-            <a:off x="1877117" y="4793010"/>
-            <a:ext cx="1352967" cy="686826"/>
-          </a:xfrm>
-          <a:prstGeom prst="straightConnector1">
-            <a:avLst/>
-          </a:prstGeom>
-          <a:ln>
-            <a:headEnd type="none" w="med" len="med"/>
-            <a:tailEnd type="triangle"/>
-          </a:ln>
-        </p:spPr>
-        <p:style>
-          <a:lnRef idx="1">
-            <a:schemeClr val="accent1"/>
-          </a:lnRef>
-          <a:fillRef idx="0">
-            <a:schemeClr val="accent1"/>
-          </a:fillRef>
-          <a:effectRef idx="0">
-            <a:schemeClr val="accent1"/>
-          </a:effectRef>
-          <a:fontRef idx="minor">
-            <a:schemeClr val="tx1"/>
-          </a:fontRef>
-        </p:style>
-      </p:cxnSp>
-      <p:cxnSp>
-        <p:nvCxnSpPr>
-          <p:cNvPr id="52" name="直線矢印コネクタ 51">
-            <a:extLst>
-              <a:ext uri="{FF2B5EF4-FFF2-40B4-BE49-F238E27FC236}">
-                <a16:creationId xmlns:a16="http://schemas.microsoft.com/office/drawing/2014/main" id="{E04BB6A4-EF32-5DB5-9B4C-893E23CA6381}"/>
-              </a:ext>
-            </a:extLst>
-          </p:cNvPr>
-          <p:cNvCxnSpPr>
-            <a:cxnSpLocks/>
-          </p:cNvCxnSpPr>
-          <p:nvPr/>
-        </p:nvCxnSpPr>
-        <p:spPr>
-          <a:xfrm flipH="1">
-            <a:off x="2649875" y="4793010"/>
-            <a:ext cx="567858" cy="686826"/>
-          </a:xfrm>
-          <a:prstGeom prst="straightConnector1">
-            <a:avLst/>
-          </a:prstGeom>
-          <a:ln>
-            <a:headEnd type="none" w="med" len="med"/>
-            <a:tailEnd type="triangle"/>
-          </a:ln>
-        </p:spPr>
-        <p:style>
-          <a:lnRef idx="1">
-            <a:schemeClr val="accent1"/>
-          </a:lnRef>
-          <a:fillRef idx="0">
-            <a:schemeClr val="accent1"/>
-          </a:fillRef>
-          <a:effectRef idx="0">
-            <a:schemeClr val="accent1"/>
-          </a:effectRef>
-          <a:fontRef idx="minor">
-            <a:schemeClr val="tx1"/>
-          </a:fontRef>
-        </p:style>
-      </p:cxnSp>
-      <p:cxnSp>
-        <p:nvCxnSpPr>
-          <p:cNvPr id="62" name="直線矢印コネクタ 61">
-            <a:extLst>
-              <a:ext uri="{FF2B5EF4-FFF2-40B4-BE49-F238E27FC236}">
-                <a16:creationId xmlns:a16="http://schemas.microsoft.com/office/drawing/2014/main" id="{EEDFD01B-E74B-F5D3-34D8-24C44E9152A1}"/>
-              </a:ext>
-            </a:extLst>
-          </p:cNvPr>
-          <p:cNvCxnSpPr>
-            <a:cxnSpLocks/>
-            <a:endCxn id="1107" idx="0"/>
-          </p:cNvCxnSpPr>
-          <p:nvPr/>
-        </p:nvCxnSpPr>
-        <p:spPr>
-          <a:xfrm>
-            <a:off x="3237042" y="4793010"/>
-            <a:ext cx="541247" cy="686826"/>
-          </a:xfrm>
-          <a:prstGeom prst="straightConnector1">
-            <a:avLst/>
-          </a:prstGeom>
-          <a:ln>
-            <a:headEnd type="none" w="med" len="med"/>
-            <a:tailEnd type="triangle"/>
-          </a:ln>
-        </p:spPr>
-        <p:style>
-          <a:lnRef idx="1">
-            <a:schemeClr val="accent1"/>
-          </a:lnRef>
-          <a:fillRef idx="0">
-            <a:schemeClr val="accent1"/>
-          </a:fillRef>
-          <a:effectRef idx="0">
-            <a:schemeClr val="accent1"/>
-          </a:effectRef>
-          <a:fontRef idx="minor">
-            <a:schemeClr val="tx1"/>
-          </a:fontRef>
-        </p:style>
-      </p:cxnSp>
-      <p:cxnSp>
-        <p:nvCxnSpPr>
-          <p:cNvPr id="65" name="直線矢印コネクタ 64">
-            <a:extLst>
-              <a:ext uri="{FF2B5EF4-FFF2-40B4-BE49-F238E27FC236}">
-                <a16:creationId xmlns:a16="http://schemas.microsoft.com/office/drawing/2014/main" id="{C86EA797-BC42-CB5D-AB1B-78E1A17DDD12}"/>
-              </a:ext>
-            </a:extLst>
-          </p:cNvPr>
-          <p:cNvCxnSpPr>
-            <a:cxnSpLocks/>
-          </p:cNvCxnSpPr>
-          <p:nvPr/>
-        </p:nvCxnSpPr>
-        <p:spPr>
-          <a:xfrm>
-            <a:off x="3240623" y="4793010"/>
-            <a:ext cx="1390722" cy="686826"/>
-          </a:xfrm>
-          <a:prstGeom prst="straightConnector1">
-            <a:avLst/>
-          </a:prstGeom>
-          <a:ln>
-            <a:headEnd type="none" w="med" len="med"/>
-            <a:tailEnd type="triangle"/>
-          </a:ln>
-        </p:spPr>
-        <p:style>
-          <a:lnRef idx="1">
-            <a:schemeClr val="accent1"/>
-          </a:lnRef>
-          <a:fillRef idx="0">
-            <a:schemeClr val="accent1"/>
-          </a:fillRef>
-          <a:effectRef idx="0">
-            <a:schemeClr val="accent1"/>
-          </a:effectRef>
-          <a:fontRef idx="minor">
-            <a:schemeClr val="tx1"/>
-          </a:fontRef>
-        </p:style>
-      </p:cxnSp>
-      <p:sp>
-        <p:nvSpPr>
-          <p:cNvPr id="79" name="テキスト ボックス 78">
-            <a:extLst>
-              <a:ext uri="{FF2B5EF4-FFF2-40B4-BE49-F238E27FC236}">
-                <a16:creationId xmlns:a16="http://schemas.microsoft.com/office/drawing/2014/main" id="{15C3781B-F6B1-7880-FE94-2F780046E0D7}"/>
-              </a:ext>
-            </a:extLst>
-          </p:cNvPr>
-          <p:cNvSpPr txBox="1"/>
-          <p:nvPr/>
-        </p:nvSpPr>
-        <p:spPr>
-          <a:xfrm>
-            <a:off x="5182342" y="2178674"/>
-            <a:ext cx="1311405" cy="307777"/>
-          </a:xfrm>
-          <a:prstGeom prst="rect">
-            <a:avLst/>
-          </a:prstGeom>
-          <a:noFill/>
-        </p:spPr>
-        <p:txBody>
-          <a:bodyPr wrap="square" rtlCol="0">
-            <a:spAutoFit/>
-          </a:bodyPr>
-          <a:lstStyle/>
-          <a:p>
-            <a:pPr algn="ctr"/>
-            <a:r>
-              <a:rPr kumimoji="1" lang="ja-JP" altLang="en-US" sz="1400" dirty="0"/>
-              <a:t>再生可能エネ</a:t>
-            </a:r>
-          </a:p>
-        </p:txBody>
-      </p:sp>
       <p:grpSp>
         <p:nvGrpSpPr>
-          <p:cNvPr id="87" name="グループ化 86">
-            <a:extLst>
-              <a:ext uri="{FF2B5EF4-FFF2-40B4-BE49-F238E27FC236}">
-                <a16:creationId xmlns:a16="http://schemas.microsoft.com/office/drawing/2014/main" id="{833817E2-1989-B642-4931-E2E23EBE78E1}"/>
+          <p:cNvPr id="1060" name="グループ化 1059">
+            <a:extLst>
+              <a:ext uri="{FF2B5EF4-FFF2-40B4-BE49-F238E27FC236}">
+                <a16:creationId xmlns:a16="http://schemas.microsoft.com/office/drawing/2014/main" id="{96D2B325-9638-6A76-A5DF-37DA76920FE1}"/>
               </a:ext>
             </a:extLst>
           </p:cNvPr>
@@ -18827,137 +18512,18 @@
         </p:nvGrpSpPr>
         <p:grpSpPr>
           <a:xfrm>
-            <a:off x="5182343" y="2486451"/>
-            <a:ext cx="1311405" cy="1200807"/>
-            <a:chOff x="5581380" y="1768058"/>
-            <a:chExt cx="1311405" cy="1200807"/>
+            <a:off x="5146656" y="5424331"/>
+            <a:ext cx="1741039" cy="736762"/>
+            <a:chOff x="4869709" y="5419009"/>
+            <a:chExt cx="1741039" cy="736762"/>
           </a:xfrm>
         </p:grpSpPr>
-        <p:pic>
-          <p:nvPicPr>
-            <p:cNvPr id="69" name="グラフィックス 68" descr="風力タービン 単色塗りつぶし">
+        <p:sp>
+          <p:nvSpPr>
+            <p:cNvPr id="1050" name="四角形: 角を丸くする 1049">
               <a:extLst>
                 <a:ext uri="{FF2B5EF4-FFF2-40B4-BE49-F238E27FC236}">
-                  <a16:creationId xmlns:a16="http://schemas.microsoft.com/office/drawing/2014/main" id="{BBF86F7D-BF83-DB41-9CEA-971D6952173C}"/>
-                </a:ext>
-              </a:extLst>
-            </p:cNvPr>
-            <p:cNvPicPr>
-              <a:picLocks noChangeAspect="1"/>
-            </p:cNvPicPr>
-            <p:nvPr/>
-          </p:nvPicPr>
-          <p:blipFill>
-            <a:blip r:embed="rId8">
-              <a:extLst>
-                <a:ext uri="{96DAC541-7B7A-43D3-8B79-37D633B846F1}">
-                  <asvg:svgBlip xmlns:asvg="http://schemas.microsoft.com/office/drawing/2016/SVG/main" r:embed="rId9"/>
-                </a:ext>
-              </a:extLst>
-            </a:blip>
-            <a:stretch>
-              <a:fillRect/>
-            </a:stretch>
-          </p:blipFill>
-          <p:spPr>
-            <a:xfrm>
-              <a:off x="6278304" y="1907354"/>
-              <a:ext cx="496503" cy="496503"/>
-            </a:xfrm>
-            <a:prstGeom prst="rect">
-              <a:avLst/>
-            </a:prstGeom>
-          </p:spPr>
-        </p:pic>
-        <p:pic>
-          <p:nvPicPr>
-            <p:cNvPr id="73" name="グラフィックス 72" descr="ソーラー パネル 単色塗りつぶし">
-              <a:extLst>
-                <a:ext uri="{FF2B5EF4-FFF2-40B4-BE49-F238E27FC236}">
-                  <a16:creationId xmlns:a16="http://schemas.microsoft.com/office/drawing/2014/main" id="{84F5C319-EE7C-FA80-AD18-421E7DED2D14}"/>
-                </a:ext>
-              </a:extLst>
-            </p:cNvPr>
-            <p:cNvPicPr>
-              <a:picLocks noChangeAspect="1"/>
-            </p:cNvPicPr>
-            <p:nvPr/>
-          </p:nvPicPr>
-          <p:blipFill>
-            <a:blip r:embed="rId10">
-              <a:extLst>
-                <a:ext uri="{96DAC541-7B7A-43D3-8B79-37D633B846F1}">
-                  <asvg:svgBlip xmlns:asvg="http://schemas.microsoft.com/office/drawing/2016/SVG/main" r:embed="rId11"/>
-                </a:ext>
-              </a:extLst>
-            </a:blip>
-            <a:stretch>
-              <a:fillRect/>
-            </a:stretch>
-          </p:blipFill>
-          <p:spPr>
-            <a:xfrm>
-              <a:off x="5652109" y="1843444"/>
-              <a:ext cx="565008" cy="565008"/>
-            </a:xfrm>
-            <a:prstGeom prst="rect">
-              <a:avLst/>
-            </a:prstGeom>
-          </p:spPr>
-        </p:pic>
-        <p:pic>
-          <p:nvPicPr>
-            <p:cNvPr id="1026" name="Picture 2" descr="バッテリー | フリーのアイコンイラスト素材 icon-pit">
-              <a:extLst>
-                <a:ext uri="{FF2B5EF4-FFF2-40B4-BE49-F238E27FC236}">
-                  <a16:creationId xmlns:a16="http://schemas.microsoft.com/office/drawing/2014/main" id="{B74D44C5-B8BC-9007-CE10-2ACA067D00E6}"/>
-                </a:ext>
-              </a:extLst>
-            </p:cNvPr>
-            <p:cNvPicPr>
-              <a:picLocks noChangeAspect="1" noChangeArrowheads="1"/>
-            </p:cNvPicPr>
-            <p:nvPr/>
-          </p:nvPicPr>
-          <p:blipFill>
-            <a:blip r:embed="rId12">
-              <a:extLst>
-                <a:ext uri="{28A0092B-C50C-407E-A947-70E740481C1C}">
-                  <a14:useLocalDpi xmlns:a14="http://schemas.microsoft.com/office/drawing/2010/main" val="0"/>
-                </a:ext>
-              </a:extLst>
-            </a:blip>
-            <a:srcRect/>
-            <a:stretch>
-              <a:fillRect/>
-            </a:stretch>
-          </p:blipFill>
-          <p:spPr bwMode="auto">
-            <a:xfrm>
-              <a:off x="5986284" y="2403857"/>
-              <a:ext cx="565008" cy="565008"/>
-            </a:xfrm>
-            <a:prstGeom prst="rect">
-              <a:avLst/>
-            </a:prstGeom>
-            <a:noFill/>
-            <a:extLst>
-              <a:ext uri="{909E8E84-426E-40DD-AFC4-6F175D3DCCD1}">
-                <a14:hiddenFill xmlns:a14="http://schemas.microsoft.com/office/drawing/2010/main">
-                  <a:solidFill>
-                    <a:srgbClr val="FFFFFF"/>
-                  </a:solidFill>
-                </a14:hiddenFill>
-              </a:ext>
-            </a:extLst>
-          </p:spPr>
-        </p:pic>
-        <p:sp>
-          <p:nvSpPr>
-            <p:cNvPr id="82" name="四角形: 角を丸くする 81">
-              <a:extLst>
-                <a:ext uri="{FF2B5EF4-FFF2-40B4-BE49-F238E27FC236}">
-                  <a16:creationId xmlns:a16="http://schemas.microsoft.com/office/drawing/2014/main" id="{3A8275C5-6A58-F499-94F9-15CD2BEC8CCA}"/>
+                  <a16:creationId xmlns:a16="http://schemas.microsoft.com/office/drawing/2014/main" id="{5599D7B5-08EE-47B5-E84C-B154EC531B89}"/>
                 </a:ext>
               </a:extLst>
             </p:cNvPr>
@@ -18966,13 +18532,15 @@
           </p:nvSpPr>
           <p:spPr>
             <a:xfrm>
-              <a:off x="5581380" y="1768058"/>
-              <a:ext cx="1311405" cy="1110855"/>
+              <a:off x="4869709" y="5419009"/>
+              <a:ext cx="1741039" cy="736762"/>
             </a:xfrm>
             <a:prstGeom prst="roundRect">
               <a:avLst/>
             </a:prstGeom>
-            <a:noFill/>
+            <a:solidFill>
+              <a:schemeClr val="bg1"/>
+            </a:solidFill>
           </p:spPr>
           <p:style>
             <a:lnRef idx="2">
@@ -19003,13 +18571,2218 @@
             </a:p>
           </p:txBody>
         </p:sp>
+        <p:grpSp>
+          <p:nvGrpSpPr>
+            <p:cNvPr id="1058" name="グループ化 1057">
+              <a:extLst>
+                <a:ext uri="{FF2B5EF4-FFF2-40B4-BE49-F238E27FC236}">
+                  <a16:creationId xmlns:a16="http://schemas.microsoft.com/office/drawing/2014/main" id="{3BE02C81-349A-6CE9-C4DF-E20E3388850E}"/>
+                </a:ext>
+              </a:extLst>
+            </p:cNvPr>
+            <p:cNvGrpSpPr/>
+            <p:nvPr/>
+          </p:nvGrpSpPr>
+          <p:grpSpPr>
+            <a:xfrm>
+              <a:off x="4933061" y="5549797"/>
+              <a:ext cx="1550390" cy="513981"/>
+              <a:chOff x="4933061" y="5549797"/>
+              <a:chExt cx="1550390" cy="513981"/>
+            </a:xfrm>
+          </p:grpSpPr>
+          <p:pic>
+            <p:nvPicPr>
+              <p:cNvPr id="89" name="グラフィックス 88" descr="風力タービン 単色塗りつぶし">
+                <a:extLst>
+                  <a:ext uri="{FF2B5EF4-FFF2-40B4-BE49-F238E27FC236}">
+                    <a16:creationId xmlns:a16="http://schemas.microsoft.com/office/drawing/2014/main" id="{B2ACB2A9-1740-A0B0-D1FD-9DD324AA10A0}"/>
+                  </a:ext>
+                </a:extLst>
+              </p:cNvPr>
+              <p:cNvPicPr>
+                <a:picLocks noChangeAspect="1"/>
+              </p:cNvPicPr>
+              <p:nvPr/>
+            </p:nvPicPr>
+            <p:blipFill>
+              <a:blip r:embed="rId4">
+                <a:extLst>
+                  <a:ext uri="{96DAC541-7B7A-43D3-8B79-37D633B846F1}">
+                    <asvg:svgBlip xmlns:asvg="http://schemas.microsoft.com/office/drawing/2016/SVG/main" r:embed="rId5"/>
+                  </a:ext>
+                </a:extLst>
+              </a:blip>
+              <a:stretch>
+                <a:fillRect/>
+              </a:stretch>
+            </p:blipFill>
+            <p:spPr>
+              <a:xfrm>
+                <a:off x="6050218" y="5586879"/>
+                <a:ext cx="433233" cy="433233"/>
+              </a:xfrm>
+              <a:prstGeom prst="rect">
+                <a:avLst/>
+              </a:prstGeom>
+            </p:spPr>
+          </p:pic>
+          <p:pic>
+            <p:nvPicPr>
+              <p:cNvPr id="90" name="グラフィックス 89" descr="ソーラー パネル 単色塗りつぶし">
+                <a:extLst>
+                  <a:ext uri="{FF2B5EF4-FFF2-40B4-BE49-F238E27FC236}">
+                    <a16:creationId xmlns:a16="http://schemas.microsoft.com/office/drawing/2014/main" id="{BC644D85-1AF1-9E6A-5619-39F470D1E229}"/>
+                  </a:ext>
+                </a:extLst>
+              </p:cNvPr>
+              <p:cNvPicPr>
+                <a:picLocks noChangeAspect="1"/>
+              </p:cNvPicPr>
+              <p:nvPr/>
+            </p:nvPicPr>
+            <p:blipFill>
+              <a:blip r:embed="rId6">
+                <a:extLst>
+                  <a:ext uri="{96DAC541-7B7A-43D3-8B79-37D633B846F1}">
+                    <asvg:svgBlip xmlns:asvg="http://schemas.microsoft.com/office/drawing/2016/SVG/main" r:embed="rId7"/>
+                  </a:ext>
+                </a:extLst>
+              </a:blip>
+              <a:stretch>
+                <a:fillRect/>
+              </a:stretch>
+            </p:blipFill>
+            <p:spPr>
+              <a:xfrm>
+                <a:off x="5523612" y="5570773"/>
+                <a:ext cx="433233" cy="433233"/>
+              </a:xfrm>
+              <a:prstGeom prst="rect">
+                <a:avLst/>
+              </a:prstGeom>
+            </p:spPr>
+          </p:pic>
+          <p:pic>
+            <p:nvPicPr>
+              <p:cNvPr id="91" name="Picture 2" descr="バッテリー | フリーのアイコンイラスト素材 icon-pit">
+                <a:extLst>
+                  <a:ext uri="{FF2B5EF4-FFF2-40B4-BE49-F238E27FC236}">
+                    <a16:creationId xmlns:a16="http://schemas.microsoft.com/office/drawing/2014/main" id="{B7B00088-D7C6-482A-4743-5C9AF532247F}"/>
+                  </a:ext>
+                </a:extLst>
+              </p:cNvPr>
+              <p:cNvPicPr>
+                <a:picLocks noChangeAspect="1" noChangeArrowheads="1"/>
+              </p:cNvPicPr>
+              <p:nvPr/>
+            </p:nvPicPr>
+            <p:blipFill>
+              <a:blip r:embed="rId8">
+                <a:extLst>
+                  <a:ext uri="{28A0092B-C50C-407E-A947-70E740481C1C}">
+                    <a14:useLocalDpi xmlns:a14="http://schemas.microsoft.com/office/drawing/2010/main" val="0"/>
+                  </a:ext>
+                </a:extLst>
+              </a:blip>
+              <a:srcRect/>
+              <a:stretch>
+                <a:fillRect/>
+              </a:stretch>
+            </p:blipFill>
+            <p:spPr bwMode="auto">
+              <a:xfrm>
+                <a:off x="4933061" y="5549797"/>
+                <a:ext cx="513981" cy="513981"/>
+              </a:xfrm>
+              <a:prstGeom prst="rect">
+                <a:avLst/>
+              </a:prstGeom>
+              <a:noFill/>
+              <a:extLst>
+                <a:ext uri="{909E8E84-426E-40DD-AFC4-6F175D3DCCD1}">
+                  <a14:hiddenFill xmlns:a14="http://schemas.microsoft.com/office/drawing/2010/main">
+                    <a:solidFill>
+                      <a:srgbClr val="FFFFFF"/>
+                    </a:solidFill>
+                  </a14:hiddenFill>
+                </a:ext>
+              </a:extLst>
+            </p:spPr>
+          </p:pic>
+        </p:grpSp>
       </p:grpSp>
+      <p:sp>
+        <p:nvSpPr>
+          <p:cNvPr id="1025" name="テキスト ボックス 1024">
+            <a:extLst>
+              <a:ext uri="{FF2B5EF4-FFF2-40B4-BE49-F238E27FC236}">
+                <a16:creationId xmlns:a16="http://schemas.microsoft.com/office/drawing/2014/main" id="{F26A17B7-5952-38AC-2040-3A329911F249}"/>
+              </a:ext>
+            </a:extLst>
+          </p:cNvPr>
+          <p:cNvSpPr txBox="1"/>
+          <p:nvPr/>
+        </p:nvSpPr>
+        <p:spPr>
+          <a:xfrm>
+            <a:off x="473568" y="4818890"/>
+            <a:ext cx="1135716" cy="276999"/>
+          </a:xfrm>
+          <a:prstGeom prst="rect">
+            <a:avLst/>
+          </a:prstGeom>
+          <a:noFill/>
+        </p:spPr>
+        <p:txBody>
+          <a:bodyPr wrap="square" rtlCol="0">
+            <a:spAutoFit/>
+          </a:bodyPr>
+          <a:lstStyle/>
+          <a:p>
+            <a:pPr algn="ctr"/>
+            <a:r>
+              <a:rPr kumimoji="1" lang="ja-JP" altLang="en-US" sz="1200" dirty="0"/>
+              <a:t>送配電会社</a:t>
+            </a:r>
+          </a:p>
+        </p:txBody>
+      </p:sp>
+      <p:cxnSp>
+        <p:nvCxnSpPr>
+          <p:cNvPr id="1033" name="直線矢印コネクタ 1032">
+            <a:extLst>
+              <a:ext uri="{FF2B5EF4-FFF2-40B4-BE49-F238E27FC236}">
+                <a16:creationId xmlns:a16="http://schemas.microsoft.com/office/drawing/2014/main" id="{55A2D3D5-CBE9-E4B9-8ED3-7E483CECE95A}"/>
+              </a:ext>
+            </a:extLst>
+          </p:cNvPr>
+          <p:cNvCxnSpPr>
+            <a:cxnSpLocks/>
+          </p:cNvCxnSpPr>
+          <p:nvPr/>
+        </p:nvCxnSpPr>
+        <p:spPr>
+          <a:xfrm flipH="1" flipV="1">
+            <a:off x="4644206" y="2783097"/>
+            <a:ext cx="502450" cy="2661"/>
+          </a:xfrm>
+          <a:prstGeom prst="straightConnector1">
+            <a:avLst/>
+          </a:prstGeom>
+          <a:ln w="28575">
+            <a:solidFill>
+              <a:schemeClr val="accent2"/>
+            </a:solidFill>
+            <a:headEnd type="none" w="med" len="med"/>
+            <a:tailEnd type="triangle"/>
+          </a:ln>
+        </p:spPr>
+        <p:style>
+          <a:lnRef idx="1">
+            <a:schemeClr val="accent1"/>
+          </a:lnRef>
+          <a:fillRef idx="0">
+            <a:schemeClr val="accent1"/>
+          </a:fillRef>
+          <a:effectRef idx="0">
+            <a:schemeClr val="accent1"/>
+          </a:effectRef>
+          <a:fontRef idx="minor">
+            <a:schemeClr val="tx1"/>
+          </a:fontRef>
+        </p:style>
+      </p:cxnSp>
+      <p:sp>
+        <p:nvSpPr>
+          <p:cNvPr id="1038" name="テキスト ボックス 1037">
+            <a:extLst>
+              <a:ext uri="{FF2B5EF4-FFF2-40B4-BE49-F238E27FC236}">
+                <a16:creationId xmlns:a16="http://schemas.microsoft.com/office/drawing/2014/main" id="{09145DB0-2B4B-E983-E487-4A94061F2D5C}"/>
+              </a:ext>
+            </a:extLst>
+          </p:cNvPr>
+          <p:cNvSpPr txBox="1"/>
+          <p:nvPr/>
+        </p:nvSpPr>
+        <p:spPr>
+          <a:xfrm>
+            <a:off x="1955612" y="1917621"/>
+            <a:ext cx="755703" cy="307777"/>
+          </a:xfrm>
+          <a:prstGeom prst="rect">
+            <a:avLst/>
+          </a:prstGeom>
+          <a:noFill/>
+        </p:spPr>
+        <p:txBody>
+          <a:bodyPr wrap="square" rtlCol="0">
+            <a:spAutoFit/>
+          </a:bodyPr>
+          <a:lstStyle/>
+          <a:p>
+            <a:pPr algn="ctr"/>
+            <a:r>
+              <a:rPr kumimoji="1" lang="ja-JP" altLang="en-US" sz="1400" dirty="0"/>
+              <a:t>地域</a:t>
+            </a:r>
+            <a:r>
+              <a:rPr kumimoji="1" lang="en-US" altLang="ja-JP" sz="1400" dirty="0"/>
+              <a:t>A</a:t>
+            </a:r>
+            <a:endParaRPr kumimoji="1" lang="ja-JP" altLang="en-US" sz="1400" dirty="0"/>
+          </a:p>
+        </p:txBody>
+      </p:sp>
+      <p:sp>
+        <p:nvSpPr>
+          <p:cNvPr id="1039" name="テキスト ボックス 1038">
+            <a:extLst>
+              <a:ext uri="{FF2B5EF4-FFF2-40B4-BE49-F238E27FC236}">
+                <a16:creationId xmlns:a16="http://schemas.microsoft.com/office/drawing/2014/main" id="{FC0BE510-E92D-633C-6706-E6A5B6586128}"/>
+              </a:ext>
+            </a:extLst>
+          </p:cNvPr>
+          <p:cNvSpPr txBox="1"/>
+          <p:nvPr/>
+        </p:nvSpPr>
+        <p:spPr>
+          <a:xfrm>
+            <a:off x="3503215" y="1917621"/>
+            <a:ext cx="831672" cy="307777"/>
+          </a:xfrm>
+          <a:prstGeom prst="rect">
+            <a:avLst/>
+          </a:prstGeom>
+          <a:noFill/>
+        </p:spPr>
+        <p:txBody>
+          <a:bodyPr wrap="square" rtlCol="0">
+            <a:spAutoFit/>
+          </a:bodyPr>
+          <a:lstStyle/>
+          <a:p>
+            <a:pPr algn="ctr"/>
+            <a:r>
+              <a:rPr kumimoji="1" lang="ja-JP" altLang="en-US" sz="1400" dirty="0"/>
+              <a:t>地域</a:t>
+            </a:r>
+            <a:r>
+              <a:rPr kumimoji="1" lang="en-US" altLang="ja-JP" sz="1400" dirty="0"/>
+              <a:t>B</a:t>
+            </a:r>
+            <a:endParaRPr kumimoji="1" lang="ja-JP" altLang="en-US" sz="1400" dirty="0"/>
+          </a:p>
+        </p:txBody>
+      </p:sp>
+      <p:cxnSp>
+        <p:nvCxnSpPr>
+          <p:cNvPr id="1040" name="直線矢印コネクタ 1039">
+            <a:extLst>
+              <a:ext uri="{FF2B5EF4-FFF2-40B4-BE49-F238E27FC236}">
+                <a16:creationId xmlns:a16="http://schemas.microsoft.com/office/drawing/2014/main" id="{5ACCFD7E-769A-0B93-8BB1-8E023963B0AB}"/>
+              </a:ext>
+            </a:extLst>
+          </p:cNvPr>
+          <p:cNvCxnSpPr>
+            <a:cxnSpLocks/>
+            <a:stCxn id="1050" idx="1"/>
+            <a:endCxn id="108" idx="3"/>
+          </p:cNvCxnSpPr>
+          <p:nvPr/>
+        </p:nvCxnSpPr>
+        <p:spPr>
+          <a:xfrm flipH="1" flipV="1">
+            <a:off x="4644206" y="5785729"/>
+            <a:ext cx="502450" cy="6983"/>
+          </a:xfrm>
+          <a:prstGeom prst="straightConnector1">
+            <a:avLst/>
+          </a:prstGeom>
+          <a:ln w="28575">
+            <a:solidFill>
+              <a:schemeClr val="accent2"/>
+            </a:solidFill>
+            <a:headEnd type="none" w="med" len="med"/>
+            <a:tailEnd type="triangle"/>
+          </a:ln>
+        </p:spPr>
+        <p:style>
+          <a:lnRef idx="1">
+            <a:schemeClr val="accent1"/>
+          </a:lnRef>
+          <a:fillRef idx="0">
+            <a:schemeClr val="accent1"/>
+          </a:fillRef>
+          <a:effectRef idx="0">
+            <a:schemeClr val="accent1"/>
+          </a:effectRef>
+          <a:fontRef idx="minor">
+            <a:schemeClr val="tx1"/>
+          </a:fontRef>
+        </p:style>
+      </p:cxnSp>
+      <p:sp>
+        <p:nvSpPr>
+          <p:cNvPr id="1043" name="テキスト ボックス 1042">
+            <a:extLst>
+              <a:ext uri="{FF2B5EF4-FFF2-40B4-BE49-F238E27FC236}">
+                <a16:creationId xmlns:a16="http://schemas.microsoft.com/office/drawing/2014/main" id="{45A1DA15-1D4D-FDF4-9F9E-83D934B4891E}"/>
+              </a:ext>
+            </a:extLst>
+          </p:cNvPr>
+          <p:cNvSpPr txBox="1"/>
+          <p:nvPr/>
+        </p:nvSpPr>
+        <p:spPr>
+          <a:xfrm>
+            <a:off x="581286" y="2935434"/>
+            <a:ext cx="914400" cy="461665"/>
+          </a:xfrm>
+          <a:prstGeom prst="rect">
+            <a:avLst/>
+          </a:prstGeom>
+          <a:noFill/>
+        </p:spPr>
+        <p:txBody>
+          <a:bodyPr wrap="square" rtlCol="0">
+            <a:spAutoFit/>
+          </a:bodyPr>
+          <a:lstStyle/>
+          <a:p>
+            <a:pPr algn="ctr"/>
+            <a:r>
+              <a:rPr kumimoji="1" lang="ja-JP" altLang="en-US" sz="1200" dirty="0"/>
+              <a:t>地域電力／新電力</a:t>
+            </a:r>
+            <a:endParaRPr kumimoji="1" lang="en-US" altLang="ja-JP" sz="1200" dirty="0"/>
+          </a:p>
+        </p:txBody>
+      </p:sp>
+      <p:sp>
+        <p:nvSpPr>
+          <p:cNvPr id="1054" name="テキスト ボックス 1053">
+            <a:extLst>
+              <a:ext uri="{FF2B5EF4-FFF2-40B4-BE49-F238E27FC236}">
+                <a16:creationId xmlns:a16="http://schemas.microsoft.com/office/drawing/2014/main" id="{F9A2CB2B-C2B8-FCBD-5DC1-D92902A0A3C5}"/>
+              </a:ext>
+            </a:extLst>
+          </p:cNvPr>
+          <p:cNvSpPr txBox="1"/>
+          <p:nvPr/>
+        </p:nvSpPr>
+        <p:spPr>
+          <a:xfrm>
+            <a:off x="7516847" y="2436559"/>
+            <a:ext cx="1135715" cy="307777"/>
+          </a:xfrm>
+          <a:prstGeom prst="rect">
+            <a:avLst/>
+          </a:prstGeom>
+          <a:noFill/>
+        </p:spPr>
+        <p:txBody>
+          <a:bodyPr wrap="square" rtlCol="0">
+            <a:spAutoFit/>
+          </a:bodyPr>
+          <a:lstStyle/>
+          <a:p>
+            <a:pPr algn="ctr"/>
+            <a:r>
+              <a:rPr kumimoji="1" lang="ja-JP" altLang="en-US" sz="1400" dirty="0"/>
+              <a:t>発電事業者</a:t>
+            </a:r>
+          </a:p>
+        </p:txBody>
+      </p:sp>
+      <p:pic>
+        <p:nvPicPr>
+          <p:cNvPr id="1055" name="グラフィックス 1054" descr="ホーム 単色塗りつぶし">
+            <a:extLst>
+              <a:ext uri="{FF2B5EF4-FFF2-40B4-BE49-F238E27FC236}">
+                <a16:creationId xmlns:a16="http://schemas.microsoft.com/office/drawing/2014/main" id="{A15B4343-E34F-C393-3B12-3E3159C2AA8C}"/>
+              </a:ext>
+            </a:extLst>
+          </p:cNvPr>
+          <p:cNvPicPr>
+            <a:picLocks noChangeAspect="1"/>
+          </p:cNvPicPr>
+          <p:nvPr/>
+        </p:nvPicPr>
+        <p:blipFill>
+          <a:blip r:embed="rId9">
+            <a:extLst>
+              <a:ext uri="{96DAC541-7B7A-43D3-8B79-37D633B846F1}">
+                <asvg:svgBlip xmlns:asvg="http://schemas.microsoft.com/office/drawing/2016/SVG/main" r:embed="rId10"/>
+              </a:ext>
+            </a:extLst>
+          </a:blip>
+          <a:stretch>
+            <a:fillRect/>
+          </a:stretch>
+        </p:blipFill>
+        <p:spPr>
+          <a:xfrm>
+            <a:off x="10129332" y="5370428"/>
+            <a:ext cx="493986" cy="493986"/>
+          </a:xfrm>
+          <a:prstGeom prst="rect">
+            <a:avLst/>
+          </a:prstGeom>
+        </p:spPr>
+      </p:pic>
+      <p:pic>
+        <p:nvPicPr>
+          <p:cNvPr id="1056" name="グラフィックス 1055" descr="工場 単色塗りつぶし">
+            <a:extLst>
+              <a:ext uri="{FF2B5EF4-FFF2-40B4-BE49-F238E27FC236}">
+                <a16:creationId xmlns:a16="http://schemas.microsoft.com/office/drawing/2014/main" id="{A3251FB5-9970-ECD3-7FDC-136BE7294823}"/>
+              </a:ext>
+            </a:extLst>
+          </p:cNvPr>
+          <p:cNvPicPr>
+            <a:picLocks noChangeAspect="1"/>
+          </p:cNvPicPr>
+          <p:nvPr/>
+        </p:nvPicPr>
+        <p:blipFill>
+          <a:blip r:embed="rId11">
+            <a:extLst>
+              <a:ext uri="{96DAC541-7B7A-43D3-8B79-37D633B846F1}">
+                <asvg:svgBlip xmlns:asvg="http://schemas.microsoft.com/office/drawing/2016/SVG/main" r:embed="rId12"/>
+              </a:ext>
+            </a:extLst>
+          </a:blip>
+          <a:stretch>
+            <a:fillRect/>
+          </a:stretch>
+        </p:blipFill>
+        <p:spPr>
+          <a:xfrm>
+            <a:off x="9038373" y="5370428"/>
+            <a:ext cx="524390" cy="524390"/>
+          </a:xfrm>
+          <a:prstGeom prst="rect">
+            <a:avLst/>
+          </a:prstGeom>
+        </p:spPr>
+      </p:pic>
+      <p:cxnSp>
+        <p:nvCxnSpPr>
+          <p:cNvPr id="1068" name="直線矢印コネクタ 1067">
+            <a:extLst>
+              <a:ext uri="{FF2B5EF4-FFF2-40B4-BE49-F238E27FC236}">
+                <a16:creationId xmlns:a16="http://schemas.microsoft.com/office/drawing/2014/main" id="{8CFEE5CE-889F-6D14-55C4-D6B6CE4BA6B9}"/>
+              </a:ext>
+            </a:extLst>
+          </p:cNvPr>
+          <p:cNvCxnSpPr>
+            <a:cxnSpLocks/>
+            <a:stCxn id="1056" idx="0"/>
+            <a:endCxn id="1086" idx="2"/>
+          </p:cNvCxnSpPr>
+          <p:nvPr/>
+        </p:nvCxnSpPr>
+        <p:spPr>
+          <a:xfrm flipV="1">
+            <a:off x="9300568" y="4362153"/>
+            <a:ext cx="812764" cy="1008275"/>
+          </a:xfrm>
+          <a:prstGeom prst="straightConnector1">
+            <a:avLst/>
+          </a:prstGeom>
+          <a:ln w="28575">
+            <a:solidFill>
+              <a:schemeClr val="accent3"/>
+            </a:solidFill>
+            <a:headEnd type="none" w="med" len="med"/>
+            <a:tailEnd type="triangle"/>
+          </a:ln>
+        </p:spPr>
+        <p:style>
+          <a:lnRef idx="1">
+            <a:schemeClr val="accent1"/>
+          </a:lnRef>
+          <a:fillRef idx="0">
+            <a:schemeClr val="accent1"/>
+          </a:fillRef>
+          <a:effectRef idx="0">
+            <a:schemeClr val="accent1"/>
+          </a:effectRef>
+          <a:fontRef idx="minor">
+            <a:schemeClr val="tx1"/>
+          </a:fontRef>
+        </p:style>
+      </p:cxnSp>
+      <p:pic>
+        <p:nvPicPr>
+          <p:cNvPr id="1120" name="グラフィックス 1119" descr="建物 単色塗りつぶし">
+            <a:extLst>
+              <a:ext uri="{FF2B5EF4-FFF2-40B4-BE49-F238E27FC236}">
+                <a16:creationId xmlns:a16="http://schemas.microsoft.com/office/drawing/2014/main" id="{17E191E4-B541-A130-6F23-1675EA863BEE}"/>
+              </a:ext>
+            </a:extLst>
+          </p:cNvPr>
+          <p:cNvPicPr>
+            <a:picLocks noChangeAspect="1"/>
+          </p:cNvPicPr>
+          <p:nvPr/>
+        </p:nvPicPr>
+        <p:blipFill>
+          <a:blip r:embed="rId2">
+            <a:extLst>
+              <a:ext uri="{96DAC541-7B7A-43D3-8B79-37D633B846F1}">
+                <asvg:svgBlip xmlns:asvg="http://schemas.microsoft.com/office/drawing/2016/SVG/main" r:embed="rId3"/>
+              </a:ext>
+            </a:extLst>
+          </a:blip>
+          <a:stretch>
+            <a:fillRect/>
+          </a:stretch>
+        </p:blipFill>
+        <p:spPr>
+          <a:xfrm>
+            <a:off x="3653216" y="4436666"/>
+            <a:ext cx="531671" cy="531671"/>
+          </a:xfrm>
+          <a:prstGeom prst="rect">
+            <a:avLst/>
+          </a:prstGeom>
+        </p:spPr>
+      </p:pic>
+      <p:pic>
+        <p:nvPicPr>
+          <p:cNvPr id="1124" name="グラフィックス 1123" descr="建物 単色塗りつぶし">
+            <a:extLst>
+              <a:ext uri="{FF2B5EF4-FFF2-40B4-BE49-F238E27FC236}">
+                <a16:creationId xmlns:a16="http://schemas.microsoft.com/office/drawing/2014/main" id="{151544E6-1A47-01A4-C8B7-BDF84E3BDDE2}"/>
+              </a:ext>
+            </a:extLst>
+          </p:cNvPr>
+          <p:cNvPicPr>
+            <a:picLocks noChangeAspect="1"/>
+          </p:cNvPicPr>
+          <p:nvPr/>
+        </p:nvPicPr>
+        <p:blipFill>
+          <a:blip r:embed="rId2">
+            <a:extLst>
+              <a:ext uri="{96DAC541-7B7A-43D3-8B79-37D633B846F1}">
+                <asvg:svgBlip xmlns:asvg="http://schemas.microsoft.com/office/drawing/2016/SVG/main" r:embed="rId3"/>
+              </a:ext>
+            </a:extLst>
+          </a:blip>
+          <a:stretch>
+            <a:fillRect/>
+          </a:stretch>
+        </p:blipFill>
+        <p:spPr>
+          <a:xfrm>
+            <a:off x="1816165" y="2591106"/>
+            <a:ext cx="449861" cy="449861"/>
+          </a:xfrm>
+          <a:prstGeom prst="rect">
+            <a:avLst/>
+          </a:prstGeom>
+        </p:spPr>
+      </p:pic>
+      <p:cxnSp>
+        <p:nvCxnSpPr>
+          <p:cNvPr id="1144" name="直線矢印コネクタ 1143">
+            <a:extLst>
+              <a:ext uri="{FF2B5EF4-FFF2-40B4-BE49-F238E27FC236}">
+                <a16:creationId xmlns:a16="http://schemas.microsoft.com/office/drawing/2014/main" id="{0134C7B1-2E24-F125-7276-D0F77607FE11}"/>
+              </a:ext>
+            </a:extLst>
+          </p:cNvPr>
+          <p:cNvCxnSpPr>
+            <a:cxnSpLocks/>
+            <a:stCxn id="1055" idx="0"/>
+            <a:endCxn id="1086" idx="2"/>
+          </p:cNvCxnSpPr>
+          <p:nvPr/>
+        </p:nvCxnSpPr>
+        <p:spPr>
+          <a:xfrm flipH="1" flipV="1">
+            <a:off x="10113332" y="4362153"/>
+            <a:ext cx="262993" cy="1008275"/>
+          </a:xfrm>
+          <a:prstGeom prst="straightConnector1">
+            <a:avLst/>
+          </a:prstGeom>
+          <a:ln w="28575">
+            <a:solidFill>
+              <a:schemeClr val="accent3"/>
+            </a:solidFill>
+            <a:headEnd type="none" w="med" len="med"/>
+            <a:tailEnd type="triangle"/>
+          </a:ln>
+        </p:spPr>
+        <p:style>
+          <a:lnRef idx="1">
+            <a:schemeClr val="accent1"/>
+          </a:lnRef>
+          <a:fillRef idx="0">
+            <a:schemeClr val="accent1"/>
+          </a:fillRef>
+          <a:effectRef idx="0">
+            <a:schemeClr val="accent1"/>
+          </a:effectRef>
+          <a:fontRef idx="minor">
+            <a:schemeClr val="tx1"/>
+          </a:fontRef>
+        </p:style>
+      </p:cxnSp>
+      <p:sp>
+        <p:nvSpPr>
+          <p:cNvPr id="1153" name="テキスト ボックス 1152">
+            <a:extLst>
+              <a:ext uri="{FF2B5EF4-FFF2-40B4-BE49-F238E27FC236}">
+                <a16:creationId xmlns:a16="http://schemas.microsoft.com/office/drawing/2014/main" id="{4B4DF57D-9240-515E-DB51-B4832186C507}"/>
+              </a:ext>
+            </a:extLst>
+          </p:cNvPr>
+          <p:cNvSpPr txBox="1"/>
+          <p:nvPr/>
+        </p:nvSpPr>
+        <p:spPr>
+          <a:xfrm>
+            <a:off x="2705520" y="4379114"/>
+            <a:ext cx="853280" cy="276999"/>
+          </a:xfrm>
+          <a:prstGeom prst="rect">
+            <a:avLst/>
+          </a:prstGeom>
+          <a:noFill/>
+        </p:spPr>
+        <p:txBody>
+          <a:bodyPr wrap="square" rtlCol="0">
+            <a:spAutoFit/>
+          </a:bodyPr>
+          <a:lstStyle/>
+          <a:p>
+            <a:pPr algn="ctr"/>
+            <a:r>
+              <a:rPr kumimoji="1" lang="ja-JP" altLang="en-US" sz="1200" b="1" dirty="0"/>
+              <a:t>電力融通</a:t>
+            </a:r>
+          </a:p>
+        </p:txBody>
+      </p:sp>
+      <p:sp>
+        <p:nvSpPr>
+          <p:cNvPr id="7" name="矢印: 左右 6">
+            <a:extLst>
+              <a:ext uri="{FF2B5EF4-FFF2-40B4-BE49-F238E27FC236}">
+                <a16:creationId xmlns:a16="http://schemas.microsoft.com/office/drawing/2014/main" id="{EB831B15-AC93-13B4-817B-2F280C7D05CA}"/>
+              </a:ext>
+            </a:extLst>
+          </p:cNvPr>
+          <p:cNvSpPr/>
+          <p:nvPr/>
+        </p:nvSpPr>
+        <p:spPr>
+          <a:xfrm rot="5400000">
+            <a:off x="4307799" y="4232350"/>
+            <a:ext cx="1364881" cy="194186"/>
+          </a:xfrm>
+          <a:prstGeom prst="leftRightArrow">
+            <a:avLst/>
+          </a:prstGeom>
+          <a:solidFill>
+            <a:schemeClr val="bg1"/>
+          </a:solidFill>
+        </p:spPr>
+        <p:style>
+          <a:lnRef idx="2">
+            <a:schemeClr val="accent1">
+              <a:shade val="50000"/>
+            </a:schemeClr>
+          </a:lnRef>
+          <a:fillRef idx="1">
+            <a:schemeClr val="accent1"/>
+          </a:fillRef>
+          <a:effectRef idx="0">
+            <a:schemeClr val="accent1"/>
+          </a:effectRef>
+          <a:fontRef idx="minor">
+            <a:schemeClr val="lt1"/>
+          </a:fontRef>
+        </p:style>
+        <p:txBody>
+          <a:bodyPr rtlCol="0" anchor="ctr"/>
+          <a:lstStyle/>
+          <a:p>
+            <a:pPr algn="ctr"/>
+            <a:endParaRPr kumimoji="1" lang="ja-JP" altLang="en-US">
+              <a:solidFill>
+                <a:schemeClr val="tx1"/>
+              </a:solidFill>
+            </a:endParaRPr>
+          </a:p>
+        </p:txBody>
+      </p:sp>
+      <p:sp>
+        <p:nvSpPr>
+          <p:cNvPr id="11" name="テキスト ボックス 10">
+            <a:extLst>
+              <a:ext uri="{FF2B5EF4-FFF2-40B4-BE49-F238E27FC236}">
+                <a16:creationId xmlns:a16="http://schemas.microsoft.com/office/drawing/2014/main" id="{976EC6A2-A577-F573-AF08-A6993E89A433}"/>
+              </a:ext>
+            </a:extLst>
+          </p:cNvPr>
+          <p:cNvSpPr txBox="1"/>
+          <p:nvPr/>
+        </p:nvSpPr>
+        <p:spPr>
+          <a:xfrm>
+            <a:off x="4998113" y="4216569"/>
+            <a:ext cx="1226203" cy="276999"/>
+          </a:xfrm>
+          <a:prstGeom prst="rect">
+            <a:avLst/>
+          </a:prstGeom>
+          <a:noFill/>
+        </p:spPr>
+        <p:txBody>
+          <a:bodyPr wrap="square" rtlCol="0">
+            <a:spAutoFit/>
+          </a:bodyPr>
+          <a:lstStyle/>
+          <a:p>
+            <a:pPr algn="ctr"/>
+            <a:r>
+              <a:rPr kumimoji="1" lang="ja-JP" altLang="en-US" sz="1200" b="1" dirty="0"/>
+              <a:t>電力需給平衡</a:t>
+            </a:r>
+          </a:p>
+        </p:txBody>
+      </p:sp>
+      <p:pic>
+        <p:nvPicPr>
+          <p:cNvPr id="49" name="グラフィックス 48" descr="稲妻 単色塗りつぶし">
+            <a:extLst>
+              <a:ext uri="{FF2B5EF4-FFF2-40B4-BE49-F238E27FC236}">
+                <a16:creationId xmlns:a16="http://schemas.microsoft.com/office/drawing/2014/main" id="{F9DB27DA-B24B-15D4-4BCB-4229959F60D8}"/>
+              </a:ext>
+            </a:extLst>
+          </p:cNvPr>
+          <p:cNvPicPr>
+            <a:picLocks noChangeAspect="1"/>
+          </p:cNvPicPr>
+          <p:nvPr/>
+        </p:nvPicPr>
+        <p:blipFill>
+          <a:blip r:embed="rId13">
+            <a:extLst>
+              <a:ext uri="{96DAC541-7B7A-43D3-8B79-37D633B846F1}">
+                <asvg:svgBlip xmlns:asvg="http://schemas.microsoft.com/office/drawing/2016/SVG/main" r:embed="rId14"/>
+              </a:ext>
+            </a:extLst>
+          </a:blip>
+          <a:stretch>
+            <a:fillRect/>
+          </a:stretch>
+        </p:blipFill>
+        <p:spPr>
+          <a:xfrm>
+            <a:off x="2365102" y="5091336"/>
+            <a:ext cx="312523" cy="312523"/>
+          </a:xfrm>
+          <a:prstGeom prst="rect">
+            <a:avLst/>
+          </a:prstGeom>
+        </p:spPr>
+      </p:pic>
+      <p:pic>
+        <p:nvPicPr>
+          <p:cNvPr id="58" name="グラフィックス 57" descr="硬貨 単色塗りつぶし">
+            <a:extLst>
+              <a:ext uri="{FF2B5EF4-FFF2-40B4-BE49-F238E27FC236}">
+                <a16:creationId xmlns:a16="http://schemas.microsoft.com/office/drawing/2014/main" id="{73A8933E-62D9-211D-067F-94E4F07517C6}"/>
+              </a:ext>
+            </a:extLst>
+          </p:cNvPr>
+          <p:cNvPicPr>
+            <a:picLocks noChangeAspect="1"/>
+          </p:cNvPicPr>
+          <p:nvPr/>
+        </p:nvPicPr>
+        <p:blipFill>
+          <a:blip r:embed="rId15">
+            <a:extLst>
+              <a:ext uri="{96DAC541-7B7A-43D3-8B79-37D633B846F1}">
+                <asvg:svgBlip xmlns:asvg="http://schemas.microsoft.com/office/drawing/2016/SVG/main" r:embed="rId16"/>
+              </a:ext>
+            </a:extLst>
+          </a:blip>
+          <a:stretch>
+            <a:fillRect/>
+          </a:stretch>
+        </p:blipFill>
+        <p:spPr>
+          <a:xfrm>
+            <a:off x="9633277" y="2838741"/>
+            <a:ext cx="323974" cy="323974"/>
+          </a:xfrm>
+          <a:prstGeom prst="rect">
+            <a:avLst/>
+          </a:prstGeom>
+        </p:spPr>
+      </p:pic>
+      <p:sp>
+        <p:nvSpPr>
+          <p:cNvPr id="59" name="テキスト ボックス 58">
+            <a:extLst>
+              <a:ext uri="{FF2B5EF4-FFF2-40B4-BE49-F238E27FC236}">
+                <a16:creationId xmlns:a16="http://schemas.microsoft.com/office/drawing/2014/main" id="{51A4115B-72FE-B6FE-5BC7-FD3B48814B34}"/>
+              </a:ext>
+            </a:extLst>
+          </p:cNvPr>
+          <p:cNvSpPr txBox="1"/>
+          <p:nvPr/>
+        </p:nvSpPr>
+        <p:spPr>
+          <a:xfrm>
+            <a:off x="9142322" y="3335100"/>
+            <a:ext cx="824164" cy="261610"/>
+          </a:xfrm>
+          <a:prstGeom prst="rect">
+            <a:avLst/>
+          </a:prstGeom>
+          <a:noFill/>
+        </p:spPr>
+        <p:txBody>
+          <a:bodyPr wrap="square" rtlCol="0">
+            <a:spAutoFit/>
+          </a:bodyPr>
+          <a:lstStyle/>
+          <a:p>
+            <a:pPr algn="ctr"/>
+            <a:r>
+              <a:rPr kumimoji="1" lang="ja-JP" altLang="en-US" sz="1100" dirty="0"/>
+              <a:t>託送料金</a:t>
+            </a:r>
+          </a:p>
+        </p:txBody>
+      </p:sp>
+      <p:pic>
+        <p:nvPicPr>
+          <p:cNvPr id="64" name="グラフィックス 63" descr="硬貨 単色塗りつぶし">
+            <a:extLst>
+              <a:ext uri="{FF2B5EF4-FFF2-40B4-BE49-F238E27FC236}">
+                <a16:creationId xmlns:a16="http://schemas.microsoft.com/office/drawing/2014/main" id="{F40366DD-C795-6951-FBC8-987DF761767F}"/>
+              </a:ext>
+            </a:extLst>
+          </p:cNvPr>
+          <p:cNvPicPr>
+            <a:picLocks noChangeAspect="1"/>
+          </p:cNvPicPr>
+          <p:nvPr/>
+        </p:nvPicPr>
+        <p:blipFill>
+          <a:blip r:embed="rId15">
+            <a:extLst>
+              <a:ext uri="{96DAC541-7B7A-43D3-8B79-37D633B846F1}">
+                <asvg:svgBlip xmlns:asvg="http://schemas.microsoft.com/office/drawing/2016/SVG/main" r:embed="rId16"/>
+              </a:ext>
+            </a:extLst>
+          </a:blip>
+          <a:stretch>
+            <a:fillRect/>
+          </a:stretch>
+        </p:blipFill>
+        <p:spPr>
+          <a:xfrm>
+            <a:off x="9142219" y="4849192"/>
+            <a:ext cx="323974" cy="323974"/>
+          </a:xfrm>
+          <a:prstGeom prst="rect">
+            <a:avLst/>
+          </a:prstGeom>
+        </p:spPr>
+      </p:pic>
+      <p:pic>
+        <p:nvPicPr>
+          <p:cNvPr id="66" name="グラフィックス 65" descr="建物 単色塗りつぶし">
+            <a:extLst>
+              <a:ext uri="{FF2B5EF4-FFF2-40B4-BE49-F238E27FC236}">
+                <a16:creationId xmlns:a16="http://schemas.microsoft.com/office/drawing/2014/main" id="{2741EEB9-255B-4B8D-650E-BE643987995F}"/>
+              </a:ext>
+            </a:extLst>
+          </p:cNvPr>
+          <p:cNvPicPr>
+            <a:picLocks noChangeAspect="1"/>
+          </p:cNvPicPr>
+          <p:nvPr/>
+        </p:nvPicPr>
+        <p:blipFill>
+          <a:blip r:embed="rId2">
+            <a:extLst>
+              <a:ext uri="{96DAC541-7B7A-43D3-8B79-37D633B846F1}">
+                <asvg:svgBlip xmlns:asvg="http://schemas.microsoft.com/office/drawing/2016/SVG/main" r:embed="rId3"/>
+              </a:ext>
+            </a:extLst>
+          </a:blip>
+          <a:stretch>
+            <a:fillRect/>
+          </a:stretch>
+        </p:blipFill>
+        <p:spPr>
+          <a:xfrm>
+            <a:off x="8619314" y="3737935"/>
+            <a:ext cx="603387" cy="603387"/>
+          </a:xfrm>
+          <a:prstGeom prst="rect">
+            <a:avLst/>
+          </a:prstGeom>
+        </p:spPr>
+      </p:pic>
+      <p:sp>
+        <p:nvSpPr>
+          <p:cNvPr id="67" name="テキスト ボックス 66">
+            <a:extLst>
+              <a:ext uri="{FF2B5EF4-FFF2-40B4-BE49-F238E27FC236}">
+                <a16:creationId xmlns:a16="http://schemas.microsoft.com/office/drawing/2014/main" id="{AF984A3E-9AF2-E1AE-D307-DAF701B40B87}"/>
+              </a:ext>
+            </a:extLst>
+          </p:cNvPr>
+          <p:cNvSpPr txBox="1"/>
+          <p:nvPr/>
+        </p:nvSpPr>
+        <p:spPr>
+          <a:xfrm>
+            <a:off x="10260981" y="3818891"/>
+            <a:ext cx="1513348" cy="492443"/>
+          </a:xfrm>
+          <a:prstGeom prst="rect">
+            <a:avLst/>
+          </a:prstGeom>
+          <a:noFill/>
+        </p:spPr>
+        <p:txBody>
+          <a:bodyPr wrap="square" rtlCol="0">
+            <a:spAutoFit/>
+          </a:bodyPr>
+          <a:lstStyle/>
+          <a:p>
+            <a:pPr algn="ctr"/>
+            <a:r>
+              <a:rPr kumimoji="1" lang="ja-JP" altLang="en-US" sz="1400" dirty="0"/>
+              <a:t>小売電気事業者</a:t>
+            </a:r>
+            <a:r>
+              <a:rPr kumimoji="1" lang="ja-JP" altLang="en-US" sz="1200" dirty="0"/>
+              <a:t>（新電力）</a:t>
+            </a:r>
+          </a:p>
+        </p:txBody>
+      </p:sp>
+      <p:pic>
+        <p:nvPicPr>
+          <p:cNvPr id="72" name="グラフィックス 71" descr="硬貨 単色塗りつぶし">
+            <a:extLst>
+              <a:ext uri="{FF2B5EF4-FFF2-40B4-BE49-F238E27FC236}">
+                <a16:creationId xmlns:a16="http://schemas.microsoft.com/office/drawing/2014/main" id="{6DCC162B-8D23-CA46-D064-F88E789CEEC2}"/>
+              </a:ext>
+            </a:extLst>
+          </p:cNvPr>
+          <p:cNvPicPr>
+            <a:picLocks noChangeAspect="1"/>
+          </p:cNvPicPr>
+          <p:nvPr/>
+        </p:nvPicPr>
+        <p:blipFill>
+          <a:blip r:embed="rId15">
+            <a:extLst>
+              <a:ext uri="{96DAC541-7B7A-43D3-8B79-37D633B846F1}">
+                <asvg:svgBlip xmlns:asvg="http://schemas.microsoft.com/office/drawing/2016/SVG/main" r:embed="rId16"/>
+              </a:ext>
+            </a:extLst>
+          </a:blip>
+          <a:stretch>
+            <a:fillRect/>
+          </a:stretch>
+        </p:blipFill>
+        <p:spPr>
+          <a:xfrm>
+            <a:off x="9377728" y="3622517"/>
+            <a:ext cx="323974" cy="323974"/>
+          </a:xfrm>
+          <a:prstGeom prst="rect">
+            <a:avLst/>
+          </a:prstGeom>
+        </p:spPr>
+      </p:pic>
+      <p:sp>
+        <p:nvSpPr>
+          <p:cNvPr id="75" name="テキスト ボックス 74">
+            <a:extLst>
+              <a:ext uri="{FF2B5EF4-FFF2-40B4-BE49-F238E27FC236}">
+                <a16:creationId xmlns:a16="http://schemas.microsoft.com/office/drawing/2014/main" id="{1880BEA1-53E6-54DE-E1ED-877C20F6B8F5}"/>
+              </a:ext>
+            </a:extLst>
+          </p:cNvPr>
+          <p:cNvSpPr txBox="1"/>
+          <p:nvPr/>
+        </p:nvSpPr>
+        <p:spPr>
+          <a:xfrm>
+            <a:off x="9932505" y="2877647"/>
+            <a:ext cx="762792" cy="261610"/>
+          </a:xfrm>
+          <a:prstGeom prst="rect">
+            <a:avLst/>
+          </a:prstGeom>
+          <a:noFill/>
+        </p:spPr>
+        <p:txBody>
+          <a:bodyPr wrap="square" rtlCol="0">
+            <a:spAutoFit/>
+          </a:bodyPr>
+          <a:lstStyle/>
+          <a:p>
+            <a:pPr algn="ctr"/>
+            <a:r>
+              <a:rPr kumimoji="1" lang="ja-JP" altLang="en-US" sz="1100" dirty="0"/>
+              <a:t>発電料金</a:t>
+            </a:r>
+          </a:p>
+        </p:txBody>
+      </p:sp>
+      <p:sp>
+        <p:nvSpPr>
+          <p:cNvPr id="100" name="正方形/長方形 99">
+            <a:extLst>
+              <a:ext uri="{FF2B5EF4-FFF2-40B4-BE49-F238E27FC236}">
+                <a16:creationId xmlns:a16="http://schemas.microsoft.com/office/drawing/2014/main" id="{64C786A4-A910-212B-B3A8-307E30F16D01}"/>
+              </a:ext>
+            </a:extLst>
+          </p:cNvPr>
+          <p:cNvSpPr/>
+          <p:nvPr/>
+        </p:nvSpPr>
+        <p:spPr>
+          <a:xfrm>
+            <a:off x="5347950" y="2026011"/>
+            <a:ext cx="1338450" cy="295032"/>
+          </a:xfrm>
+          <a:prstGeom prst="rect">
+            <a:avLst/>
+          </a:prstGeom>
+          <a:solidFill>
+            <a:schemeClr val="accent4"/>
+          </a:solidFill>
+          <a:ln>
+            <a:solidFill>
+              <a:schemeClr val="accent4">
+                <a:lumMod val="75000"/>
+              </a:schemeClr>
+            </a:solidFill>
+          </a:ln>
+        </p:spPr>
+        <p:style>
+          <a:lnRef idx="2">
+            <a:schemeClr val="accent1">
+              <a:shade val="50000"/>
+            </a:schemeClr>
+          </a:lnRef>
+          <a:fillRef idx="1">
+            <a:schemeClr val="accent1"/>
+          </a:fillRef>
+          <a:effectRef idx="0">
+            <a:schemeClr val="accent1"/>
+          </a:effectRef>
+          <a:fontRef idx="minor">
+            <a:schemeClr val="lt1"/>
+          </a:fontRef>
+        </p:style>
+        <p:txBody>
+          <a:bodyPr rtlCol="0" anchor="ctr"/>
+          <a:lstStyle/>
+          <a:p>
+            <a:pPr algn="ctr"/>
+            <a:r>
+              <a:rPr kumimoji="1" lang="ja-JP" altLang="en-US" sz="1400" dirty="0">
+                <a:solidFill>
+                  <a:schemeClr val="bg1"/>
+                </a:solidFill>
+              </a:rPr>
+              <a:t>分散型電源</a:t>
+            </a:r>
+          </a:p>
+        </p:txBody>
+      </p:sp>
+      <p:sp>
+        <p:nvSpPr>
+          <p:cNvPr id="101" name="正方形/長方形 100">
+            <a:extLst>
+              <a:ext uri="{FF2B5EF4-FFF2-40B4-BE49-F238E27FC236}">
+                <a16:creationId xmlns:a16="http://schemas.microsoft.com/office/drawing/2014/main" id="{FCC2876B-AD1A-816D-8895-468B1622363F}"/>
+              </a:ext>
+            </a:extLst>
+          </p:cNvPr>
+          <p:cNvSpPr/>
+          <p:nvPr/>
+        </p:nvSpPr>
+        <p:spPr>
+          <a:xfrm>
+            <a:off x="5347950" y="5052106"/>
+            <a:ext cx="1338450" cy="295032"/>
+          </a:xfrm>
+          <a:prstGeom prst="rect">
+            <a:avLst/>
+          </a:prstGeom>
+          <a:solidFill>
+            <a:schemeClr val="accent4"/>
+          </a:solidFill>
+          <a:ln>
+            <a:solidFill>
+              <a:schemeClr val="accent4">
+                <a:lumMod val="75000"/>
+              </a:schemeClr>
+            </a:solidFill>
+          </a:ln>
+        </p:spPr>
+        <p:style>
+          <a:lnRef idx="2">
+            <a:schemeClr val="accent1">
+              <a:shade val="50000"/>
+            </a:schemeClr>
+          </a:lnRef>
+          <a:fillRef idx="1">
+            <a:schemeClr val="accent1"/>
+          </a:fillRef>
+          <a:effectRef idx="0">
+            <a:schemeClr val="accent1"/>
+          </a:effectRef>
+          <a:fontRef idx="minor">
+            <a:schemeClr val="lt1"/>
+          </a:fontRef>
+        </p:style>
+        <p:txBody>
+          <a:bodyPr rtlCol="0" anchor="ctr"/>
+          <a:lstStyle/>
+          <a:p>
+            <a:pPr algn="ctr"/>
+            <a:r>
+              <a:rPr kumimoji="1" lang="ja-JP" altLang="en-US" sz="1400" dirty="0">
+                <a:solidFill>
+                  <a:schemeClr val="bg1"/>
+                </a:solidFill>
+              </a:rPr>
+              <a:t>分散型電源</a:t>
+            </a:r>
+          </a:p>
+        </p:txBody>
+      </p:sp>
+      <p:sp>
+        <p:nvSpPr>
+          <p:cNvPr id="102" name="正方形/長方形 101">
+            <a:extLst>
+              <a:ext uri="{FF2B5EF4-FFF2-40B4-BE49-F238E27FC236}">
+                <a16:creationId xmlns:a16="http://schemas.microsoft.com/office/drawing/2014/main" id="{7DEFE423-263D-1E9F-0EBD-451DFB12BBDA}"/>
+              </a:ext>
+            </a:extLst>
+          </p:cNvPr>
+          <p:cNvSpPr/>
+          <p:nvPr/>
+        </p:nvSpPr>
+        <p:spPr>
+          <a:xfrm>
+            <a:off x="511593" y="2026011"/>
+            <a:ext cx="1106157" cy="295032"/>
+          </a:xfrm>
+          <a:prstGeom prst="rect">
+            <a:avLst/>
+          </a:prstGeom>
+          <a:solidFill>
+            <a:schemeClr val="accent4"/>
+          </a:solidFill>
+          <a:ln>
+            <a:solidFill>
+              <a:schemeClr val="accent4">
+                <a:lumMod val="75000"/>
+              </a:schemeClr>
+            </a:solidFill>
+          </a:ln>
+        </p:spPr>
+        <p:style>
+          <a:lnRef idx="2">
+            <a:schemeClr val="accent1">
+              <a:shade val="50000"/>
+            </a:schemeClr>
+          </a:lnRef>
+          <a:fillRef idx="1">
+            <a:schemeClr val="accent1"/>
+          </a:fillRef>
+          <a:effectRef idx="0">
+            <a:schemeClr val="accent1"/>
+          </a:effectRef>
+          <a:fontRef idx="minor">
+            <a:schemeClr val="lt1"/>
+          </a:fontRef>
+        </p:style>
+        <p:txBody>
+          <a:bodyPr rtlCol="0" anchor="ctr"/>
+          <a:lstStyle/>
+          <a:p>
+            <a:pPr algn="ctr"/>
+            <a:r>
+              <a:rPr kumimoji="1" lang="ja-JP" altLang="en-US" sz="1400" dirty="0">
+                <a:solidFill>
+                  <a:schemeClr val="bg1"/>
+                </a:solidFill>
+              </a:rPr>
+              <a:t>発送電分離</a:t>
+            </a:r>
+          </a:p>
+        </p:txBody>
+      </p:sp>
+      <p:sp>
+        <p:nvSpPr>
+          <p:cNvPr id="103" name="正方形/長方形 102">
+            <a:extLst>
+              <a:ext uri="{FF2B5EF4-FFF2-40B4-BE49-F238E27FC236}">
+                <a16:creationId xmlns:a16="http://schemas.microsoft.com/office/drawing/2014/main" id="{9981B686-5FD5-E30B-426D-832BA2BB3E12}"/>
+              </a:ext>
+            </a:extLst>
+          </p:cNvPr>
+          <p:cNvSpPr/>
+          <p:nvPr/>
+        </p:nvSpPr>
+        <p:spPr>
+          <a:xfrm>
+            <a:off x="10454993" y="3504492"/>
+            <a:ext cx="1106157" cy="295032"/>
+          </a:xfrm>
+          <a:prstGeom prst="rect">
+            <a:avLst/>
+          </a:prstGeom>
+          <a:solidFill>
+            <a:schemeClr val="accent4"/>
+          </a:solidFill>
+          <a:ln>
+            <a:solidFill>
+              <a:schemeClr val="accent4">
+                <a:lumMod val="75000"/>
+              </a:schemeClr>
+            </a:solidFill>
+          </a:ln>
+        </p:spPr>
+        <p:style>
+          <a:lnRef idx="2">
+            <a:schemeClr val="accent1">
+              <a:shade val="50000"/>
+            </a:schemeClr>
+          </a:lnRef>
+          <a:fillRef idx="1">
+            <a:schemeClr val="accent1"/>
+          </a:fillRef>
+          <a:effectRef idx="0">
+            <a:schemeClr val="accent1"/>
+          </a:effectRef>
+          <a:fontRef idx="minor">
+            <a:schemeClr val="lt1"/>
+          </a:fontRef>
+        </p:style>
+        <p:txBody>
+          <a:bodyPr rtlCol="0" anchor="ctr"/>
+          <a:lstStyle/>
+          <a:p>
+            <a:pPr algn="ctr"/>
+            <a:r>
+              <a:rPr kumimoji="1" lang="ja-JP" altLang="en-US" sz="1400" dirty="0">
+                <a:solidFill>
+                  <a:schemeClr val="bg1"/>
+                </a:solidFill>
+              </a:rPr>
+              <a:t>電力自由化</a:t>
+            </a:r>
+          </a:p>
+        </p:txBody>
+      </p:sp>
+      <p:sp>
+        <p:nvSpPr>
+          <p:cNvPr id="106" name="四角形: 角を丸くする 105">
+            <a:extLst>
+              <a:ext uri="{FF2B5EF4-FFF2-40B4-BE49-F238E27FC236}">
+                <a16:creationId xmlns:a16="http://schemas.microsoft.com/office/drawing/2014/main" id="{A0E2026D-3FB5-C35B-5FAC-9450F8D8B101}"/>
+              </a:ext>
+            </a:extLst>
+          </p:cNvPr>
+          <p:cNvSpPr/>
+          <p:nvPr/>
+        </p:nvSpPr>
+        <p:spPr>
+          <a:xfrm>
+            <a:off x="1720615" y="2236519"/>
+            <a:ext cx="1225696" cy="3894180"/>
+          </a:xfrm>
+          <a:prstGeom prst="roundRect">
+            <a:avLst/>
+          </a:prstGeom>
+          <a:noFill/>
+          <a:ln>
+            <a:prstDash val="dash"/>
+          </a:ln>
+        </p:spPr>
+        <p:style>
+          <a:lnRef idx="2">
+            <a:schemeClr val="accent1">
+              <a:shade val="50000"/>
+            </a:schemeClr>
+          </a:lnRef>
+          <a:fillRef idx="1">
+            <a:schemeClr val="accent1"/>
+          </a:fillRef>
+          <a:effectRef idx="0">
+            <a:schemeClr val="accent1"/>
+          </a:effectRef>
+          <a:fontRef idx="minor">
+            <a:schemeClr val="lt1"/>
+          </a:fontRef>
+        </p:style>
+        <p:txBody>
+          <a:bodyPr rtlCol="0" anchor="ctr"/>
+          <a:lstStyle/>
+          <a:p>
+            <a:pPr algn="ctr"/>
+            <a:endParaRPr kumimoji="1" lang="ja-JP" altLang="en-US">
+              <a:solidFill>
+                <a:schemeClr val="tx1"/>
+              </a:solidFill>
+            </a:endParaRPr>
+          </a:p>
+        </p:txBody>
+      </p:sp>
+      <p:pic>
+        <p:nvPicPr>
+          <p:cNvPr id="110" name="グラフィックス 109" descr="ホーム 単色塗りつぶし">
+            <a:extLst>
+              <a:ext uri="{FF2B5EF4-FFF2-40B4-BE49-F238E27FC236}">
+                <a16:creationId xmlns:a16="http://schemas.microsoft.com/office/drawing/2014/main" id="{CEAD6A98-CBDB-F12F-BB9D-83CFD5066B65}"/>
+              </a:ext>
+            </a:extLst>
+          </p:cNvPr>
+          <p:cNvPicPr>
+            <a:picLocks noChangeAspect="1"/>
+          </p:cNvPicPr>
+          <p:nvPr/>
+        </p:nvPicPr>
+        <p:blipFill>
+          <a:blip r:embed="rId9">
+            <a:extLst>
+              <a:ext uri="{96DAC541-7B7A-43D3-8B79-37D633B846F1}">
+                <asvg:svgBlip xmlns:asvg="http://schemas.microsoft.com/office/drawing/2016/SVG/main" r:embed="rId10"/>
+              </a:ext>
+            </a:extLst>
+          </a:blip>
+          <a:stretch>
+            <a:fillRect/>
+          </a:stretch>
+        </p:blipFill>
+        <p:spPr>
+          <a:xfrm>
+            <a:off x="2379482" y="5615069"/>
+            <a:ext cx="410309" cy="410309"/>
+          </a:xfrm>
+          <a:prstGeom prst="rect">
+            <a:avLst/>
+          </a:prstGeom>
+        </p:spPr>
+      </p:pic>
+      <p:pic>
+        <p:nvPicPr>
+          <p:cNvPr id="111" name="グラフィックス 110" descr="工場 単色塗りつぶし">
+            <a:extLst>
+              <a:ext uri="{FF2B5EF4-FFF2-40B4-BE49-F238E27FC236}">
+                <a16:creationId xmlns:a16="http://schemas.microsoft.com/office/drawing/2014/main" id="{7691CF54-57D9-38A3-32B1-FEFBA43CE31E}"/>
+              </a:ext>
+            </a:extLst>
+          </p:cNvPr>
+          <p:cNvPicPr>
+            <a:picLocks noChangeAspect="1"/>
+          </p:cNvPicPr>
+          <p:nvPr/>
+        </p:nvPicPr>
+        <p:blipFill>
+          <a:blip r:embed="rId11">
+            <a:extLst>
+              <a:ext uri="{96DAC541-7B7A-43D3-8B79-37D633B846F1}">
+                <asvg:svgBlip xmlns:asvg="http://schemas.microsoft.com/office/drawing/2016/SVG/main" r:embed="rId12"/>
+              </a:ext>
+            </a:extLst>
+          </a:blip>
+          <a:stretch>
+            <a:fillRect/>
+          </a:stretch>
+        </p:blipFill>
+        <p:spPr>
+          <a:xfrm>
+            <a:off x="1835941" y="5615069"/>
+            <a:ext cx="410309" cy="410309"/>
+          </a:xfrm>
+          <a:prstGeom prst="rect">
+            <a:avLst/>
+          </a:prstGeom>
+        </p:spPr>
+      </p:pic>
+      <p:pic>
+        <p:nvPicPr>
+          <p:cNvPr id="112" name="グラフィックス 111" descr="ホーム 単色塗りつぶし">
+            <a:extLst>
+              <a:ext uri="{FF2B5EF4-FFF2-40B4-BE49-F238E27FC236}">
+                <a16:creationId xmlns:a16="http://schemas.microsoft.com/office/drawing/2014/main" id="{493BCA2F-C778-8FD6-FF9F-EC1364A79A89}"/>
+              </a:ext>
+            </a:extLst>
+          </p:cNvPr>
+          <p:cNvPicPr>
+            <a:picLocks noChangeAspect="1"/>
+          </p:cNvPicPr>
+          <p:nvPr/>
+        </p:nvPicPr>
+        <p:blipFill>
+          <a:blip r:embed="rId9">
+            <a:extLst>
+              <a:ext uri="{96DAC541-7B7A-43D3-8B79-37D633B846F1}">
+                <asvg:svgBlip xmlns:asvg="http://schemas.microsoft.com/office/drawing/2016/SVG/main" r:embed="rId10"/>
+              </a:ext>
+            </a:extLst>
+          </a:blip>
+          <a:stretch>
+            <a:fillRect/>
+          </a:stretch>
+        </p:blipFill>
+        <p:spPr>
+          <a:xfrm>
+            <a:off x="3974411" y="5615069"/>
+            <a:ext cx="410309" cy="410309"/>
+          </a:xfrm>
+          <a:prstGeom prst="rect">
+            <a:avLst/>
+          </a:prstGeom>
+        </p:spPr>
+      </p:pic>
+      <p:pic>
+        <p:nvPicPr>
+          <p:cNvPr id="113" name="グラフィックス 112" descr="工場 単色塗りつぶし">
+            <a:extLst>
+              <a:ext uri="{FF2B5EF4-FFF2-40B4-BE49-F238E27FC236}">
+                <a16:creationId xmlns:a16="http://schemas.microsoft.com/office/drawing/2014/main" id="{F54EAEB6-5926-87E5-62D2-F076534DF999}"/>
+              </a:ext>
+            </a:extLst>
+          </p:cNvPr>
+          <p:cNvPicPr>
+            <a:picLocks noChangeAspect="1"/>
+          </p:cNvPicPr>
+          <p:nvPr/>
+        </p:nvPicPr>
+        <p:blipFill>
+          <a:blip r:embed="rId11">
+            <a:extLst>
+              <a:ext uri="{96DAC541-7B7A-43D3-8B79-37D633B846F1}">
+                <asvg:svgBlip xmlns:asvg="http://schemas.microsoft.com/office/drawing/2016/SVG/main" r:embed="rId12"/>
+              </a:ext>
+            </a:extLst>
+          </a:blip>
+          <a:stretch>
+            <a:fillRect/>
+          </a:stretch>
+        </p:blipFill>
+        <p:spPr>
+          <a:xfrm>
+            <a:off x="3457770" y="5615069"/>
+            <a:ext cx="410309" cy="410309"/>
+          </a:xfrm>
+          <a:prstGeom prst="rect">
+            <a:avLst/>
+          </a:prstGeom>
+        </p:spPr>
+      </p:pic>
+      <p:sp>
+        <p:nvSpPr>
+          <p:cNvPr id="114" name="四角形: 角を丸くする 113">
+            <a:extLst>
+              <a:ext uri="{FF2B5EF4-FFF2-40B4-BE49-F238E27FC236}">
+                <a16:creationId xmlns:a16="http://schemas.microsoft.com/office/drawing/2014/main" id="{6BA4CAF0-5658-EFDA-0AC3-4FA799424FAA}"/>
+              </a:ext>
+            </a:extLst>
+          </p:cNvPr>
+          <p:cNvSpPr/>
+          <p:nvPr/>
+        </p:nvSpPr>
+        <p:spPr>
+          <a:xfrm>
+            <a:off x="3286447" y="2242523"/>
+            <a:ext cx="1265209" cy="3886178"/>
+          </a:xfrm>
+          <a:prstGeom prst="roundRect">
+            <a:avLst/>
+          </a:prstGeom>
+          <a:noFill/>
+          <a:ln>
+            <a:prstDash val="dash"/>
+          </a:ln>
+        </p:spPr>
+        <p:style>
+          <a:lnRef idx="2">
+            <a:schemeClr val="accent1">
+              <a:shade val="50000"/>
+            </a:schemeClr>
+          </a:lnRef>
+          <a:fillRef idx="1">
+            <a:schemeClr val="accent1"/>
+          </a:fillRef>
+          <a:effectRef idx="0">
+            <a:schemeClr val="accent1"/>
+          </a:effectRef>
+          <a:fontRef idx="minor">
+            <a:schemeClr val="lt1"/>
+          </a:fontRef>
+        </p:style>
+        <p:txBody>
+          <a:bodyPr rtlCol="0" anchor="ctr"/>
+          <a:lstStyle/>
+          <a:p>
+            <a:pPr algn="ctr"/>
+            <a:endParaRPr kumimoji="1" lang="ja-JP" altLang="en-US">
+              <a:solidFill>
+                <a:schemeClr val="tx1"/>
+              </a:solidFill>
+            </a:endParaRPr>
+          </a:p>
+        </p:txBody>
+      </p:sp>
+      <p:pic>
+        <p:nvPicPr>
+          <p:cNvPr id="116" name="図 115">
+            <a:extLst>
+              <a:ext uri="{FF2B5EF4-FFF2-40B4-BE49-F238E27FC236}">
+                <a16:creationId xmlns:a16="http://schemas.microsoft.com/office/drawing/2014/main" id="{DECF4747-D7C2-27CF-294A-75719DC73AA9}"/>
+              </a:ext>
+            </a:extLst>
+          </p:cNvPr>
+          <p:cNvPicPr>
+            <a:picLocks noChangeAspect="1"/>
+          </p:cNvPicPr>
+          <p:nvPr/>
+        </p:nvPicPr>
+        <p:blipFill>
+          <a:blip r:embed="rId17">
+            <a:clrChange>
+              <a:clrFrom>
+                <a:srgbClr val="FFFFFF"/>
+              </a:clrFrom>
+              <a:clrTo>
+                <a:srgbClr val="FFFFFF">
+                  <a:alpha val="0"/>
+                </a:srgbClr>
+              </a:clrTo>
+            </a:clrChange>
+          </a:blip>
+          <a:stretch>
+            <a:fillRect/>
+          </a:stretch>
+        </p:blipFill>
+        <p:spPr>
+          <a:xfrm>
+            <a:off x="2353761" y="2544341"/>
+            <a:ext cx="461750" cy="461750"/>
+          </a:xfrm>
+          <a:prstGeom prst="rect">
+            <a:avLst/>
+          </a:prstGeom>
+        </p:spPr>
+      </p:pic>
+      <p:pic>
+        <p:nvPicPr>
+          <p:cNvPr id="117" name="グラフィックス 116" descr="建物 単色塗りつぶし">
+            <a:extLst>
+              <a:ext uri="{FF2B5EF4-FFF2-40B4-BE49-F238E27FC236}">
+                <a16:creationId xmlns:a16="http://schemas.microsoft.com/office/drawing/2014/main" id="{6FBC352D-3B8E-4AB3-8D19-FC31AF3F59E3}"/>
+              </a:ext>
+            </a:extLst>
+          </p:cNvPr>
+          <p:cNvPicPr>
+            <a:picLocks noChangeAspect="1"/>
+          </p:cNvPicPr>
+          <p:nvPr/>
+        </p:nvPicPr>
+        <p:blipFill>
+          <a:blip r:embed="rId2">
+            <a:extLst>
+              <a:ext uri="{96DAC541-7B7A-43D3-8B79-37D633B846F1}">
+                <asvg:svgBlip xmlns:asvg="http://schemas.microsoft.com/office/drawing/2016/SVG/main" r:embed="rId3"/>
+              </a:ext>
+            </a:extLst>
+          </a:blip>
+          <a:stretch>
+            <a:fillRect/>
+          </a:stretch>
+        </p:blipFill>
+        <p:spPr>
+          <a:xfrm>
+            <a:off x="3437994" y="2591106"/>
+            <a:ext cx="449861" cy="449861"/>
+          </a:xfrm>
+          <a:prstGeom prst="rect">
+            <a:avLst/>
+          </a:prstGeom>
+        </p:spPr>
+      </p:pic>
+      <p:pic>
+        <p:nvPicPr>
+          <p:cNvPr id="118" name="図 117">
+            <a:extLst>
+              <a:ext uri="{FF2B5EF4-FFF2-40B4-BE49-F238E27FC236}">
+                <a16:creationId xmlns:a16="http://schemas.microsoft.com/office/drawing/2014/main" id="{3AFEEB2D-4E11-FCAA-A917-804ACD11581A}"/>
+              </a:ext>
+            </a:extLst>
+          </p:cNvPr>
+          <p:cNvPicPr>
+            <a:picLocks noChangeAspect="1"/>
+          </p:cNvPicPr>
+          <p:nvPr/>
+        </p:nvPicPr>
+        <p:blipFill>
+          <a:blip r:embed="rId17">
+            <a:clrChange>
+              <a:clrFrom>
+                <a:srgbClr val="FFFFFF"/>
+              </a:clrFrom>
+              <a:clrTo>
+                <a:srgbClr val="FFFFFF">
+                  <a:alpha val="0"/>
+                </a:srgbClr>
+              </a:clrTo>
+            </a:clrChange>
+          </a:blip>
+          <a:stretch>
+            <a:fillRect/>
+          </a:stretch>
+        </p:blipFill>
+        <p:spPr>
+          <a:xfrm>
+            <a:off x="3948690" y="2544341"/>
+            <a:ext cx="461750" cy="461750"/>
+          </a:xfrm>
+          <a:prstGeom prst="rect">
+            <a:avLst/>
+          </a:prstGeom>
+        </p:spPr>
+      </p:pic>
+      <p:sp>
+        <p:nvSpPr>
+          <p:cNvPr id="109" name="四角形: 角を丸くする 108">
+            <a:extLst>
+              <a:ext uri="{FF2B5EF4-FFF2-40B4-BE49-F238E27FC236}">
+                <a16:creationId xmlns:a16="http://schemas.microsoft.com/office/drawing/2014/main" id="{147EB113-BC13-0CED-0F79-B7FA6238635F}"/>
+              </a:ext>
+            </a:extLst>
+          </p:cNvPr>
+          <p:cNvSpPr/>
+          <p:nvPr/>
+        </p:nvSpPr>
+        <p:spPr>
+          <a:xfrm>
+            <a:off x="1668629" y="3603505"/>
+            <a:ext cx="2980292" cy="341405"/>
+          </a:xfrm>
+          <a:prstGeom prst="roundRect">
+            <a:avLst/>
+          </a:prstGeom>
+          <a:solidFill>
+            <a:schemeClr val="accent6">
+              <a:lumMod val="20000"/>
+              <a:lumOff val="80000"/>
+            </a:schemeClr>
+          </a:solidFill>
+          <a:ln>
+            <a:noFill/>
+          </a:ln>
+        </p:spPr>
+        <p:style>
+          <a:lnRef idx="2">
+            <a:schemeClr val="accent1">
+              <a:shade val="50000"/>
+            </a:schemeClr>
+          </a:lnRef>
+          <a:fillRef idx="1">
+            <a:schemeClr val="accent1"/>
+          </a:fillRef>
+          <a:effectRef idx="0">
+            <a:schemeClr val="accent1"/>
+          </a:effectRef>
+          <a:fontRef idx="minor">
+            <a:schemeClr val="lt1"/>
+          </a:fontRef>
+        </p:style>
+        <p:txBody>
+          <a:bodyPr rtlCol="0" anchor="ctr"/>
+          <a:lstStyle/>
+          <a:p>
+            <a:pPr algn="ctr"/>
+            <a:r>
+              <a:rPr kumimoji="1" lang="ja-JP" altLang="en-US" sz="1600" dirty="0">
+                <a:solidFill>
+                  <a:schemeClr val="tx1"/>
+                </a:solidFill>
+              </a:rPr>
+              <a:t>電力取引市場</a:t>
+            </a:r>
+          </a:p>
+        </p:txBody>
+      </p:sp>
+      <p:cxnSp>
+        <p:nvCxnSpPr>
+          <p:cNvPr id="121" name="直線矢印コネクタ 120">
+            <a:extLst>
+              <a:ext uri="{FF2B5EF4-FFF2-40B4-BE49-F238E27FC236}">
+                <a16:creationId xmlns:a16="http://schemas.microsoft.com/office/drawing/2014/main" id="{C0B0C135-5994-7FA5-EE42-EB8090CBE8D2}"/>
+              </a:ext>
+            </a:extLst>
+          </p:cNvPr>
+          <p:cNvCxnSpPr>
+            <a:cxnSpLocks/>
+          </p:cNvCxnSpPr>
+          <p:nvPr/>
+        </p:nvCxnSpPr>
+        <p:spPr>
+          <a:xfrm>
+            <a:off x="3662925" y="3041702"/>
+            <a:ext cx="0" cy="517522"/>
+          </a:xfrm>
+          <a:prstGeom prst="straightConnector1">
+            <a:avLst/>
+          </a:prstGeom>
+          <a:ln w="28575">
+            <a:solidFill>
+              <a:schemeClr val="accent2"/>
+            </a:solidFill>
+            <a:headEnd type="none" w="med" len="med"/>
+            <a:tailEnd type="triangle"/>
+          </a:ln>
+        </p:spPr>
+        <p:style>
+          <a:lnRef idx="1">
+            <a:schemeClr val="accent1"/>
+          </a:lnRef>
+          <a:fillRef idx="0">
+            <a:schemeClr val="accent1"/>
+          </a:fillRef>
+          <a:effectRef idx="0">
+            <a:schemeClr val="accent1"/>
+          </a:effectRef>
+          <a:fontRef idx="minor">
+            <a:schemeClr val="tx1"/>
+          </a:fontRef>
+        </p:style>
+      </p:cxnSp>
+      <p:cxnSp>
+        <p:nvCxnSpPr>
+          <p:cNvPr id="127" name="直線矢印コネクタ 126">
+            <a:extLst>
+              <a:ext uri="{FF2B5EF4-FFF2-40B4-BE49-F238E27FC236}">
+                <a16:creationId xmlns:a16="http://schemas.microsoft.com/office/drawing/2014/main" id="{CAD0D338-2A44-FC03-60DC-4BB6D4F81B1E}"/>
+              </a:ext>
+            </a:extLst>
+          </p:cNvPr>
+          <p:cNvCxnSpPr>
+            <a:cxnSpLocks/>
+          </p:cNvCxnSpPr>
+          <p:nvPr/>
+        </p:nvCxnSpPr>
+        <p:spPr>
+          <a:xfrm>
+            <a:off x="4205723" y="3041702"/>
+            <a:ext cx="0" cy="517522"/>
+          </a:xfrm>
+          <a:prstGeom prst="straightConnector1">
+            <a:avLst/>
+          </a:prstGeom>
+          <a:ln w="28575">
+            <a:solidFill>
+              <a:schemeClr val="accent2"/>
+            </a:solidFill>
+            <a:headEnd type="none" w="med" len="med"/>
+            <a:tailEnd type="triangle"/>
+          </a:ln>
+        </p:spPr>
+        <p:style>
+          <a:lnRef idx="1">
+            <a:schemeClr val="accent1"/>
+          </a:lnRef>
+          <a:fillRef idx="0">
+            <a:schemeClr val="accent1"/>
+          </a:fillRef>
+          <a:effectRef idx="0">
+            <a:schemeClr val="accent1"/>
+          </a:effectRef>
+          <a:fontRef idx="minor">
+            <a:schemeClr val="tx1"/>
+          </a:fontRef>
+        </p:style>
+      </p:cxnSp>
+      <p:cxnSp>
+        <p:nvCxnSpPr>
+          <p:cNvPr id="1024" name="直線矢印コネクタ 1023">
+            <a:extLst>
+              <a:ext uri="{FF2B5EF4-FFF2-40B4-BE49-F238E27FC236}">
+                <a16:creationId xmlns:a16="http://schemas.microsoft.com/office/drawing/2014/main" id="{C8FFDEB6-C592-328F-5D67-16AD58AA4344}"/>
+              </a:ext>
+            </a:extLst>
+          </p:cNvPr>
+          <p:cNvCxnSpPr>
+            <a:cxnSpLocks/>
+          </p:cNvCxnSpPr>
+          <p:nvPr/>
+        </p:nvCxnSpPr>
+        <p:spPr>
+          <a:xfrm>
+            <a:off x="2038566" y="3041702"/>
+            <a:ext cx="0" cy="517522"/>
+          </a:xfrm>
+          <a:prstGeom prst="straightConnector1">
+            <a:avLst/>
+          </a:prstGeom>
+          <a:ln w="28575">
+            <a:solidFill>
+              <a:schemeClr val="accent2"/>
+            </a:solidFill>
+            <a:headEnd type="none" w="med" len="med"/>
+            <a:tailEnd type="triangle"/>
+          </a:ln>
+        </p:spPr>
+        <p:style>
+          <a:lnRef idx="1">
+            <a:schemeClr val="accent1"/>
+          </a:lnRef>
+          <a:fillRef idx="0">
+            <a:schemeClr val="accent1"/>
+          </a:fillRef>
+          <a:effectRef idx="0">
+            <a:schemeClr val="accent1"/>
+          </a:effectRef>
+          <a:fontRef idx="minor">
+            <a:schemeClr val="tx1"/>
+          </a:fontRef>
+        </p:style>
+      </p:cxnSp>
+      <p:cxnSp>
+        <p:nvCxnSpPr>
+          <p:cNvPr id="1027" name="直線矢印コネクタ 1026">
+            <a:extLst>
+              <a:ext uri="{FF2B5EF4-FFF2-40B4-BE49-F238E27FC236}">
+                <a16:creationId xmlns:a16="http://schemas.microsoft.com/office/drawing/2014/main" id="{5BDFD543-352B-E116-9266-F3714FF82AA1}"/>
+              </a:ext>
+            </a:extLst>
+          </p:cNvPr>
+          <p:cNvCxnSpPr>
+            <a:cxnSpLocks/>
+          </p:cNvCxnSpPr>
+          <p:nvPr/>
+        </p:nvCxnSpPr>
+        <p:spPr>
+          <a:xfrm>
+            <a:off x="2581364" y="3041702"/>
+            <a:ext cx="0" cy="517522"/>
+          </a:xfrm>
+          <a:prstGeom prst="straightConnector1">
+            <a:avLst/>
+          </a:prstGeom>
+          <a:ln w="28575">
+            <a:solidFill>
+              <a:schemeClr val="accent2"/>
+            </a:solidFill>
+            <a:headEnd type="none" w="med" len="med"/>
+            <a:tailEnd type="triangle"/>
+          </a:ln>
+        </p:spPr>
+        <p:style>
+          <a:lnRef idx="1">
+            <a:schemeClr val="accent1"/>
+          </a:lnRef>
+          <a:fillRef idx="0">
+            <a:schemeClr val="accent1"/>
+          </a:fillRef>
+          <a:effectRef idx="0">
+            <a:schemeClr val="accent1"/>
+          </a:effectRef>
+          <a:fontRef idx="minor">
+            <a:schemeClr val="tx1"/>
+          </a:fontRef>
+        </p:style>
+      </p:cxnSp>
+      <p:cxnSp>
+        <p:nvCxnSpPr>
+          <p:cNvPr id="1028" name="直線矢印コネクタ 1027">
+            <a:extLst>
+              <a:ext uri="{FF2B5EF4-FFF2-40B4-BE49-F238E27FC236}">
+                <a16:creationId xmlns:a16="http://schemas.microsoft.com/office/drawing/2014/main" id="{D20EDFD0-63D1-7462-2958-02091F3BE4D8}"/>
+              </a:ext>
+            </a:extLst>
+          </p:cNvPr>
+          <p:cNvCxnSpPr>
+            <a:cxnSpLocks/>
+            <a:endCxn id="30" idx="0"/>
+          </p:cNvCxnSpPr>
+          <p:nvPr/>
+        </p:nvCxnSpPr>
+        <p:spPr>
+          <a:xfrm>
+            <a:off x="2333054" y="3943862"/>
+            <a:ext cx="410" cy="492969"/>
+          </a:xfrm>
+          <a:prstGeom prst="straightConnector1">
+            <a:avLst/>
+          </a:prstGeom>
+          <a:ln w="28575">
+            <a:solidFill>
+              <a:schemeClr val="accent2"/>
+            </a:solidFill>
+            <a:headEnd type="none" w="med" len="med"/>
+            <a:tailEnd type="triangle"/>
+          </a:ln>
+        </p:spPr>
+        <p:style>
+          <a:lnRef idx="1">
+            <a:schemeClr val="accent1"/>
+          </a:lnRef>
+          <a:fillRef idx="0">
+            <a:schemeClr val="accent1"/>
+          </a:fillRef>
+          <a:effectRef idx="0">
+            <a:schemeClr val="accent1"/>
+          </a:effectRef>
+          <a:fontRef idx="minor">
+            <a:schemeClr val="tx1"/>
+          </a:fontRef>
+        </p:style>
+      </p:cxnSp>
+      <p:sp>
+        <p:nvSpPr>
+          <p:cNvPr id="1091" name="矢印: 左右 1090">
+            <a:extLst>
+              <a:ext uri="{FF2B5EF4-FFF2-40B4-BE49-F238E27FC236}">
+                <a16:creationId xmlns:a16="http://schemas.microsoft.com/office/drawing/2014/main" id="{579B75B1-F0D8-C719-BEA6-304A60E47892}"/>
+              </a:ext>
+            </a:extLst>
+          </p:cNvPr>
+          <p:cNvSpPr/>
+          <p:nvPr/>
+        </p:nvSpPr>
+        <p:spPr>
+          <a:xfrm>
+            <a:off x="2660356" y="4629871"/>
+            <a:ext cx="912480" cy="169277"/>
+          </a:xfrm>
+          <a:prstGeom prst="leftRightArrow">
+            <a:avLst/>
+          </a:prstGeom>
+          <a:solidFill>
+            <a:schemeClr val="bg1"/>
+          </a:solidFill>
+        </p:spPr>
+        <p:style>
+          <a:lnRef idx="2">
+            <a:schemeClr val="accent1">
+              <a:shade val="50000"/>
+            </a:schemeClr>
+          </a:lnRef>
+          <a:fillRef idx="1">
+            <a:schemeClr val="accent1"/>
+          </a:fillRef>
+          <a:effectRef idx="0">
+            <a:schemeClr val="accent1"/>
+          </a:effectRef>
+          <a:fontRef idx="minor">
+            <a:schemeClr val="lt1"/>
+          </a:fontRef>
+        </p:style>
+        <p:txBody>
+          <a:bodyPr rtlCol="0" anchor="ctr"/>
+          <a:lstStyle/>
+          <a:p>
+            <a:pPr algn="ctr"/>
+            <a:endParaRPr kumimoji="1" lang="ja-JP" altLang="en-US">
+              <a:solidFill>
+                <a:schemeClr val="tx1"/>
+              </a:solidFill>
+            </a:endParaRPr>
+          </a:p>
+        </p:txBody>
+      </p:sp>
+      <p:cxnSp>
+        <p:nvCxnSpPr>
+          <p:cNvPr id="1036" name="直線矢印コネクタ 1035">
+            <a:extLst>
+              <a:ext uri="{FF2B5EF4-FFF2-40B4-BE49-F238E27FC236}">
+                <a16:creationId xmlns:a16="http://schemas.microsoft.com/office/drawing/2014/main" id="{203FC419-86FC-54F8-52A0-DE90CE6DD2AD}"/>
+              </a:ext>
+            </a:extLst>
+          </p:cNvPr>
+          <p:cNvCxnSpPr>
+            <a:cxnSpLocks/>
+            <a:stCxn id="30" idx="2"/>
+          </p:cNvCxnSpPr>
+          <p:nvPr/>
+        </p:nvCxnSpPr>
+        <p:spPr>
+          <a:xfrm>
+            <a:off x="2333464" y="4968502"/>
+            <a:ext cx="0" cy="440343"/>
+          </a:xfrm>
+          <a:prstGeom prst="straightConnector1">
+            <a:avLst/>
+          </a:prstGeom>
+          <a:ln w="28575">
+            <a:solidFill>
+              <a:schemeClr val="accent2"/>
+            </a:solidFill>
+            <a:headEnd type="none" w="med" len="med"/>
+            <a:tailEnd type="triangle"/>
+          </a:ln>
+        </p:spPr>
+        <p:style>
+          <a:lnRef idx="1">
+            <a:schemeClr val="accent1"/>
+          </a:lnRef>
+          <a:fillRef idx="0">
+            <a:schemeClr val="accent1"/>
+          </a:fillRef>
+          <a:effectRef idx="0">
+            <a:schemeClr val="accent1"/>
+          </a:effectRef>
+          <a:fontRef idx="minor">
+            <a:schemeClr val="tx1"/>
+          </a:fontRef>
+        </p:style>
+      </p:cxnSp>
+      <p:cxnSp>
+        <p:nvCxnSpPr>
+          <p:cNvPr id="1042" name="直線矢印コネクタ 1041">
+            <a:extLst>
+              <a:ext uri="{FF2B5EF4-FFF2-40B4-BE49-F238E27FC236}">
+                <a16:creationId xmlns:a16="http://schemas.microsoft.com/office/drawing/2014/main" id="{FFC11E30-FC24-DB84-BBDB-206CF2AEFC79}"/>
+              </a:ext>
+            </a:extLst>
+          </p:cNvPr>
+          <p:cNvCxnSpPr>
+            <a:cxnSpLocks/>
+            <a:stCxn id="1120" idx="2"/>
+          </p:cNvCxnSpPr>
+          <p:nvPr/>
+        </p:nvCxnSpPr>
+        <p:spPr>
+          <a:xfrm>
+            <a:off x="3919052" y="4968337"/>
+            <a:ext cx="9993" cy="440487"/>
+          </a:xfrm>
+          <a:prstGeom prst="straightConnector1">
+            <a:avLst/>
+          </a:prstGeom>
+          <a:ln w="28575">
+            <a:solidFill>
+              <a:schemeClr val="accent2"/>
+            </a:solidFill>
+            <a:headEnd type="none" w="med" len="med"/>
+            <a:tailEnd type="triangle"/>
+          </a:ln>
+        </p:spPr>
+        <p:style>
+          <a:lnRef idx="1">
+            <a:schemeClr val="accent1"/>
+          </a:lnRef>
+          <a:fillRef idx="0">
+            <a:schemeClr val="accent1"/>
+          </a:fillRef>
+          <a:effectRef idx="0">
+            <a:schemeClr val="accent1"/>
+          </a:effectRef>
+          <a:fontRef idx="minor">
+            <a:schemeClr val="tx1"/>
+          </a:fontRef>
+        </p:style>
+      </p:cxnSp>
+      <p:pic>
+        <p:nvPicPr>
+          <p:cNvPr id="1048" name="グラフィックス 1047" descr="稲妻 単色塗りつぶし">
+            <a:extLst>
+              <a:ext uri="{FF2B5EF4-FFF2-40B4-BE49-F238E27FC236}">
+                <a16:creationId xmlns:a16="http://schemas.microsoft.com/office/drawing/2014/main" id="{027E8E27-F766-A742-6A7B-83399204510B}"/>
+              </a:ext>
+            </a:extLst>
+          </p:cNvPr>
+          <p:cNvPicPr>
+            <a:picLocks noChangeAspect="1"/>
+          </p:cNvPicPr>
+          <p:nvPr/>
+        </p:nvPicPr>
+        <p:blipFill>
+          <a:blip r:embed="rId13">
+            <a:extLst>
+              <a:ext uri="{96DAC541-7B7A-43D3-8B79-37D633B846F1}">
+                <asvg:svgBlip xmlns:asvg="http://schemas.microsoft.com/office/drawing/2016/SVG/main" r:embed="rId14"/>
+              </a:ext>
+            </a:extLst>
+          </a:blip>
+          <a:stretch>
+            <a:fillRect/>
+          </a:stretch>
+        </p:blipFill>
+        <p:spPr>
+          <a:xfrm>
+            <a:off x="2362430" y="3981472"/>
+            <a:ext cx="312523" cy="312523"/>
+          </a:xfrm>
+          <a:prstGeom prst="rect">
+            <a:avLst/>
+          </a:prstGeom>
+        </p:spPr>
+      </p:pic>
+      <p:pic>
+        <p:nvPicPr>
+          <p:cNvPr id="1049" name="グラフィックス 1048" descr="稲妻 単色塗りつぶし">
+            <a:extLst>
+              <a:ext uri="{FF2B5EF4-FFF2-40B4-BE49-F238E27FC236}">
+                <a16:creationId xmlns:a16="http://schemas.microsoft.com/office/drawing/2014/main" id="{44644E6E-E498-58F7-B673-7ED539285096}"/>
+              </a:ext>
+            </a:extLst>
+          </p:cNvPr>
+          <p:cNvPicPr>
+            <a:picLocks noChangeAspect="1"/>
+          </p:cNvPicPr>
+          <p:nvPr/>
+        </p:nvPicPr>
+        <p:blipFill>
+          <a:blip r:embed="rId13">
+            <a:extLst>
+              <a:ext uri="{96DAC541-7B7A-43D3-8B79-37D633B846F1}">
+                <asvg:svgBlip xmlns:asvg="http://schemas.microsoft.com/office/drawing/2016/SVG/main" r:embed="rId14"/>
+              </a:ext>
+            </a:extLst>
+          </a:blip>
+          <a:stretch>
+            <a:fillRect/>
+          </a:stretch>
+        </p:blipFill>
+        <p:spPr>
+          <a:xfrm>
+            <a:off x="2057965" y="3204963"/>
+            <a:ext cx="312523" cy="312523"/>
+          </a:xfrm>
+          <a:prstGeom prst="rect">
+            <a:avLst/>
+          </a:prstGeom>
+        </p:spPr>
+      </p:pic>
       <p:grpSp>
         <p:nvGrpSpPr>
-          <p:cNvPr id="88" name="グループ化 87">
-            <a:extLst>
-              <a:ext uri="{FF2B5EF4-FFF2-40B4-BE49-F238E27FC236}">
-                <a16:creationId xmlns:a16="http://schemas.microsoft.com/office/drawing/2014/main" id="{E2FE1276-60DE-0AA2-805B-C519C530158A}"/>
+          <p:cNvPr id="1062" name="グループ化 1061">
+            <a:extLst>
+              <a:ext uri="{FF2B5EF4-FFF2-40B4-BE49-F238E27FC236}">
+                <a16:creationId xmlns:a16="http://schemas.microsoft.com/office/drawing/2014/main" id="{56326932-BA55-1685-A6B3-E1D4BC0DCB9A}"/>
               </a:ext>
             </a:extLst>
           </p:cNvPr>
@@ -19018,137 +20791,18 @@
         </p:nvGrpSpPr>
         <p:grpSpPr>
           <a:xfrm>
-            <a:off x="5389414" y="5102479"/>
-            <a:ext cx="1311405" cy="1200807"/>
-            <a:chOff x="5581380" y="1768058"/>
-            <a:chExt cx="1311405" cy="1200807"/>
+            <a:off x="5146656" y="2416046"/>
+            <a:ext cx="1741039" cy="736762"/>
+            <a:chOff x="4869709" y="5419009"/>
+            <a:chExt cx="1741039" cy="736762"/>
           </a:xfrm>
         </p:grpSpPr>
-        <p:pic>
-          <p:nvPicPr>
-            <p:cNvPr id="89" name="グラフィックス 88" descr="風力タービン 単色塗りつぶし">
+        <p:sp>
+          <p:nvSpPr>
+            <p:cNvPr id="1063" name="四角形: 角を丸くする 1062">
               <a:extLst>
                 <a:ext uri="{FF2B5EF4-FFF2-40B4-BE49-F238E27FC236}">
-                  <a16:creationId xmlns:a16="http://schemas.microsoft.com/office/drawing/2014/main" id="{B2ACB2A9-1740-A0B0-D1FD-9DD324AA10A0}"/>
-                </a:ext>
-              </a:extLst>
-            </p:cNvPr>
-            <p:cNvPicPr>
-              <a:picLocks noChangeAspect="1"/>
-            </p:cNvPicPr>
-            <p:nvPr/>
-          </p:nvPicPr>
-          <p:blipFill>
-            <a:blip r:embed="rId8">
-              <a:extLst>
-                <a:ext uri="{96DAC541-7B7A-43D3-8B79-37D633B846F1}">
-                  <asvg:svgBlip xmlns:asvg="http://schemas.microsoft.com/office/drawing/2016/SVG/main" r:embed="rId9"/>
-                </a:ext>
-              </a:extLst>
-            </a:blip>
-            <a:stretch>
-              <a:fillRect/>
-            </a:stretch>
-          </p:blipFill>
-          <p:spPr>
-            <a:xfrm>
-              <a:off x="6278304" y="1907354"/>
-              <a:ext cx="496503" cy="496503"/>
-            </a:xfrm>
-            <a:prstGeom prst="rect">
-              <a:avLst/>
-            </a:prstGeom>
-          </p:spPr>
-        </p:pic>
-        <p:pic>
-          <p:nvPicPr>
-            <p:cNvPr id="90" name="グラフィックス 89" descr="ソーラー パネル 単色塗りつぶし">
-              <a:extLst>
-                <a:ext uri="{FF2B5EF4-FFF2-40B4-BE49-F238E27FC236}">
-                  <a16:creationId xmlns:a16="http://schemas.microsoft.com/office/drawing/2014/main" id="{BC644D85-1AF1-9E6A-5619-39F470D1E229}"/>
-                </a:ext>
-              </a:extLst>
-            </p:cNvPr>
-            <p:cNvPicPr>
-              <a:picLocks noChangeAspect="1"/>
-            </p:cNvPicPr>
-            <p:nvPr/>
-          </p:nvPicPr>
-          <p:blipFill>
-            <a:blip r:embed="rId10">
-              <a:extLst>
-                <a:ext uri="{96DAC541-7B7A-43D3-8B79-37D633B846F1}">
-                  <asvg:svgBlip xmlns:asvg="http://schemas.microsoft.com/office/drawing/2016/SVG/main" r:embed="rId11"/>
-                </a:ext>
-              </a:extLst>
-            </a:blip>
-            <a:stretch>
-              <a:fillRect/>
-            </a:stretch>
-          </p:blipFill>
-          <p:spPr>
-            <a:xfrm>
-              <a:off x="5652109" y="1843444"/>
-              <a:ext cx="565008" cy="565008"/>
-            </a:xfrm>
-            <a:prstGeom prst="rect">
-              <a:avLst/>
-            </a:prstGeom>
-          </p:spPr>
-        </p:pic>
-        <p:pic>
-          <p:nvPicPr>
-            <p:cNvPr id="91" name="Picture 2" descr="バッテリー | フリーのアイコンイラスト素材 icon-pit">
-              <a:extLst>
-                <a:ext uri="{FF2B5EF4-FFF2-40B4-BE49-F238E27FC236}">
-                  <a16:creationId xmlns:a16="http://schemas.microsoft.com/office/drawing/2014/main" id="{B7B00088-D7C6-482A-4743-5C9AF532247F}"/>
-                </a:ext>
-              </a:extLst>
-            </p:cNvPr>
-            <p:cNvPicPr>
-              <a:picLocks noChangeAspect="1" noChangeArrowheads="1"/>
-            </p:cNvPicPr>
-            <p:nvPr/>
-          </p:nvPicPr>
-          <p:blipFill>
-            <a:blip r:embed="rId12">
-              <a:extLst>
-                <a:ext uri="{28A0092B-C50C-407E-A947-70E740481C1C}">
-                  <a14:useLocalDpi xmlns:a14="http://schemas.microsoft.com/office/drawing/2010/main" val="0"/>
-                </a:ext>
-              </a:extLst>
-            </a:blip>
-            <a:srcRect/>
-            <a:stretch>
-              <a:fillRect/>
-            </a:stretch>
-          </p:blipFill>
-          <p:spPr bwMode="auto">
-            <a:xfrm>
-              <a:off x="5986284" y="2403857"/>
-              <a:ext cx="565008" cy="565008"/>
-            </a:xfrm>
-            <a:prstGeom prst="rect">
-              <a:avLst/>
-            </a:prstGeom>
-            <a:noFill/>
-            <a:extLst>
-              <a:ext uri="{909E8E84-426E-40DD-AFC4-6F175D3DCCD1}">
-                <a14:hiddenFill xmlns:a14="http://schemas.microsoft.com/office/drawing/2010/main">
-                  <a:solidFill>
-                    <a:srgbClr val="FFFFFF"/>
-                  </a:solidFill>
-                </a14:hiddenFill>
-              </a:ext>
-            </a:extLst>
-          </p:spPr>
-        </p:pic>
-        <p:sp>
-          <p:nvSpPr>
-            <p:cNvPr id="92" name="四角形: 角を丸くする 91">
-              <a:extLst>
-                <a:ext uri="{FF2B5EF4-FFF2-40B4-BE49-F238E27FC236}">
-                  <a16:creationId xmlns:a16="http://schemas.microsoft.com/office/drawing/2014/main" id="{F882D7DF-196F-CA59-8EC0-CE4F5B71AE30}"/>
+                  <a16:creationId xmlns:a16="http://schemas.microsoft.com/office/drawing/2014/main" id="{F02516A1-8A7D-5711-38EF-2D865071C31B}"/>
                 </a:ext>
               </a:extLst>
             </p:cNvPr>
@@ -19157,13 +20811,15 @@
           </p:nvSpPr>
           <p:spPr>
             <a:xfrm>
-              <a:off x="5581380" y="1768058"/>
-              <a:ext cx="1311405" cy="1110855"/>
+              <a:off x="4869709" y="5419009"/>
+              <a:ext cx="1741039" cy="736762"/>
             </a:xfrm>
             <a:prstGeom prst="roundRect">
               <a:avLst/>
             </a:prstGeom>
-            <a:noFill/>
+            <a:solidFill>
+              <a:schemeClr val="bg1"/>
+            </a:solidFill>
           </p:spPr>
           <p:style>
             <a:lnRef idx="2">
@@ -19194,297 +20850,153 @@
             </a:p>
           </p:txBody>
         </p:sp>
+        <p:grpSp>
+          <p:nvGrpSpPr>
+            <p:cNvPr id="1064" name="グループ化 1063">
+              <a:extLst>
+                <a:ext uri="{FF2B5EF4-FFF2-40B4-BE49-F238E27FC236}">
+                  <a16:creationId xmlns:a16="http://schemas.microsoft.com/office/drawing/2014/main" id="{BE42B98C-A673-6B70-5BB2-8D13A73D119F}"/>
+                </a:ext>
+              </a:extLst>
+            </p:cNvPr>
+            <p:cNvGrpSpPr/>
+            <p:nvPr/>
+          </p:nvGrpSpPr>
+          <p:grpSpPr>
+            <a:xfrm>
+              <a:off x="4933061" y="5549797"/>
+              <a:ext cx="1550390" cy="513981"/>
+              <a:chOff x="4933061" y="5549797"/>
+              <a:chExt cx="1550390" cy="513981"/>
+            </a:xfrm>
+          </p:grpSpPr>
+          <p:pic>
+            <p:nvPicPr>
+              <p:cNvPr id="1065" name="グラフィックス 1064" descr="風力タービン 単色塗りつぶし">
+                <a:extLst>
+                  <a:ext uri="{FF2B5EF4-FFF2-40B4-BE49-F238E27FC236}">
+                    <a16:creationId xmlns:a16="http://schemas.microsoft.com/office/drawing/2014/main" id="{42F16806-1FF6-C3CB-1C83-DE80EF5B7168}"/>
+                  </a:ext>
+                </a:extLst>
+              </p:cNvPr>
+              <p:cNvPicPr>
+                <a:picLocks noChangeAspect="1"/>
+              </p:cNvPicPr>
+              <p:nvPr/>
+            </p:nvPicPr>
+            <p:blipFill>
+              <a:blip r:embed="rId4">
+                <a:extLst>
+                  <a:ext uri="{96DAC541-7B7A-43D3-8B79-37D633B846F1}">
+                    <asvg:svgBlip xmlns:asvg="http://schemas.microsoft.com/office/drawing/2016/SVG/main" r:embed="rId5"/>
+                  </a:ext>
+                </a:extLst>
+              </a:blip>
+              <a:stretch>
+                <a:fillRect/>
+              </a:stretch>
+            </p:blipFill>
+            <p:spPr>
+              <a:xfrm>
+                <a:off x="6050218" y="5586879"/>
+                <a:ext cx="433233" cy="433233"/>
+              </a:xfrm>
+              <a:prstGeom prst="rect">
+                <a:avLst/>
+              </a:prstGeom>
+            </p:spPr>
+          </p:pic>
+          <p:pic>
+            <p:nvPicPr>
+              <p:cNvPr id="1066" name="グラフィックス 1065" descr="ソーラー パネル 単色塗りつぶし">
+                <a:extLst>
+                  <a:ext uri="{FF2B5EF4-FFF2-40B4-BE49-F238E27FC236}">
+                    <a16:creationId xmlns:a16="http://schemas.microsoft.com/office/drawing/2014/main" id="{25CCFF88-028C-2ABC-811E-190C452A2ED0}"/>
+                  </a:ext>
+                </a:extLst>
+              </p:cNvPr>
+              <p:cNvPicPr>
+                <a:picLocks noChangeAspect="1"/>
+              </p:cNvPicPr>
+              <p:nvPr/>
+            </p:nvPicPr>
+            <p:blipFill>
+              <a:blip r:embed="rId6">
+                <a:extLst>
+                  <a:ext uri="{96DAC541-7B7A-43D3-8B79-37D633B846F1}">
+                    <asvg:svgBlip xmlns:asvg="http://schemas.microsoft.com/office/drawing/2016/SVG/main" r:embed="rId7"/>
+                  </a:ext>
+                </a:extLst>
+              </a:blip>
+              <a:stretch>
+                <a:fillRect/>
+              </a:stretch>
+            </p:blipFill>
+            <p:spPr>
+              <a:xfrm>
+                <a:off x="5523612" y="5570773"/>
+                <a:ext cx="433233" cy="433233"/>
+              </a:xfrm>
+              <a:prstGeom prst="rect">
+                <a:avLst/>
+              </a:prstGeom>
+            </p:spPr>
+          </p:pic>
+          <p:pic>
+            <p:nvPicPr>
+              <p:cNvPr id="1067" name="Picture 2" descr="バッテリー | フリーのアイコンイラスト素材 icon-pit">
+                <a:extLst>
+                  <a:ext uri="{FF2B5EF4-FFF2-40B4-BE49-F238E27FC236}">
+                    <a16:creationId xmlns:a16="http://schemas.microsoft.com/office/drawing/2014/main" id="{E9FA8ECA-9F30-7CF0-6DDF-C519027BB9D3}"/>
+                  </a:ext>
+                </a:extLst>
+              </p:cNvPr>
+              <p:cNvPicPr>
+                <a:picLocks noChangeAspect="1" noChangeArrowheads="1"/>
+              </p:cNvPicPr>
+              <p:nvPr/>
+            </p:nvPicPr>
+            <p:blipFill>
+              <a:blip r:embed="rId8">
+                <a:extLst>
+                  <a:ext uri="{28A0092B-C50C-407E-A947-70E740481C1C}">
+                    <a14:useLocalDpi xmlns:a14="http://schemas.microsoft.com/office/drawing/2010/main" val="0"/>
+                  </a:ext>
+                </a:extLst>
+              </a:blip>
+              <a:srcRect/>
+              <a:stretch>
+                <a:fillRect/>
+              </a:stretch>
+            </p:blipFill>
+            <p:spPr bwMode="auto">
+              <a:xfrm>
+                <a:off x="4933061" y="5549797"/>
+                <a:ext cx="513981" cy="513981"/>
+              </a:xfrm>
+              <a:prstGeom prst="rect">
+                <a:avLst/>
+              </a:prstGeom>
+              <a:noFill/>
+              <a:extLst>
+                <a:ext uri="{909E8E84-426E-40DD-AFC4-6F175D3DCCD1}">
+                  <a14:hiddenFill xmlns:a14="http://schemas.microsoft.com/office/drawing/2010/main">
+                    <a:solidFill>
+                      <a:srgbClr val="FFFFFF"/>
+                    </a:solidFill>
+                  </a14:hiddenFill>
+                </a:ext>
+              </a:extLst>
+            </p:spPr>
+          </p:pic>
+        </p:grpSp>
       </p:grpSp>
-      <p:sp>
-        <p:nvSpPr>
-          <p:cNvPr id="1025" name="テキスト ボックス 1024">
-            <a:extLst>
-              <a:ext uri="{FF2B5EF4-FFF2-40B4-BE49-F238E27FC236}">
-                <a16:creationId xmlns:a16="http://schemas.microsoft.com/office/drawing/2014/main" id="{F26A17B7-5952-38AC-2040-3A329911F249}"/>
-              </a:ext>
-            </a:extLst>
-          </p:cNvPr>
-          <p:cNvSpPr txBox="1"/>
-          <p:nvPr/>
-        </p:nvSpPr>
-        <p:spPr>
-          <a:xfrm>
-            <a:off x="1343266" y="3872615"/>
-            <a:ext cx="1135716" cy="307777"/>
-          </a:xfrm>
-          <a:prstGeom prst="rect">
-            <a:avLst/>
-          </a:prstGeom>
-          <a:noFill/>
-        </p:spPr>
-        <p:txBody>
-          <a:bodyPr wrap="square" rtlCol="0">
-            <a:spAutoFit/>
-          </a:bodyPr>
-          <a:lstStyle/>
-          <a:p>
-            <a:pPr algn="ctr"/>
-            <a:r>
-              <a:rPr kumimoji="1" lang="ja-JP" altLang="en-US" sz="1400" dirty="0"/>
-              <a:t>送配電会社</a:t>
-            </a:r>
-          </a:p>
-        </p:txBody>
-      </p:sp>
-      <p:sp>
-        <p:nvSpPr>
-          <p:cNvPr id="1032" name="テキスト ボックス 1031">
-            <a:extLst>
-              <a:ext uri="{FF2B5EF4-FFF2-40B4-BE49-F238E27FC236}">
-                <a16:creationId xmlns:a16="http://schemas.microsoft.com/office/drawing/2014/main" id="{3AB04A8C-750E-E9CF-4562-31FD04CF8755}"/>
-              </a:ext>
-            </a:extLst>
-          </p:cNvPr>
-          <p:cNvSpPr txBox="1"/>
-          <p:nvPr/>
-        </p:nvSpPr>
-        <p:spPr>
-          <a:xfrm>
-            <a:off x="5405525" y="4775725"/>
-            <a:ext cx="1311405" cy="307777"/>
-          </a:xfrm>
-          <a:prstGeom prst="rect">
-            <a:avLst/>
-          </a:prstGeom>
-          <a:noFill/>
-        </p:spPr>
-        <p:txBody>
-          <a:bodyPr wrap="square" rtlCol="0">
-            <a:spAutoFit/>
-          </a:bodyPr>
-          <a:lstStyle/>
-          <a:p>
-            <a:pPr algn="ctr"/>
-            <a:r>
-              <a:rPr kumimoji="1" lang="ja-JP" altLang="en-US" sz="1400" dirty="0"/>
-              <a:t>再生可能エネ</a:t>
-            </a:r>
-          </a:p>
-        </p:txBody>
-      </p:sp>
-      <p:cxnSp>
-        <p:nvCxnSpPr>
-          <p:cNvPr id="1033" name="直線矢印コネクタ 1032">
-            <a:extLst>
-              <a:ext uri="{FF2B5EF4-FFF2-40B4-BE49-F238E27FC236}">
-                <a16:creationId xmlns:a16="http://schemas.microsoft.com/office/drawing/2014/main" id="{55A2D3D5-CBE9-E4B9-8ED3-7E483CECE95A}"/>
-              </a:ext>
-            </a:extLst>
-          </p:cNvPr>
-          <p:cNvCxnSpPr>
-            <a:cxnSpLocks/>
-            <a:stCxn id="82" idx="1"/>
-          </p:cNvCxnSpPr>
-          <p:nvPr/>
-        </p:nvCxnSpPr>
-        <p:spPr>
-          <a:xfrm flipH="1">
-            <a:off x="4825687" y="3041879"/>
-            <a:ext cx="356656" cy="2040"/>
-          </a:xfrm>
-          <a:prstGeom prst="straightConnector1">
-            <a:avLst/>
-          </a:prstGeom>
-          <a:ln>
-            <a:headEnd type="none" w="med" len="med"/>
-            <a:tailEnd type="triangle"/>
-          </a:ln>
-        </p:spPr>
-        <p:style>
-          <a:lnRef idx="1">
-            <a:schemeClr val="accent1"/>
-          </a:lnRef>
-          <a:fillRef idx="0">
-            <a:schemeClr val="accent1"/>
-          </a:fillRef>
-          <a:effectRef idx="0">
-            <a:schemeClr val="accent1"/>
-          </a:effectRef>
-          <a:fontRef idx="minor">
-            <a:schemeClr val="tx1"/>
-          </a:fontRef>
-        </p:style>
-      </p:cxnSp>
-      <p:sp>
-        <p:nvSpPr>
-          <p:cNvPr id="1038" name="テキスト ボックス 1037">
-            <a:extLst>
-              <a:ext uri="{FF2B5EF4-FFF2-40B4-BE49-F238E27FC236}">
-                <a16:creationId xmlns:a16="http://schemas.microsoft.com/office/drawing/2014/main" id="{09145DB0-2B4B-E983-E487-4A94061F2D5C}"/>
-              </a:ext>
-            </a:extLst>
-          </p:cNvPr>
-          <p:cNvSpPr txBox="1"/>
-          <p:nvPr/>
-        </p:nvSpPr>
-        <p:spPr>
-          <a:xfrm>
-            <a:off x="1142005" y="5027586"/>
-            <a:ext cx="914400" cy="338554"/>
-          </a:xfrm>
-          <a:prstGeom prst="rect">
-            <a:avLst/>
-          </a:prstGeom>
-          <a:noFill/>
-        </p:spPr>
-        <p:txBody>
-          <a:bodyPr wrap="square" rtlCol="0">
-            <a:spAutoFit/>
-          </a:bodyPr>
-          <a:lstStyle/>
-          <a:p>
-            <a:pPr algn="ctr"/>
-            <a:r>
-              <a:rPr kumimoji="1" lang="ja-JP" altLang="en-US" sz="1600" dirty="0"/>
-              <a:t>地域</a:t>
-            </a:r>
-            <a:r>
-              <a:rPr kumimoji="1" lang="en-US" altLang="ja-JP" sz="1600" dirty="0"/>
-              <a:t>A</a:t>
-            </a:r>
-            <a:endParaRPr kumimoji="1" lang="ja-JP" altLang="en-US" sz="1600" dirty="0"/>
-          </a:p>
-        </p:txBody>
-      </p:sp>
-      <p:sp>
-        <p:nvSpPr>
-          <p:cNvPr id="1039" name="テキスト ボックス 1038">
-            <a:extLst>
-              <a:ext uri="{FF2B5EF4-FFF2-40B4-BE49-F238E27FC236}">
-                <a16:creationId xmlns:a16="http://schemas.microsoft.com/office/drawing/2014/main" id="{FC0BE510-E92D-633C-6706-E6A5B6586128}"/>
-              </a:ext>
-            </a:extLst>
-          </p:cNvPr>
-          <p:cNvSpPr txBox="1"/>
-          <p:nvPr/>
-        </p:nvSpPr>
-        <p:spPr>
-          <a:xfrm>
-            <a:off x="4213648" y="4967146"/>
-            <a:ext cx="914400" cy="338554"/>
-          </a:xfrm>
-          <a:prstGeom prst="rect">
-            <a:avLst/>
-          </a:prstGeom>
-          <a:noFill/>
-        </p:spPr>
-        <p:txBody>
-          <a:bodyPr wrap="square" rtlCol="0">
-            <a:spAutoFit/>
-          </a:bodyPr>
-          <a:lstStyle/>
-          <a:p>
-            <a:pPr algn="ctr"/>
-            <a:r>
-              <a:rPr kumimoji="1" lang="ja-JP" altLang="en-US" sz="1600" dirty="0"/>
-              <a:t>地域</a:t>
-            </a:r>
-            <a:r>
-              <a:rPr kumimoji="1" lang="en-US" altLang="ja-JP" sz="1600" dirty="0"/>
-              <a:t>B</a:t>
-            </a:r>
-            <a:endParaRPr kumimoji="1" lang="ja-JP" altLang="en-US" sz="1600" dirty="0"/>
-          </a:p>
-        </p:txBody>
-      </p:sp>
-      <p:cxnSp>
-        <p:nvCxnSpPr>
-          <p:cNvPr id="1040" name="直線矢印コネクタ 1039">
-            <a:extLst>
-              <a:ext uri="{FF2B5EF4-FFF2-40B4-BE49-F238E27FC236}">
-                <a16:creationId xmlns:a16="http://schemas.microsoft.com/office/drawing/2014/main" id="{5ACCFD7E-769A-0B93-8BB1-8E023963B0AB}"/>
-              </a:ext>
-            </a:extLst>
-          </p:cNvPr>
-          <p:cNvCxnSpPr>
-            <a:cxnSpLocks/>
-            <a:stCxn id="92" idx="1"/>
-          </p:cNvCxnSpPr>
-          <p:nvPr/>
-        </p:nvCxnSpPr>
-        <p:spPr>
-          <a:xfrm flipH="1">
-            <a:off x="5141826" y="5657907"/>
-            <a:ext cx="247588" cy="4582"/>
-          </a:xfrm>
-          <a:prstGeom prst="straightConnector1">
-            <a:avLst/>
-          </a:prstGeom>
-          <a:ln>
-            <a:headEnd type="none" w="med" len="med"/>
-            <a:tailEnd type="triangle"/>
-          </a:ln>
-        </p:spPr>
-        <p:style>
-          <a:lnRef idx="1">
-            <a:schemeClr val="accent1"/>
-          </a:lnRef>
-          <a:fillRef idx="0">
-            <a:schemeClr val="accent1"/>
-          </a:fillRef>
-          <a:effectRef idx="0">
-            <a:schemeClr val="accent1"/>
-          </a:effectRef>
-          <a:fontRef idx="minor">
-            <a:schemeClr val="tx1"/>
-          </a:fontRef>
-        </p:style>
-      </p:cxnSp>
-      <p:sp>
-        <p:nvSpPr>
-          <p:cNvPr id="1043" name="テキスト ボックス 1042">
-            <a:extLst>
-              <a:ext uri="{FF2B5EF4-FFF2-40B4-BE49-F238E27FC236}">
-                <a16:creationId xmlns:a16="http://schemas.microsoft.com/office/drawing/2014/main" id="{45A1DA15-1D4D-FDF4-9F9E-83D934B4891E}"/>
-              </a:ext>
-            </a:extLst>
-          </p:cNvPr>
-          <p:cNvSpPr txBox="1"/>
-          <p:nvPr/>
-        </p:nvSpPr>
-        <p:spPr>
-          <a:xfrm>
-            <a:off x="46884" y="3018575"/>
-            <a:ext cx="1147862" cy="338554"/>
-          </a:xfrm>
-          <a:prstGeom prst="rect">
-            <a:avLst/>
-          </a:prstGeom>
-          <a:noFill/>
-        </p:spPr>
-        <p:txBody>
-          <a:bodyPr wrap="square" rtlCol="0">
-            <a:spAutoFit/>
-          </a:bodyPr>
-          <a:lstStyle/>
-          <a:p>
-            <a:pPr algn="ctr"/>
-            <a:r>
-              <a:rPr kumimoji="1" lang="en-US" altLang="ja-JP" sz="1600" dirty="0"/>
-              <a:t>(</a:t>
-            </a:r>
-            <a:r>
-              <a:rPr kumimoji="1" lang="ja-JP" altLang="en-US" sz="1600" dirty="0"/>
-              <a:t>電力小売</a:t>
-            </a:r>
-            <a:r>
-              <a:rPr kumimoji="1" lang="en-US" altLang="ja-JP" sz="1600" dirty="0"/>
-              <a:t>)</a:t>
-            </a:r>
-          </a:p>
-        </p:txBody>
-      </p:sp>
       <p:pic>
         <p:nvPicPr>
-          <p:cNvPr id="1053" name="グラフィックス 1052" descr="建物 単色塗りつぶし">
-            <a:extLst>
-              <a:ext uri="{FF2B5EF4-FFF2-40B4-BE49-F238E27FC236}">
-                <a16:creationId xmlns:a16="http://schemas.microsoft.com/office/drawing/2014/main" id="{8F678999-171A-9A7C-567F-FF0D6679E62F}"/>
+          <p:cNvPr id="1086" name="図 1085">
+            <a:extLst>
+              <a:ext uri="{FF2B5EF4-FFF2-40B4-BE49-F238E27FC236}">
+                <a16:creationId xmlns:a16="http://schemas.microsoft.com/office/drawing/2014/main" id="{947DD4A2-39B6-5DCF-547D-84257E3DDD73}"/>
               </a:ext>
             </a:extLst>
           </p:cNvPr>
@@ -19494,12 +21006,17 @@
           <p:nvPr/>
         </p:nvPicPr>
         <p:blipFill>
-          <a:blip r:embed="rId6">
-            <a:extLst>
-              <a:ext uri="{96DAC541-7B7A-43D3-8B79-37D633B846F1}">
-                <asvg:svgBlip xmlns:asvg="http://schemas.microsoft.com/office/drawing/2016/SVG/main" r:embed="rId7"/>
-              </a:ext>
-            </a:extLst>
+          <a:blip r:embed="rId17">
+            <a:clrChange>
+              <a:clrFrom>
+                <a:srgbClr val="FFFFFF"/>
+              </a:clrFrom>
+              <a:clrTo>
+                <a:srgbClr val="FFFFFF">
+                  <a:alpha val="0"/>
+                </a:srgbClr>
+              </a:clrTo>
+            </a:clrChange>
           </a:blip>
           <a:stretch>
             <a:fillRect/>
@@ -19507,8 +21024,8 @@
         </p:blipFill>
         <p:spPr>
           <a:xfrm>
-            <a:off x="8017432" y="2685527"/>
-            <a:ext cx="685559" cy="685559"/>
+            <a:off x="9795264" y="3726018"/>
+            <a:ext cx="636135" cy="636135"/>
           </a:xfrm>
           <a:prstGeom prst="rect">
             <a:avLst/>
@@ -19517,10 +21034,10 @@
       </p:pic>
       <p:sp>
         <p:nvSpPr>
-          <p:cNvPr id="1054" name="テキスト ボックス 1053">
-            <a:extLst>
-              <a:ext uri="{FF2B5EF4-FFF2-40B4-BE49-F238E27FC236}">
-                <a16:creationId xmlns:a16="http://schemas.microsoft.com/office/drawing/2014/main" id="{F9A2CB2B-C2B8-FCBD-5DC1-D92902A0A3C5}"/>
+          <p:cNvPr id="1090" name="テキスト ボックス 1089">
+            <a:extLst>
+              <a:ext uri="{FF2B5EF4-FFF2-40B4-BE49-F238E27FC236}">
+                <a16:creationId xmlns:a16="http://schemas.microsoft.com/office/drawing/2014/main" id="{425E709D-68BB-62CF-5CFA-170FB9CC0896}"/>
               </a:ext>
             </a:extLst>
           </p:cNvPr>
@@ -19529,8 +21046,8 @@
         </p:nvSpPr>
         <p:spPr>
           <a:xfrm>
-            <a:off x="7809168" y="2346973"/>
-            <a:ext cx="1065129" cy="307777"/>
+            <a:off x="7437256" y="3818891"/>
+            <a:ext cx="1294896" cy="492443"/>
           </a:xfrm>
           <a:prstGeom prst="rect">
             <a:avLst/>
@@ -19546,17 +21063,25 @@
             <a:pPr algn="ctr"/>
             <a:r>
               <a:rPr kumimoji="1" lang="ja-JP" altLang="en-US" sz="1400" dirty="0"/>
-              <a:t>電力会社</a:t>
+              <a:t>送配電事業者</a:t>
+            </a:r>
+            <a:endParaRPr kumimoji="1" lang="en-US" altLang="ja-JP" sz="1400" dirty="0"/>
+          </a:p>
+          <a:p>
+            <a:pPr algn="ctr"/>
+            <a:r>
+              <a:rPr kumimoji="1" lang="ja-JP" altLang="en-US" sz="1200" dirty="0"/>
+              <a:t>（地域電力）</a:t>
             </a:r>
           </a:p>
         </p:txBody>
       </p:sp>
       <p:pic>
         <p:nvPicPr>
-          <p:cNvPr id="1055" name="グラフィックス 1054" descr="ホーム 単色塗りつぶし">
-            <a:extLst>
-              <a:ext uri="{FF2B5EF4-FFF2-40B4-BE49-F238E27FC236}">
-                <a16:creationId xmlns:a16="http://schemas.microsoft.com/office/drawing/2014/main" id="{A15B4343-E34F-C393-3B12-3E3159C2AA8C}"/>
+          <p:cNvPr id="1092" name="グラフィックス 1091" descr="建物 単色塗りつぶし">
+            <a:extLst>
+              <a:ext uri="{FF2B5EF4-FFF2-40B4-BE49-F238E27FC236}">
+                <a16:creationId xmlns:a16="http://schemas.microsoft.com/office/drawing/2014/main" id="{EA9B72E0-1AF8-568D-CF13-828119499F3A}"/>
               </a:ext>
             </a:extLst>
           </p:cNvPr>
@@ -19579,116 +21104,8 @@
         </p:blipFill>
         <p:spPr>
           <a:xfrm>
-            <a:off x="9168747" y="5640049"/>
-            <a:ext cx="410309" cy="410309"/>
-          </a:xfrm>
-          <a:prstGeom prst="rect">
-            <a:avLst/>
-          </a:prstGeom>
-        </p:spPr>
-      </p:pic>
-      <p:pic>
-        <p:nvPicPr>
-          <p:cNvPr id="1056" name="グラフィックス 1055" descr="工場 単色塗りつぶし">
-            <a:extLst>
-              <a:ext uri="{FF2B5EF4-FFF2-40B4-BE49-F238E27FC236}">
-                <a16:creationId xmlns:a16="http://schemas.microsoft.com/office/drawing/2014/main" id="{A3251FB5-9970-ECD3-7FDC-136BE7294823}"/>
-              </a:ext>
-            </a:extLst>
-          </p:cNvPr>
-          <p:cNvPicPr>
-            <a:picLocks noChangeAspect="1"/>
-          </p:cNvPicPr>
-          <p:nvPr/>
-        </p:nvPicPr>
-        <p:blipFill>
-          <a:blip r:embed="rId4">
-            <a:extLst>
-              <a:ext uri="{96DAC541-7B7A-43D3-8B79-37D633B846F1}">
-                <asvg:svgBlip xmlns:asvg="http://schemas.microsoft.com/office/drawing/2016/SVG/main" r:embed="rId5"/>
-              </a:ext>
-            </a:extLst>
-          </a:blip>
-          <a:stretch>
-            <a:fillRect/>
-          </a:stretch>
-        </p:blipFill>
-        <p:spPr>
-          <a:xfrm>
-            <a:off x="8641202" y="5641872"/>
-            <a:ext cx="410309" cy="410309"/>
-          </a:xfrm>
-          <a:prstGeom prst="rect">
-            <a:avLst/>
-          </a:prstGeom>
-        </p:spPr>
-      </p:pic>
-      <p:sp>
-        <p:nvSpPr>
-          <p:cNvPr id="1059" name="テキスト ボックス 1058">
-            <a:extLst>
-              <a:ext uri="{FF2B5EF4-FFF2-40B4-BE49-F238E27FC236}">
-                <a16:creationId xmlns:a16="http://schemas.microsoft.com/office/drawing/2014/main" id="{DB4DF0FC-9BAE-6F38-8F34-7CF87C2044C4}"/>
-              </a:ext>
-            </a:extLst>
-          </p:cNvPr>
-          <p:cNvSpPr txBox="1"/>
-          <p:nvPr/>
-        </p:nvSpPr>
-        <p:spPr>
-          <a:xfrm>
-            <a:off x="10425958" y="2327637"/>
-            <a:ext cx="1065129" cy="307777"/>
-          </a:xfrm>
-          <a:prstGeom prst="rect">
-            <a:avLst/>
-          </a:prstGeom>
-          <a:noFill/>
-        </p:spPr>
-        <p:txBody>
-          <a:bodyPr wrap="square" rtlCol="0">
-            <a:spAutoFit/>
-          </a:bodyPr>
-          <a:lstStyle/>
-          <a:p>
-            <a:pPr algn="ctr"/>
-            <a:r>
-              <a:rPr kumimoji="1" lang="ja-JP" altLang="en-US" sz="1400" dirty="0"/>
-              <a:t>新電力</a:t>
-            </a:r>
-          </a:p>
-        </p:txBody>
-      </p:sp>
-      <p:pic>
-        <p:nvPicPr>
-          <p:cNvPr id="1061" name="グラフィックス 1060" descr="建物 単色塗りつぶし">
-            <a:extLst>
-              <a:ext uri="{FF2B5EF4-FFF2-40B4-BE49-F238E27FC236}">
-                <a16:creationId xmlns:a16="http://schemas.microsoft.com/office/drawing/2014/main" id="{765D0789-5FFC-E8EF-F360-73BC69D13B53}"/>
-              </a:ext>
-            </a:extLst>
-          </p:cNvPr>
-          <p:cNvPicPr>
-            <a:picLocks noChangeAspect="1"/>
-          </p:cNvPicPr>
-          <p:nvPr/>
-        </p:nvPicPr>
-        <p:blipFill>
-          <a:blip r:embed="rId6">
-            <a:extLst>
-              <a:ext uri="{96DAC541-7B7A-43D3-8B79-37D633B846F1}">
-                <asvg:svgBlip xmlns:asvg="http://schemas.microsoft.com/office/drawing/2016/SVG/main" r:embed="rId7"/>
-              </a:ext>
-            </a:extLst>
-          </a:blip>
-          <a:stretch>
-            <a:fillRect/>
-          </a:stretch>
-        </p:blipFill>
-        <p:spPr>
-          <a:xfrm>
-            <a:off x="10600917" y="2685527"/>
-            <a:ext cx="685559" cy="685559"/>
+            <a:off x="8619314" y="2210718"/>
+            <a:ext cx="603387" cy="603387"/>
           </a:xfrm>
           <a:prstGeom prst="rect">
             <a:avLst/>
@@ -19697,29 +21114,32 @@
       </p:pic>
       <p:cxnSp>
         <p:nvCxnSpPr>
-          <p:cNvPr id="1068" name="直線矢印コネクタ 1067">
-            <a:extLst>
-              <a:ext uri="{FF2B5EF4-FFF2-40B4-BE49-F238E27FC236}">
-                <a16:creationId xmlns:a16="http://schemas.microsoft.com/office/drawing/2014/main" id="{8CFEE5CE-889F-6D14-55C4-D6B6CE4BA6B9}"/>
+          <p:cNvPr id="1098" name="直線矢印コネクタ 1097">
+            <a:extLst>
+              <a:ext uri="{FF2B5EF4-FFF2-40B4-BE49-F238E27FC236}">
+                <a16:creationId xmlns:a16="http://schemas.microsoft.com/office/drawing/2014/main" id="{4285608A-4538-A30F-C11F-215C0F95655E}"/>
               </a:ext>
             </a:extLst>
           </p:cNvPr>
           <p:cNvCxnSpPr>
             <a:cxnSpLocks/>
-            <a:stCxn id="1053" idx="2"/>
-            <a:endCxn id="1136" idx="1"/>
+            <a:stCxn id="1086" idx="0"/>
+            <a:endCxn id="1092" idx="3"/>
           </p:cNvCxnSpPr>
           <p:nvPr/>
         </p:nvCxnSpPr>
         <p:spPr>
-          <a:xfrm>
-            <a:off x="8360212" y="3371086"/>
-            <a:ext cx="317136" cy="2220143"/>
+          <a:xfrm flipH="1" flipV="1">
+            <a:off x="9222701" y="2512412"/>
+            <a:ext cx="890631" cy="1213606"/>
           </a:xfrm>
           <a:prstGeom prst="straightConnector1">
             <a:avLst/>
           </a:prstGeom>
-          <a:ln>
+          <a:ln w="28575">
+            <a:solidFill>
+              <a:schemeClr val="accent3"/>
+            </a:solidFill>
             <a:headEnd type="none" w="med" len="med"/>
             <a:tailEnd type="triangle"/>
           </a:ln>
@@ -19741,28 +21161,30 @@
       </p:cxnSp>
       <p:cxnSp>
         <p:nvCxnSpPr>
-          <p:cNvPr id="1071" name="直線矢印コネクタ 1070">
-            <a:extLst>
-              <a:ext uri="{FF2B5EF4-FFF2-40B4-BE49-F238E27FC236}">
-                <a16:creationId xmlns:a16="http://schemas.microsoft.com/office/drawing/2014/main" id="{16F73DB5-63EB-7448-87F2-0E64C23A5903}"/>
+          <p:cNvPr id="1119" name="直線矢印コネクタ 1118">
+            <a:extLst>
+              <a:ext uri="{FF2B5EF4-FFF2-40B4-BE49-F238E27FC236}">
+                <a16:creationId xmlns:a16="http://schemas.microsoft.com/office/drawing/2014/main" id="{AD8FBDC5-DC10-5F51-B3F6-DA4B68DE5C70}"/>
               </a:ext>
             </a:extLst>
           </p:cNvPr>
           <p:cNvCxnSpPr>
             <a:cxnSpLocks/>
-            <a:stCxn id="1061" idx="2"/>
           </p:cNvCxnSpPr>
           <p:nvPr/>
         </p:nvCxnSpPr>
         <p:spPr>
-          <a:xfrm flipH="1">
-            <a:off x="9935883" y="3371086"/>
-            <a:ext cx="1007814" cy="2135564"/>
+          <a:xfrm flipH="1" flipV="1">
+            <a:off x="9222701" y="3993448"/>
+            <a:ext cx="572563" cy="4457"/>
           </a:xfrm>
           <a:prstGeom prst="straightConnector1">
             <a:avLst/>
           </a:prstGeom>
-          <a:ln>
+          <a:ln w="28575">
+            <a:solidFill>
+              <a:schemeClr val="accent3"/>
+            </a:solidFill>
             <a:headEnd type="none" w="med" len="med"/>
             <a:tailEnd type="triangle"/>
           </a:ln>
@@ -19782,583 +21204,104 @@
           </a:fontRef>
         </p:style>
       </p:cxnSp>
+      <p:sp>
+        <p:nvSpPr>
+          <p:cNvPr id="1126" name="テキスト ボックス 1125">
+            <a:extLst>
+              <a:ext uri="{FF2B5EF4-FFF2-40B4-BE49-F238E27FC236}">
+                <a16:creationId xmlns:a16="http://schemas.microsoft.com/office/drawing/2014/main" id="{E6CB3B6E-C282-F938-EF46-8E6525E2D275}"/>
+              </a:ext>
+            </a:extLst>
+          </p:cNvPr>
+          <p:cNvSpPr txBox="1"/>
+          <p:nvPr/>
+        </p:nvSpPr>
+        <p:spPr>
+          <a:xfrm>
+            <a:off x="8415677" y="4870319"/>
+            <a:ext cx="762792" cy="261610"/>
+          </a:xfrm>
+          <a:prstGeom prst="rect">
+            <a:avLst/>
+          </a:prstGeom>
+          <a:noFill/>
+        </p:spPr>
+        <p:txBody>
+          <a:bodyPr wrap="square" rtlCol="0">
+            <a:spAutoFit/>
+          </a:bodyPr>
+          <a:lstStyle/>
+          <a:p>
+            <a:pPr algn="ctr"/>
+            <a:r>
+              <a:rPr kumimoji="1" lang="ja-JP" altLang="en-US" sz="1100" dirty="0"/>
+              <a:t>電気料金</a:t>
+            </a:r>
+          </a:p>
+        </p:txBody>
+      </p:sp>
+      <p:sp>
+        <p:nvSpPr>
+          <p:cNvPr id="1127" name="テキスト ボックス 1126">
+            <a:extLst>
+              <a:ext uri="{FF2B5EF4-FFF2-40B4-BE49-F238E27FC236}">
+                <a16:creationId xmlns:a16="http://schemas.microsoft.com/office/drawing/2014/main" id="{6020D316-A76E-7929-279E-8366FBA46E06}"/>
+              </a:ext>
+            </a:extLst>
+          </p:cNvPr>
+          <p:cNvSpPr txBox="1"/>
+          <p:nvPr/>
+        </p:nvSpPr>
+        <p:spPr>
+          <a:xfrm>
+            <a:off x="7627504" y="5455290"/>
+            <a:ext cx="914400" cy="338554"/>
+          </a:xfrm>
+          <a:prstGeom prst="rect">
+            <a:avLst/>
+          </a:prstGeom>
+          <a:noFill/>
+        </p:spPr>
+        <p:txBody>
+          <a:bodyPr wrap="square" rtlCol="0">
+            <a:spAutoFit/>
+          </a:bodyPr>
+          <a:lstStyle/>
+          <a:p>
+            <a:pPr algn="ctr"/>
+            <a:r>
+              <a:rPr kumimoji="1" lang="ja-JP" altLang="en-US" sz="1600" dirty="0"/>
+              <a:t>需要家</a:t>
+            </a:r>
+          </a:p>
+        </p:txBody>
+      </p:sp>
       <p:cxnSp>
         <p:nvCxnSpPr>
-          <p:cNvPr id="1072" name="直線矢印コネクタ 1071">
-            <a:extLst>
-              <a:ext uri="{FF2B5EF4-FFF2-40B4-BE49-F238E27FC236}">
-                <a16:creationId xmlns:a16="http://schemas.microsoft.com/office/drawing/2014/main" id="{8F9772A8-66F4-1B37-AAC0-8919C625CBF7}"/>
+          <p:cNvPr id="1183" name="直線矢印コネクタ 1182">
+            <a:extLst>
+              <a:ext uri="{FF2B5EF4-FFF2-40B4-BE49-F238E27FC236}">
+                <a16:creationId xmlns:a16="http://schemas.microsoft.com/office/drawing/2014/main" id="{898B5FB0-E602-A9A8-328F-6C9FFC761A84}"/>
               </a:ext>
             </a:extLst>
           </p:cNvPr>
           <p:cNvCxnSpPr>
             <a:cxnSpLocks/>
-            <a:stCxn id="1053" idx="2"/>
-            <a:endCxn id="1136" idx="7"/>
           </p:cNvCxnSpPr>
           <p:nvPr/>
         </p:nvCxnSpPr>
         <p:spPr>
           <a:xfrm>
-            <a:off x="8360212" y="3371086"/>
-            <a:ext cx="2277798" cy="2220143"/>
+            <a:off x="10335349" y="4386285"/>
+            <a:ext cx="510683" cy="861312"/>
           </a:xfrm>
           <a:prstGeom prst="straightConnector1">
             <a:avLst/>
           </a:prstGeom>
-          <a:ln>
-            <a:headEnd type="none" w="med" len="med"/>
-            <a:tailEnd type="triangle"/>
-          </a:ln>
-        </p:spPr>
-        <p:style>
-          <a:lnRef idx="1">
-            <a:schemeClr val="accent1"/>
-          </a:lnRef>
-          <a:fillRef idx="0">
-            <a:schemeClr val="accent1"/>
-          </a:fillRef>
-          <a:effectRef idx="0">
-            <a:schemeClr val="accent1"/>
-          </a:effectRef>
-          <a:fontRef idx="minor">
-            <a:schemeClr val="tx1"/>
-          </a:fontRef>
-        </p:style>
-      </p:cxnSp>
-      <p:sp>
-        <p:nvSpPr>
-          <p:cNvPr id="1091" name="矢印: 左右 1090">
-            <a:extLst>
-              <a:ext uri="{FF2B5EF4-FFF2-40B4-BE49-F238E27FC236}">
-                <a16:creationId xmlns:a16="http://schemas.microsoft.com/office/drawing/2014/main" id="{579B75B1-F0D8-C719-BEA6-304A60E47892}"/>
-              </a:ext>
-            </a:extLst>
-          </p:cNvPr>
-          <p:cNvSpPr/>
-          <p:nvPr/>
-        </p:nvSpPr>
-        <p:spPr>
-          <a:xfrm>
-            <a:off x="2941088" y="4368875"/>
-            <a:ext cx="566577" cy="169277"/>
-          </a:xfrm>
-          <a:prstGeom prst="leftRightArrow">
-            <a:avLst/>
-          </a:prstGeom>
-          <a:solidFill>
-            <a:schemeClr val="bg1"/>
-          </a:solidFill>
-        </p:spPr>
-        <p:style>
-          <a:lnRef idx="2">
-            <a:schemeClr val="accent1">
-              <a:shade val="50000"/>
-            </a:schemeClr>
-          </a:lnRef>
-          <a:fillRef idx="1">
-            <a:schemeClr val="accent1"/>
-          </a:fillRef>
-          <a:effectRef idx="0">
-            <a:schemeClr val="accent1"/>
-          </a:effectRef>
-          <a:fontRef idx="minor">
-            <a:schemeClr val="lt1"/>
-          </a:fontRef>
-        </p:style>
-        <p:txBody>
-          <a:bodyPr rtlCol="0" anchor="ctr"/>
-          <a:lstStyle/>
-          <a:p>
-            <a:pPr algn="ctr"/>
-            <a:endParaRPr kumimoji="1" lang="ja-JP" altLang="en-US">
-              <a:solidFill>
-                <a:schemeClr val="tx1"/>
-              </a:solidFill>
-            </a:endParaRPr>
-          </a:p>
-        </p:txBody>
-      </p:sp>
-      <p:sp>
-        <p:nvSpPr>
-          <p:cNvPr id="1102" name="四角形: 角を丸くする 1101">
-            <a:extLst>
-              <a:ext uri="{FF2B5EF4-FFF2-40B4-BE49-F238E27FC236}">
-                <a16:creationId xmlns:a16="http://schemas.microsoft.com/office/drawing/2014/main" id="{A78A995F-42B2-07AD-A805-896266ADE246}"/>
-              </a:ext>
-            </a:extLst>
-          </p:cNvPr>
-          <p:cNvSpPr/>
-          <p:nvPr/>
-        </p:nvSpPr>
-        <p:spPr>
-          <a:xfrm>
-            <a:off x="3291746" y="5431951"/>
-            <a:ext cx="1819116" cy="707556"/>
-          </a:xfrm>
-          <a:prstGeom prst="roundRect">
-            <a:avLst/>
-          </a:prstGeom>
-          <a:noFill/>
-        </p:spPr>
-        <p:style>
-          <a:lnRef idx="2">
-            <a:schemeClr val="accent1">
-              <a:shade val="50000"/>
-            </a:schemeClr>
-          </a:lnRef>
-          <a:fillRef idx="1">
-            <a:schemeClr val="accent1"/>
-          </a:fillRef>
-          <a:effectRef idx="0">
-            <a:schemeClr val="accent1"/>
-          </a:effectRef>
-          <a:fontRef idx="minor">
-            <a:schemeClr val="lt1"/>
-          </a:fontRef>
-        </p:style>
-        <p:txBody>
-          <a:bodyPr rtlCol="0" anchor="ctr"/>
-          <a:lstStyle/>
-          <a:p>
-            <a:pPr algn="ctr"/>
-            <a:endParaRPr kumimoji="1" lang="ja-JP" altLang="en-US">
-              <a:solidFill>
-                <a:schemeClr val="tx1"/>
-              </a:solidFill>
-            </a:endParaRPr>
-          </a:p>
-        </p:txBody>
-      </p:sp>
-      <p:pic>
-        <p:nvPicPr>
-          <p:cNvPr id="1105" name="グラフィックス 1104" descr="ホーム 単色塗りつぶし">
-            <a:extLst>
-              <a:ext uri="{FF2B5EF4-FFF2-40B4-BE49-F238E27FC236}">
-                <a16:creationId xmlns:a16="http://schemas.microsoft.com/office/drawing/2014/main" id="{6406D30C-1C90-4833-5764-421D5ADD5941}"/>
-              </a:ext>
-            </a:extLst>
-          </p:cNvPr>
-          <p:cNvPicPr>
-            <a:picLocks noChangeAspect="1"/>
-          </p:cNvPicPr>
-          <p:nvPr/>
-        </p:nvPicPr>
-        <p:blipFill>
-          <a:blip r:embed="rId2">
-            <a:extLst>
-              <a:ext uri="{96DAC541-7B7A-43D3-8B79-37D633B846F1}">
-                <asvg:svgBlip xmlns:asvg="http://schemas.microsoft.com/office/drawing/2016/SVG/main" r:embed="rId3"/>
-              </a:ext>
-            </a:extLst>
-          </a:blip>
-          <a:stretch>
-            <a:fillRect/>
-          </a:stretch>
-        </p:blipFill>
-        <p:spPr>
-          <a:xfrm>
-            <a:off x="1571471" y="5479836"/>
-            <a:ext cx="611786" cy="611786"/>
-          </a:xfrm>
-          <a:prstGeom prst="rect">
-            <a:avLst/>
-          </a:prstGeom>
-        </p:spPr>
-      </p:pic>
-      <p:pic>
-        <p:nvPicPr>
-          <p:cNvPr id="1106" name="グラフィックス 1105" descr="工場 単色塗りつぶし">
-            <a:extLst>
-              <a:ext uri="{FF2B5EF4-FFF2-40B4-BE49-F238E27FC236}">
-                <a16:creationId xmlns:a16="http://schemas.microsoft.com/office/drawing/2014/main" id="{9BC4508C-2F48-9D05-14B5-A703F6469836}"/>
-              </a:ext>
-            </a:extLst>
-          </p:cNvPr>
-          <p:cNvPicPr>
-            <a:picLocks noChangeAspect="1"/>
-          </p:cNvPicPr>
-          <p:nvPr/>
-        </p:nvPicPr>
-        <p:blipFill>
-          <a:blip r:embed="rId4">
-            <a:extLst>
-              <a:ext uri="{96DAC541-7B7A-43D3-8B79-37D633B846F1}">
-                <asvg:svgBlip xmlns:asvg="http://schemas.microsoft.com/office/drawing/2016/SVG/main" r:embed="rId5"/>
-              </a:ext>
-            </a:extLst>
-          </a:blip>
-          <a:stretch>
-            <a:fillRect/>
-          </a:stretch>
-        </p:blipFill>
-        <p:spPr>
-          <a:xfrm>
-            <a:off x="2346078" y="5479836"/>
-            <a:ext cx="611786" cy="611786"/>
-          </a:xfrm>
-          <a:prstGeom prst="rect">
-            <a:avLst/>
-          </a:prstGeom>
-        </p:spPr>
-      </p:pic>
-      <p:pic>
-        <p:nvPicPr>
-          <p:cNvPr id="1107" name="グラフィックス 1106" descr="ホーム 単色塗りつぶし">
-            <a:extLst>
-              <a:ext uri="{FF2B5EF4-FFF2-40B4-BE49-F238E27FC236}">
-                <a16:creationId xmlns:a16="http://schemas.microsoft.com/office/drawing/2014/main" id="{F99723E4-BD16-E083-6AC4-9127347C5A68}"/>
-              </a:ext>
-            </a:extLst>
-          </p:cNvPr>
-          <p:cNvPicPr>
-            <a:picLocks noChangeAspect="1"/>
-          </p:cNvPicPr>
-          <p:nvPr/>
-        </p:nvPicPr>
-        <p:blipFill>
-          <a:blip r:embed="rId2">
-            <a:extLst>
-              <a:ext uri="{96DAC541-7B7A-43D3-8B79-37D633B846F1}">
-                <asvg:svgBlip xmlns:asvg="http://schemas.microsoft.com/office/drawing/2016/SVG/main" r:embed="rId3"/>
-              </a:ext>
-            </a:extLst>
-          </a:blip>
-          <a:stretch>
-            <a:fillRect/>
-          </a:stretch>
-        </p:blipFill>
-        <p:spPr>
-          <a:xfrm>
-            <a:off x="3472396" y="5479836"/>
-            <a:ext cx="611786" cy="611786"/>
-          </a:xfrm>
-          <a:prstGeom prst="rect">
-            <a:avLst/>
-          </a:prstGeom>
-        </p:spPr>
-      </p:pic>
-      <p:pic>
-        <p:nvPicPr>
-          <p:cNvPr id="1108" name="グラフィックス 1107" descr="工場 単色塗りつぶし">
-            <a:extLst>
-              <a:ext uri="{FF2B5EF4-FFF2-40B4-BE49-F238E27FC236}">
-                <a16:creationId xmlns:a16="http://schemas.microsoft.com/office/drawing/2014/main" id="{09D97F01-D5C9-45CF-B5D7-FD126CAA4BD5}"/>
-              </a:ext>
-            </a:extLst>
-          </p:cNvPr>
-          <p:cNvPicPr>
-            <a:picLocks noChangeAspect="1"/>
-          </p:cNvPicPr>
-          <p:nvPr/>
-        </p:nvPicPr>
-        <p:blipFill>
-          <a:blip r:embed="rId4">
-            <a:extLst>
-              <a:ext uri="{96DAC541-7B7A-43D3-8B79-37D633B846F1}">
-                <asvg:svgBlip xmlns:asvg="http://schemas.microsoft.com/office/drawing/2016/SVG/main" r:embed="rId5"/>
-              </a:ext>
-            </a:extLst>
-          </a:blip>
-          <a:stretch>
-            <a:fillRect/>
-          </a:stretch>
-        </p:blipFill>
-        <p:spPr>
-          <a:xfrm>
-            <a:off x="4247003" y="5479836"/>
-            <a:ext cx="611786" cy="611786"/>
-          </a:xfrm>
-          <a:prstGeom prst="rect">
-            <a:avLst/>
-          </a:prstGeom>
-        </p:spPr>
-      </p:pic>
-      <p:sp>
-        <p:nvSpPr>
-          <p:cNvPr id="1111" name="楕円 1110">
-            <a:extLst>
-              <a:ext uri="{FF2B5EF4-FFF2-40B4-BE49-F238E27FC236}">
-                <a16:creationId xmlns:a16="http://schemas.microsoft.com/office/drawing/2014/main" id="{16A9EE96-DA6E-2E3B-64A7-9EEF0EC7594F}"/>
-              </a:ext>
-            </a:extLst>
-          </p:cNvPr>
-          <p:cNvSpPr/>
-          <p:nvPr/>
-        </p:nvSpPr>
-        <p:spPr>
-          <a:xfrm>
-            <a:off x="1842317" y="4111995"/>
-            <a:ext cx="2772796" cy="660080"/>
-          </a:xfrm>
-          <a:prstGeom prst="ellipse">
-            <a:avLst/>
-          </a:prstGeom>
-          <a:noFill/>
-        </p:spPr>
-        <p:style>
-          <a:lnRef idx="2">
-            <a:schemeClr val="accent1">
-              <a:shade val="50000"/>
-            </a:schemeClr>
-          </a:lnRef>
-          <a:fillRef idx="1">
-            <a:schemeClr val="accent1"/>
-          </a:fillRef>
-          <a:effectRef idx="0">
-            <a:schemeClr val="accent1"/>
-          </a:effectRef>
-          <a:fontRef idx="minor">
-            <a:schemeClr val="lt1"/>
-          </a:fontRef>
-        </p:style>
-        <p:txBody>
-          <a:bodyPr rtlCol="0" anchor="ctr"/>
-          <a:lstStyle/>
-          <a:p>
-            <a:pPr algn="ctr"/>
-            <a:endParaRPr kumimoji="1" lang="ja-JP" altLang="en-US">
-              <a:solidFill>
-                <a:schemeClr val="tx1"/>
-              </a:solidFill>
-            </a:endParaRPr>
-          </a:p>
-        </p:txBody>
-      </p:sp>
-      <p:pic>
-        <p:nvPicPr>
-          <p:cNvPr id="1120" name="グラフィックス 1119" descr="建物 単色塗りつぶし">
-            <a:extLst>
-              <a:ext uri="{FF2B5EF4-FFF2-40B4-BE49-F238E27FC236}">
-                <a16:creationId xmlns:a16="http://schemas.microsoft.com/office/drawing/2014/main" id="{17E191E4-B541-A130-6F23-1675EA863BEE}"/>
-              </a:ext>
-            </a:extLst>
-          </p:cNvPr>
-          <p:cNvPicPr>
-            <a:picLocks noChangeAspect="1"/>
-          </p:cNvPicPr>
-          <p:nvPr/>
-        </p:nvPicPr>
-        <p:blipFill>
-          <a:blip r:embed="rId6">
-            <a:extLst>
-              <a:ext uri="{96DAC541-7B7A-43D3-8B79-37D633B846F1}">
-                <asvg:svgBlip xmlns:asvg="http://schemas.microsoft.com/office/drawing/2016/SVG/main" r:embed="rId7"/>
-              </a:ext>
-            </a:extLst>
-          </a:blip>
-          <a:stretch>
-            <a:fillRect/>
-          </a:stretch>
-        </p:blipFill>
-        <p:spPr>
-          <a:xfrm>
-            <a:off x="3484038" y="4171387"/>
-            <a:ext cx="531671" cy="531671"/>
-          </a:xfrm>
-          <a:prstGeom prst="rect">
-            <a:avLst/>
-          </a:prstGeom>
-        </p:spPr>
-      </p:pic>
-      <p:sp>
-        <p:nvSpPr>
-          <p:cNvPr id="1123" name="楕円 1122">
-            <a:extLst>
-              <a:ext uri="{FF2B5EF4-FFF2-40B4-BE49-F238E27FC236}">
-                <a16:creationId xmlns:a16="http://schemas.microsoft.com/office/drawing/2014/main" id="{2335B13D-2078-E8FF-6B52-6D84D09BED70}"/>
-              </a:ext>
-            </a:extLst>
-          </p:cNvPr>
-          <p:cNvSpPr/>
-          <p:nvPr/>
-        </p:nvSpPr>
-        <p:spPr>
-          <a:xfrm>
-            <a:off x="1855249" y="2763532"/>
-            <a:ext cx="2772796" cy="660080"/>
-          </a:xfrm>
-          <a:prstGeom prst="ellipse">
-            <a:avLst/>
-          </a:prstGeom>
-          <a:noFill/>
-        </p:spPr>
-        <p:style>
-          <a:lnRef idx="2">
-            <a:schemeClr val="accent1">
-              <a:shade val="50000"/>
-            </a:schemeClr>
-          </a:lnRef>
-          <a:fillRef idx="1">
-            <a:schemeClr val="accent1"/>
-          </a:fillRef>
-          <a:effectRef idx="0">
-            <a:schemeClr val="accent1"/>
-          </a:effectRef>
-          <a:fontRef idx="minor">
-            <a:schemeClr val="lt1"/>
-          </a:fontRef>
-        </p:style>
-        <p:txBody>
-          <a:bodyPr rtlCol="0" anchor="ctr"/>
-          <a:lstStyle/>
-          <a:p>
-            <a:pPr algn="ctr"/>
-            <a:endParaRPr kumimoji="1" lang="ja-JP" altLang="en-US">
-              <a:solidFill>
-                <a:schemeClr val="tx1"/>
-              </a:solidFill>
-            </a:endParaRPr>
-          </a:p>
-        </p:txBody>
-      </p:sp>
-      <p:pic>
-        <p:nvPicPr>
-          <p:cNvPr id="1124" name="グラフィックス 1123" descr="建物 単色塗りつぶし">
-            <a:extLst>
-              <a:ext uri="{FF2B5EF4-FFF2-40B4-BE49-F238E27FC236}">
-                <a16:creationId xmlns:a16="http://schemas.microsoft.com/office/drawing/2014/main" id="{151544E6-1A47-01A4-C8B7-BDF84E3BDDE2}"/>
-              </a:ext>
-            </a:extLst>
-          </p:cNvPr>
-          <p:cNvPicPr>
-            <a:picLocks noChangeAspect="1"/>
-          </p:cNvPicPr>
-          <p:nvPr/>
-        </p:nvPicPr>
-        <p:blipFill>
-          <a:blip r:embed="rId6">
-            <a:extLst>
-              <a:ext uri="{96DAC541-7B7A-43D3-8B79-37D633B846F1}">
-                <asvg:svgBlip xmlns:asvg="http://schemas.microsoft.com/office/drawing/2016/SVG/main" r:embed="rId7"/>
-              </a:ext>
-            </a:extLst>
-          </a:blip>
-          <a:stretch>
-            <a:fillRect/>
-          </a:stretch>
-        </p:blipFill>
-        <p:spPr>
-          <a:xfrm>
-            <a:off x="2430725" y="2817840"/>
-            <a:ext cx="531671" cy="531671"/>
-          </a:xfrm>
-          <a:prstGeom prst="rect">
-            <a:avLst/>
-          </a:prstGeom>
-        </p:spPr>
-      </p:pic>
-      <p:pic>
-        <p:nvPicPr>
-          <p:cNvPr id="1125" name="グラフィックス 1124" descr="建物 単色塗りつぶし">
-            <a:extLst>
-              <a:ext uri="{FF2B5EF4-FFF2-40B4-BE49-F238E27FC236}">
-                <a16:creationId xmlns:a16="http://schemas.microsoft.com/office/drawing/2014/main" id="{3899F295-013F-F8C8-62DD-104E7DF42CBF}"/>
-              </a:ext>
-            </a:extLst>
-          </p:cNvPr>
-          <p:cNvPicPr>
-            <a:picLocks noChangeAspect="1"/>
-          </p:cNvPicPr>
-          <p:nvPr/>
-        </p:nvPicPr>
-        <p:blipFill>
-          <a:blip r:embed="rId6">
-            <a:extLst>
-              <a:ext uri="{96DAC541-7B7A-43D3-8B79-37D633B846F1}">
-                <asvg:svgBlip xmlns:asvg="http://schemas.microsoft.com/office/drawing/2016/SVG/main" r:embed="rId7"/>
-              </a:ext>
-            </a:extLst>
-          </a:blip>
-          <a:stretch>
-            <a:fillRect/>
-          </a:stretch>
-        </p:blipFill>
-        <p:spPr>
-          <a:xfrm>
-            <a:off x="3488817" y="2817840"/>
-            <a:ext cx="531671" cy="531671"/>
-          </a:xfrm>
-          <a:prstGeom prst="rect">
-            <a:avLst/>
-          </a:prstGeom>
-        </p:spPr>
-      </p:pic>
-      <p:sp>
-        <p:nvSpPr>
-          <p:cNvPr id="1136" name="楕円 1135">
-            <a:extLst>
-              <a:ext uri="{FF2B5EF4-FFF2-40B4-BE49-F238E27FC236}">
-                <a16:creationId xmlns:a16="http://schemas.microsoft.com/office/drawing/2014/main" id="{6914DA98-27C1-6403-281D-6744D9E45F36}"/>
-              </a:ext>
-            </a:extLst>
-          </p:cNvPr>
-          <p:cNvSpPr/>
-          <p:nvPr/>
-        </p:nvSpPr>
-        <p:spPr>
-          <a:xfrm>
-            <a:off x="8271281" y="5494563"/>
-            <a:ext cx="2772796" cy="660080"/>
-          </a:xfrm>
-          <a:prstGeom prst="ellipse">
-            <a:avLst/>
-          </a:prstGeom>
-          <a:noFill/>
-        </p:spPr>
-        <p:style>
-          <a:lnRef idx="2">
-            <a:schemeClr val="accent1">
-              <a:shade val="50000"/>
-            </a:schemeClr>
-          </a:lnRef>
-          <a:fillRef idx="1">
-            <a:schemeClr val="accent1"/>
-          </a:fillRef>
-          <a:effectRef idx="0">
-            <a:schemeClr val="accent1"/>
-          </a:effectRef>
-          <a:fontRef idx="minor">
-            <a:schemeClr val="lt1"/>
-          </a:fontRef>
-        </p:style>
-        <p:txBody>
-          <a:bodyPr rtlCol="0" anchor="ctr"/>
-          <a:lstStyle/>
-          <a:p>
-            <a:pPr algn="ctr"/>
-            <a:endParaRPr kumimoji="1" lang="ja-JP" altLang="en-US">
-              <a:solidFill>
-                <a:schemeClr val="tx1"/>
-              </a:solidFill>
-            </a:endParaRPr>
-          </a:p>
-        </p:txBody>
-      </p:sp>
-      <p:cxnSp>
-        <p:nvCxnSpPr>
-          <p:cNvPr id="1144" name="直線矢印コネクタ 1143">
-            <a:extLst>
-              <a:ext uri="{FF2B5EF4-FFF2-40B4-BE49-F238E27FC236}">
-                <a16:creationId xmlns:a16="http://schemas.microsoft.com/office/drawing/2014/main" id="{0134C7B1-2E24-F125-7276-D0F77607FE11}"/>
-              </a:ext>
-            </a:extLst>
-          </p:cNvPr>
-          <p:cNvCxnSpPr>
-            <a:cxnSpLocks/>
-            <a:stCxn id="1061" idx="2"/>
-          </p:cNvCxnSpPr>
-          <p:nvPr/>
-        </p:nvCxnSpPr>
-        <p:spPr>
-          <a:xfrm flipH="1">
-            <a:off x="9299474" y="3371086"/>
-            <a:ext cx="1644223" cy="2143709"/>
-          </a:xfrm>
-          <a:prstGeom prst="straightConnector1">
-            <a:avLst/>
-          </a:prstGeom>
-          <a:ln>
+          <a:ln w="28575">
+            <a:solidFill>
+              <a:schemeClr val="accent3"/>
+            </a:solidFill>
             <a:headEnd type="none" w="med" len="med"/>
             <a:tailEnd type="triangle"/>
           </a:ln>
@@ -20380,10 +21323,10 @@
       </p:cxnSp>
       <p:pic>
         <p:nvPicPr>
-          <p:cNvPr id="1149" name="グラフィックス 1148" descr="ホーム 単色塗りつぶし">
-            <a:extLst>
-              <a:ext uri="{FF2B5EF4-FFF2-40B4-BE49-F238E27FC236}">
-                <a16:creationId xmlns:a16="http://schemas.microsoft.com/office/drawing/2014/main" id="{58186C6C-0BEF-3439-0325-EF3D0551F01A}"/>
+          <p:cNvPr id="1187" name="グラフィックス 1186" descr="硬貨 単色塗りつぶし">
+            <a:extLst>
+              <a:ext uri="{FF2B5EF4-FFF2-40B4-BE49-F238E27FC236}">
+                <a16:creationId xmlns:a16="http://schemas.microsoft.com/office/drawing/2014/main" id="{D677D534-B841-B708-D6FB-EE2A457F4D20}"/>
               </a:ext>
             </a:extLst>
           </p:cNvPr>
@@ -20393,10 +21336,10 @@
           <p:nvPr/>
         </p:nvPicPr>
         <p:blipFill>
-          <a:blip r:embed="rId2">
+          <a:blip r:embed="rId15">
             <a:extLst>
               <a:ext uri="{96DAC541-7B7A-43D3-8B79-37D633B846F1}">
-                <asvg:svgBlip xmlns:asvg="http://schemas.microsoft.com/office/drawing/2016/SVG/main" r:embed="rId3"/>
+                <asvg:svgBlip xmlns:asvg="http://schemas.microsoft.com/office/drawing/2016/SVG/main" r:embed="rId16"/>
               </a:ext>
             </a:extLst>
           </a:blip>
@@ -20406,20 +21349,60 @@
         </p:blipFill>
         <p:spPr>
           <a:xfrm>
-            <a:off x="10316962" y="5640049"/>
-            <a:ext cx="410309" cy="410309"/>
+            <a:off x="10680470" y="4669865"/>
+            <a:ext cx="323974" cy="323974"/>
           </a:xfrm>
           <a:prstGeom prst="rect">
             <a:avLst/>
           </a:prstGeom>
         </p:spPr>
       </p:pic>
+      <p:sp>
+        <p:nvSpPr>
+          <p:cNvPr id="1188" name="テキスト ボックス 1187">
+            <a:extLst>
+              <a:ext uri="{FF2B5EF4-FFF2-40B4-BE49-F238E27FC236}">
+                <a16:creationId xmlns:a16="http://schemas.microsoft.com/office/drawing/2014/main" id="{91A95BC8-B7C1-1BB1-249F-C43A17710F37}"/>
+              </a:ext>
+            </a:extLst>
+          </p:cNvPr>
+          <p:cNvSpPr txBox="1"/>
+          <p:nvPr/>
+        </p:nvSpPr>
+        <p:spPr>
+          <a:xfrm>
+            <a:off x="10960038" y="4698026"/>
+            <a:ext cx="809651" cy="261610"/>
+          </a:xfrm>
+          <a:prstGeom prst="rect">
+            <a:avLst/>
+          </a:prstGeom>
+          <a:noFill/>
+        </p:spPr>
+        <p:txBody>
+          <a:bodyPr wrap="square" rtlCol="0">
+            <a:spAutoFit/>
+          </a:bodyPr>
+          <a:lstStyle/>
+          <a:p>
+            <a:pPr algn="ctr"/>
+            <a:r>
+              <a:rPr kumimoji="1" lang="en-US" altLang="ja-JP" sz="1100" dirty="0"/>
+              <a:t>DR</a:t>
+            </a:r>
+            <a:r>
+              <a:rPr kumimoji="1" lang="ja-JP" altLang="en-US" sz="1100" dirty="0"/>
+              <a:t>報酬金</a:t>
+            </a:r>
+          </a:p>
+        </p:txBody>
+      </p:sp>
       <p:pic>
         <p:nvPicPr>
-          <p:cNvPr id="1150" name="グラフィックス 1149" descr="工場 単色塗りつぶし">
-            <a:extLst>
-              <a:ext uri="{FF2B5EF4-FFF2-40B4-BE49-F238E27FC236}">
-                <a16:creationId xmlns:a16="http://schemas.microsoft.com/office/drawing/2014/main" id="{B9C7251F-4DDA-E839-1FA0-3930C8266A13}"/>
+          <p:cNvPr id="1189" name="グラフィックス 1188" descr="硬貨 単色塗りつぶし">
+            <a:extLst>
+              <a:ext uri="{FF2B5EF4-FFF2-40B4-BE49-F238E27FC236}">
+                <a16:creationId xmlns:a16="http://schemas.microsoft.com/office/drawing/2014/main" id="{45B2CC6D-6CA4-C944-6F20-E9BBD5BA0D4A}"/>
               </a:ext>
             </a:extLst>
           </p:cNvPr>
@@ -20429,10 +21412,10 @@
           <p:nvPr/>
         </p:nvPicPr>
         <p:blipFill>
-          <a:blip r:embed="rId4">
+          <a:blip r:embed="rId15">
             <a:extLst>
               <a:ext uri="{96DAC541-7B7A-43D3-8B79-37D633B846F1}">
-                <asvg:svgBlip xmlns:asvg="http://schemas.microsoft.com/office/drawing/2016/SVG/main" r:embed="rId5"/>
+                <asvg:svgBlip xmlns:asvg="http://schemas.microsoft.com/office/drawing/2016/SVG/main" r:embed="rId16"/>
               </a:ext>
             </a:extLst>
           </a:blip>
@@ -20442,8 +21425,8 @@
         </p:blipFill>
         <p:spPr>
           <a:xfrm>
-            <a:off x="9789417" y="5641872"/>
-            <a:ext cx="410309" cy="410309"/>
+            <a:off x="9382893" y="4183609"/>
+            <a:ext cx="323974" cy="323974"/>
           </a:xfrm>
           <a:prstGeom prst="rect">
             <a:avLst/>
@@ -20452,10 +21435,10 @@
       </p:pic>
       <p:sp>
         <p:nvSpPr>
-          <p:cNvPr id="1153" name="テキスト ボックス 1152">
-            <a:extLst>
-              <a:ext uri="{FF2B5EF4-FFF2-40B4-BE49-F238E27FC236}">
-                <a16:creationId xmlns:a16="http://schemas.microsoft.com/office/drawing/2014/main" id="{4B4DF57D-9240-515E-DB51-B4832186C507}"/>
+          <p:cNvPr id="1190" name="テキスト ボックス 1189">
+            <a:extLst>
+              <a:ext uri="{FF2B5EF4-FFF2-40B4-BE49-F238E27FC236}">
+                <a16:creationId xmlns:a16="http://schemas.microsoft.com/office/drawing/2014/main" id="{85EAC202-1893-AA72-1CD8-4336FC884C49}"/>
               </a:ext>
             </a:extLst>
           </p:cNvPr>
@@ -20464,8 +21447,8 @@
         </p:nvSpPr>
         <p:spPr>
           <a:xfrm>
-            <a:off x="2654236" y="4516011"/>
-            <a:ext cx="1135716" cy="276999"/>
+            <a:off x="9161888" y="4458391"/>
+            <a:ext cx="809651" cy="261610"/>
           </a:xfrm>
           <a:prstGeom prst="rect">
             <a:avLst/>
@@ -20480,54 +21463,67 @@
           <a:p>
             <a:pPr algn="ctr"/>
             <a:r>
-              <a:rPr kumimoji="1" lang="ja-JP" altLang="en-US" sz="1200" b="1" dirty="0"/>
-              <a:t>広域連携</a:t>
-            </a:r>
-          </a:p>
-        </p:txBody>
-      </p:sp>
-      <p:sp>
-        <p:nvSpPr>
-          <p:cNvPr id="1154" name="テキスト ボックス 1153">
-            <a:extLst>
-              <a:ext uri="{FF2B5EF4-FFF2-40B4-BE49-F238E27FC236}">
-                <a16:creationId xmlns:a16="http://schemas.microsoft.com/office/drawing/2014/main" id="{80AE2B99-C385-7C0A-6414-416EAE59B754}"/>
-              </a:ext>
-            </a:extLst>
-          </p:cNvPr>
-          <p:cNvSpPr txBox="1"/>
+              <a:rPr kumimoji="1" lang="en-US" altLang="ja-JP" sz="1100" dirty="0"/>
+              <a:t>DR</a:t>
+            </a:r>
+            <a:r>
+              <a:rPr kumimoji="1" lang="ja-JP" altLang="en-US" sz="1100" dirty="0"/>
+              <a:t>報酬金</a:t>
+            </a:r>
+          </a:p>
+        </p:txBody>
+      </p:sp>
+      <p:cxnSp>
+        <p:nvCxnSpPr>
+          <p:cNvPr id="1191" name="直線矢印コネクタ 1190">
+            <a:extLst>
+              <a:ext uri="{FF2B5EF4-FFF2-40B4-BE49-F238E27FC236}">
+                <a16:creationId xmlns:a16="http://schemas.microsoft.com/office/drawing/2014/main" id="{6FCD0DAD-E34E-F54A-E4F0-9CEC8A53E269}"/>
+              </a:ext>
+            </a:extLst>
+          </p:cNvPr>
+          <p:cNvCxnSpPr>
+            <a:cxnSpLocks/>
+          </p:cNvCxnSpPr>
           <p:nvPr/>
-        </p:nvSpPr>
-        <p:spPr>
-          <a:xfrm>
-            <a:off x="9087280" y="3079893"/>
-            <a:ext cx="1135716" cy="307777"/>
-          </a:xfrm>
-          <a:prstGeom prst="rect">
-            <a:avLst/>
-          </a:prstGeom>
-          <a:noFill/>
-        </p:spPr>
-        <p:txBody>
-          <a:bodyPr wrap="square" rtlCol="0">
-            <a:spAutoFit/>
-          </a:bodyPr>
-          <a:lstStyle/>
-          <a:p>
-            <a:pPr algn="ctr"/>
-            <a:r>
-              <a:rPr kumimoji="1" lang="ja-JP" altLang="en-US" sz="1400" b="1" dirty="0"/>
-              <a:t>広域連携</a:t>
-            </a:r>
-          </a:p>
-        </p:txBody>
-      </p:sp>
-      <p:sp>
-        <p:nvSpPr>
-          <p:cNvPr id="1161" name="矢印: 左右 1160">
-            <a:extLst>
-              <a:ext uri="{FF2B5EF4-FFF2-40B4-BE49-F238E27FC236}">
-                <a16:creationId xmlns:a16="http://schemas.microsoft.com/office/drawing/2014/main" id="{3F49F4B4-6B61-070F-E250-532AF1F9D16E}"/>
+        </p:nvCxnSpPr>
+        <p:spPr>
+          <a:xfrm>
+            <a:off x="9222701" y="4157542"/>
+            <a:ext cx="581822" cy="7608"/>
+          </a:xfrm>
+          <a:prstGeom prst="straightConnector1">
+            <a:avLst/>
+          </a:prstGeom>
+          <a:ln w="28575">
+            <a:solidFill>
+              <a:schemeClr val="accent3"/>
+            </a:solidFill>
+            <a:headEnd type="none" w="med" len="med"/>
+            <a:tailEnd type="triangle"/>
+          </a:ln>
+        </p:spPr>
+        <p:style>
+          <a:lnRef idx="1">
+            <a:schemeClr val="accent1"/>
+          </a:lnRef>
+          <a:fillRef idx="0">
+            <a:schemeClr val="accent1"/>
+          </a:fillRef>
+          <a:effectRef idx="0">
+            <a:schemeClr val="accent1"/>
+          </a:effectRef>
+          <a:fontRef idx="minor">
+            <a:schemeClr val="tx1"/>
+          </a:fontRef>
+        </p:style>
+      </p:cxnSp>
+      <p:sp>
+        <p:nvSpPr>
+          <p:cNvPr id="1206" name="矢印: 左右 1205">
+            <a:extLst>
+              <a:ext uri="{FF2B5EF4-FFF2-40B4-BE49-F238E27FC236}">
+                <a16:creationId xmlns:a16="http://schemas.microsoft.com/office/drawing/2014/main" id="{588FF40E-0912-77B8-F2AB-2AE0C21D450D}"/>
               </a:ext>
             </a:extLst>
           </p:cNvPr>
@@ -20536,8 +21532,8 @@
         </p:nvSpPr>
         <p:spPr>
           <a:xfrm>
-            <a:off x="6977250" y="4180392"/>
-            <a:ext cx="566577" cy="169277"/>
+            <a:off x="4669856" y="2226897"/>
+            <a:ext cx="468245" cy="169277"/>
           </a:xfrm>
           <a:prstGeom prst="leftRightArrow">
             <a:avLst/>
@@ -20577,10 +21573,10 @@
       </p:sp>
       <p:sp>
         <p:nvSpPr>
-          <p:cNvPr id="1162" name="テキスト ボックス 1161">
-            <a:extLst>
-              <a:ext uri="{FF2B5EF4-FFF2-40B4-BE49-F238E27FC236}">
-                <a16:creationId xmlns:a16="http://schemas.microsoft.com/office/drawing/2014/main" id="{18BBB740-A077-D511-6C80-2F45893ED4C7}"/>
+          <p:cNvPr id="1207" name="テキスト ボックス 1206">
+            <a:extLst>
+              <a:ext uri="{FF2B5EF4-FFF2-40B4-BE49-F238E27FC236}">
+                <a16:creationId xmlns:a16="http://schemas.microsoft.com/office/drawing/2014/main" id="{37AB5B15-F5F6-36EA-D6E1-F9956BF7D2A9}"/>
               </a:ext>
             </a:extLst>
           </p:cNvPr>
@@ -20589,8 +21585,8 @@
         </p:nvSpPr>
         <p:spPr>
           <a:xfrm>
-            <a:off x="5392959" y="6303286"/>
-            <a:ext cx="1338450" cy="338554"/>
+            <a:off x="4339592" y="1961262"/>
+            <a:ext cx="1119242" cy="276999"/>
           </a:xfrm>
           <a:prstGeom prst="rect">
             <a:avLst/>
@@ -20605,80 +21601,8 @@
           <a:p>
             <a:pPr algn="ctr"/>
             <a:r>
-              <a:rPr kumimoji="1" lang="ja-JP" altLang="en-US" sz="1600" dirty="0"/>
-              <a:t>分散型電源</a:t>
-            </a:r>
-          </a:p>
-        </p:txBody>
-      </p:sp>
-      <p:sp>
-        <p:nvSpPr>
-          <p:cNvPr id="1163" name="テキスト ボックス 1162">
-            <a:extLst>
-              <a:ext uri="{FF2B5EF4-FFF2-40B4-BE49-F238E27FC236}">
-                <a16:creationId xmlns:a16="http://schemas.microsoft.com/office/drawing/2014/main" id="{399AA835-357B-AFE4-185E-E7420E9D36C1}"/>
-              </a:ext>
-            </a:extLst>
-          </p:cNvPr>
-          <p:cNvSpPr txBox="1"/>
-          <p:nvPr/>
-        </p:nvSpPr>
-        <p:spPr>
-          <a:xfrm>
-            <a:off x="-48075" y="4759661"/>
-            <a:ext cx="1338450" cy="338554"/>
-          </a:xfrm>
-          <a:prstGeom prst="rect">
-            <a:avLst/>
-          </a:prstGeom>
-          <a:noFill/>
-        </p:spPr>
-        <p:txBody>
-          <a:bodyPr wrap="square" rtlCol="0">
-            <a:spAutoFit/>
-          </a:bodyPr>
-          <a:lstStyle/>
-          <a:p>
-            <a:pPr algn="ctr"/>
-            <a:r>
-              <a:rPr kumimoji="1" lang="ja-JP" altLang="en-US" sz="1600" dirty="0"/>
-              <a:t>発送電分離</a:t>
-            </a:r>
-          </a:p>
-        </p:txBody>
-      </p:sp>
-      <p:sp>
-        <p:nvSpPr>
-          <p:cNvPr id="1164" name="テキスト ボックス 1163">
-            <a:extLst>
-              <a:ext uri="{FF2B5EF4-FFF2-40B4-BE49-F238E27FC236}">
-                <a16:creationId xmlns:a16="http://schemas.microsoft.com/office/drawing/2014/main" id="{F50B4BA4-7854-3074-87EC-FF5C3EB34FA5}"/>
-              </a:ext>
-            </a:extLst>
-          </p:cNvPr>
-          <p:cNvSpPr txBox="1"/>
-          <p:nvPr/>
-        </p:nvSpPr>
-        <p:spPr>
-          <a:xfrm>
-            <a:off x="10423217" y="4198102"/>
-            <a:ext cx="1338450" cy="338554"/>
-          </a:xfrm>
-          <a:prstGeom prst="rect">
-            <a:avLst/>
-          </a:prstGeom>
-          <a:noFill/>
-        </p:spPr>
-        <p:txBody>
-          <a:bodyPr wrap="square" rtlCol="0">
-            <a:spAutoFit/>
-          </a:bodyPr>
-          <a:lstStyle/>
-          <a:p>
-            <a:pPr algn="ctr"/>
-            <a:r>
-              <a:rPr kumimoji="1" lang="ja-JP" altLang="en-US" sz="1600" dirty="0"/>
-              <a:t>電力自由化</a:t>
+              <a:rPr kumimoji="1" lang="ja-JP" altLang="en-US" sz="1200" b="1" dirty="0"/>
+              <a:t>運用効率化</a:t>
             </a:r>
           </a:p>
         </p:txBody>
